--- a/Git.pptx
+++ b/Git.pptx
@@ -5,7 +5,7 @@
     <p:sldMasterId id="2147483658" r:id="rId1"/>
   </p:sldMasterIdLst>
   <p:notesMasterIdLst>
-    <p:notesMasterId r:id="rId24"/>
+    <p:notesMasterId r:id="rId31"/>
   </p:notesMasterIdLst>
   <p:sldIdLst>
     <p:sldId id="256" r:id="rId2"/>
@@ -23,41 +23,48 @@
     <p:sldId id="304" r:id="rId14"/>
     <p:sldId id="306" r:id="rId15"/>
     <p:sldId id="307" r:id="rId16"/>
-    <p:sldId id="296" r:id="rId17"/>
-    <p:sldId id="263" r:id="rId18"/>
-    <p:sldId id="300" r:id="rId19"/>
-    <p:sldId id="301" r:id="rId20"/>
-    <p:sldId id="308" r:id="rId21"/>
-    <p:sldId id="302" r:id="rId22"/>
-    <p:sldId id="262" r:id="rId23"/>
+    <p:sldId id="309" r:id="rId17"/>
+    <p:sldId id="310" r:id="rId18"/>
+    <p:sldId id="311" r:id="rId19"/>
+    <p:sldId id="312" r:id="rId20"/>
+    <p:sldId id="313" r:id="rId21"/>
+    <p:sldId id="314" r:id="rId22"/>
+    <p:sldId id="315" r:id="rId23"/>
+    <p:sldId id="296" r:id="rId24"/>
+    <p:sldId id="263" r:id="rId25"/>
+    <p:sldId id="300" r:id="rId26"/>
+    <p:sldId id="301" r:id="rId27"/>
+    <p:sldId id="308" r:id="rId28"/>
+    <p:sldId id="302" r:id="rId29"/>
+    <p:sldId id="262" r:id="rId30"/>
   </p:sldIdLst>
   <p:sldSz cx="9144000" cy="5143500" type="screen16x9"/>
   <p:notesSz cx="6858000" cy="9144000"/>
   <p:embeddedFontLst>
     <p:embeddedFont>
-      <p:font typeface="Lato" panose="020B0600000101010101" charset="0"/>
-      <p:regular r:id="rId25"/>
-      <p:bold r:id="rId26"/>
-      <p:italic r:id="rId27"/>
-      <p:boldItalic r:id="rId28"/>
+      <p:font typeface="Lato" panose="020F0502020204030203" pitchFamily="34" charset="0"/>
+      <p:regular r:id="rId32"/>
+      <p:bold r:id="rId33"/>
+      <p:italic r:id="rId34"/>
+      <p:boldItalic r:id="rId35"/>
     </p:embeddedFont>
     <p:embeddedFont>
-      <p:font typeface="Raleway" panose="020B0600000101010101" charset="0"/>
-      <p:regular r:id="rId29"/>
-      <p:bold r:id="rId30"/>
-      <p:italic r:id="rId31"/>
-      <p:boldItalic r:id="rId32"/>
+      <p:font typeface="Raleway" pitchFamily="2" charset="0"/>
+      <p:regular r:id="rId36"/>
+      <p:bold r:id="rId37"/>
+      <p:italic r:id="rId38"/>
+      <p:boldItalic r:id="rId39"/>
     </p:embeddedFont>
     <p:embeddedFont>
       <p:font typeface="Roboto Condensed" panose="02000000000000000000" pitchFamily="2" charset="0"/>
-      <p:regular r:id="rId33"/>
-      <p:bold r:id="rId34"/>
-      <p:italic r:id="rId35"/>
-      <p:boldItalic r:id="rId36"/>
+      <p:regular r:id="rId40"/>
+      <p:bold r:id="rId41"/>
+      <p:italic r:id="rId42"/>
+      <p:boldItalic r:id="rId43"/>
     </p:embeddedFont>
     <p:embeddedFont>
       <p:font typeface="마루 부리 Beta" panose="020B0600000101010101" pitchFamily="50" charset="-127"/>
-      <p:regular r:id="rId37"/>
+      <p:regular r:id="rId44"/>
     </p:embeddedFont>
   </p:embeddedFontLst>
   <p:defaultTextStyle>
@@ -302,7 +309,7 @@
   <pc:docChgLst>
     <pc:chgData name="JUNGSOHEE" userId="749ab25c-db57-4d5e-b3ad-22e9c56fe27f" providerId="ADAL" clId="{C96BC311-9BD9-4A18-9572-61DE8DA684BC}"/>
     <pc:docChg chg="undo redo custSel addSld delSld modSld sldOrd modShowInfo">
-      <pc:chgData name="JUNGSOHEE" userId="749ab25c-db57-4d5e-b3ad-22e9c56fe27f" providerId="ADAL" clId="{C96BC311-9BD9-4A18-9572-61DE8DA684BC}" dt="2021-08-31T23:24:46.045" v="12623" actId="20577"/>
+      <pc:chgData name="JUNGSOHEE" userId="749ab25c-db57-4d5e-b3ad-22e9c56fe27f" providerId="ADAL" clId="{C96BC311-9BD9-4A18-9572-61DE8DA684BC}" dt="2021-09-15T01:49:55.974" v="16174" actId="20577"/>
       <pc:docMkLst>
         <pc:docMk/>
       </pc:docMkLst>
@@ -322,7 +329,7 @@
         </pc:spChg>
       </pc:sldChg>
       <pc:sldChg chg="modSp mod modNotesTx">
-        <pc:chgData name="JUNGSOHEE" userId="749ab25c-db57-4d5e-b3ad-22e9c56fe27f" providerId="ADAL" clId="{C96BC311-9BD9-4A18-9572-61DE8DA684BC}" dt="2021-08-31T23:15:21.285" v="11779" actId="20577"/>
+        <pc:chgData name="JUNGSOHEE" userId="749ab25c-db57-4d5e-b3ad-22e9c56fe27f" providerId="ADAL" clId="{C96BC311-9BD9-4A18-9572-61DE8DA684BC}" dt="2021-09-15T01:28:05.524" v="15639" actId="20577"/>
         <pc:sldMkLst>
           <pc:docMk/>
           <pc:sldMk cId="0" sldId="259"/>
@@ -337,7 +344,7 @@
         </pc:spChg>
       </pc:sldChg>
       <pc:sldChg chg="modSp mod modNotesTx">
-        <pc:chgData name="JUNGSOHEE" userId="749ab25c-db57-4d5e-b3ad-22e9c56fe27f" providerId="ADAL" clId="{C96BC311-9BD9-4A18-9572-61DE8DA684BC}" dt="2021-08-26T04:12:05.316" v="246" actId="20577"/>
+        <pc:chgData name="JUNGSOHEE" userId="749ab25c-db57-4d5e-b3ad-22e9c56fe27f" providerId="ADAL" clId="{C96BC311-9BD9-4A18-9572-61DE8DA684BC}" dt="2021-09-14T13:38:44.703" v="12893" actId="20577"/>
         <pc:sldMkLst>
           <pc:docMk/>
           <pc:sldMk cId="0" sldId="260"/>
@@ -360,7 +367,7 @@
         </pc:picChg>
       </pc:sldChg>
       <pc:sldChg chg="modSp mod modNotesTx">
-        <pc:chgData name="JUNGSOHEE" userId="749ab25c-db57-4d5e-b3ad-22e9c56fe27f" providerId="ADAL" clId="{C96BC311-9BD9-4A18-9572-61DE8DA684BC}" dt="2021-08-31T23:15:37.349" v="11791" actId="20577"/>
+        <pc:chgData name="JUNGSOHEE" userId="749ab25c-db57-4d5e-b3ad-22e9c56fe27f" providerId="ADAL" clId="{C96BC311-9BD9-4A18-9572-61DE8DA684BC}" dt="2021-09-15T01:28:28.907" v="15652" actId="20577"/>
         <pc:sldMkLst>
           <pc:docMk/>
           <pc:sldMk cId="0" sldId="261"/>
@@ -390,8 +397,8 @@
           </ac:spMkLst>
         </pc:spChg>
       </pc:sldChg>
-      <pc:sldChg chg="modSp mod modNotesTx">
-        <pc:chgData name="JUNGSOHEE" userId="749ab25c-db57-4d5e-b3ad-22e9c56fe27f" providerId="ADAL" clId="{C96BC311-9BD9-4A18-9572-61DE8DA684BC}" dt="2021-08-31T23:24:46.045" v="12623" actId="20577"/>
+      <pc:sldChg chg="delSp modSp mod modNotesTx">
+        <pc:chgData name="JUNGSOHEE" userId="749ab25c-db57-4d5e-b3ad-22e9c56fe27f" providerId="ADAL" clId="{C96BC311-9BD9-4A18-9572-61DE8DA684BC}" dt="2021-09-14T13:53:08.309" v="14723" actId="20577"/>
         <pc:sldMkLst>
           <pc:docMk/>
           <pc:sldMk cId="0" sldId="262"/>
@@ -404,8 +411,8 @@
             <ac:spMk id="132" creationId="{00000000-0000-0000-0000-000000000000}"/>
           </ac:spMkLst>
         </pc:spChg>
-        <pc:spChg chg="mod">
-          <ac:chgData name="JUNGSOHEE" userId="749ab25c-db57-4d5e-b3ad-22e9c56fe27f" providerId="ADAL" clId="{C96BC311-9BD9-4A18-9572-61DE8DA684BC}" dt="2021-08-30T07:53:13.641" v="7667" actId="20577"/>
+        <pc:spChg chg="del mod">
+          <ac:chgData name="JUNGSOHEE" userId="749ab25c-db57-4d5e-b3ad-22e9c56fe27f" providerId="ADAL" clId="{C96BC311-9BD9-4A18-9572-61DE8DA684BC}" dt="2021-09-14T13:52:29.137" v="14529" actId="478"/>
           <ac:spMkLst>
             <pc:docMk/>
             <pc:sldMk cId="0" sldId="262"/>
@@ -477,7 +484,7 @@
         </pc:picChg>
       </pc:sldChg>
       <pc:sldChg chg="modSp mod modNotesTx">
-        <pc:chgData name="JUNGSOHEE" userId="749ab25c-db57-4d5e-b3ad-22e9c56fe27f" providerId="ADAL" clId="{C96BC311-9BD9-4A18-9572-61DE8DA684BC}" dt="2021-08-31T23:14:33.687" v="11587" actId="20577"/>
+        <pc:chgData name="JUNGSOHEE" userId="749ab25c-db57-4d5e-b3ad-22e9c56fe27f" providerId="ADAL" clId="{C96BC311-9BD9-4A18-9572-61DE8DA684BC}" dt="2021-09-15T01:27:48.062" v="15567" actId="20577"/>
         <pc:sldMkLst>
           <pc:docMk/>
           <pc:sldMk cId="0" sldId="264"/>
@@ -499,7 +506,7 @@
           </ac:spMkLst>
         </pc:spChg>
         <pc:spChg chg="mod">
-          <ac:chgData name="JUNGSOHEE" userId="749ab25c-db57-4d5e-b3ad-22e9c56fe27f" providerId="ADAL" clId="{C96BC311-9BD9-4A18-9572-61DE8DA684BC}" dt="2021-08-30T07:47:30.321" v="7609" actId="1076"/>
+          <ac:chgData name="JUNGSOHEE" userId="749ab25c-db57-4d5e-b3ad-22e9c56fe27f" providerId="ADAL" clId="{C96BC311-9BD9-4A18-9572-61DE8DA684BC}" dt="2021-09-15T01:27:43.942" v="15566" actId="1076"/>
           <ac:spMkLst>
             <pc:docMk/>
             <pc:sldMk cId="0" sldId="264"/>
@@ -507,7 +514,7 @@
           </ac:spMkLst>
         </pc:spChg>
         <pc:spChg chg="mod">
-          <ac:chgData name="JUNGSOHEE" userId="749ab25c-db57-4d5e-b3ad-22e9c56fe27f" providerId="ADAL" clId="{C96BC311-9BD9-4A18-9572-61DE8DA684BC}" dt="2021-08-30T07:47:27.120" v="7608" actId="1076"/>
+          <ac:chgData name="JUNGSOHEE" userId="749ab25c-db57-4d5e-b3ad-22e9c56fe27f" providerId="ADAL" clId="{C96BC311-9BD9-4A18-9572-61DE8DA684BC}" dt="2021-09-15T01:27:41.554" v="15565" actId="1076"/>
           <ac:spMkLst>
             <pc:docMk/>
             <pc:sldMk cId="0" sldId="264"/>
@@ -773,14 +780,14 @@
           <pc:sldMk cId="0" sldId="294"/>
         </pc:sldMkLst>
       </pc:sldChg>
-      <pc:sldChg chg="modSp mod ord">
-        <pc:chgData name="JUNGSOHEE" userId="749ab25c-db57-4d5e-b3ad-22e9c56fe27f" providerId="ADAL" clId="{C96BC311-9BD9-4A18-9572-61DE8DA684BC}" dt="2021-08-26T04:03:36.518" v="4"/>
+      <pc:sldChg chg="modSp mod ord modNotesTx">
+        <pc:chgData name="JUNGSOHEE" userId="749ab25c-db57-4d5e-b3ad-22e9c56fe27f" providerId="ADAL" clId="{C96BC311-9BD9-4A18-9572-61DE8DA684BC}" dt="2021-09-15T01:49:55.974" v="16174" actId="20577"/>
         <pc:sldMkLst>
           <pc:docMk/>
           <pc:sldMk cId="2255912313" sldId="295"/>
         </pc:sldMkLst>
         <pc:spChg chg="mod">
-          <ac:chgData name="JUNGSOHEE" userId="749ab25c-db57-4d5e-b3ad-22e9c56fe27f" providerId="ADAL" clId="{C96BC311-9BD9-4A18-9572-61DE8DA684BC}" dt="2021-08-26T04:03:36.518" v="4"/>
+          <ac:chgData name="JUNGSOHEE" userId="749ab25c-db57-4d5e-b3ad-22e9c56fe27f" providerId="ADAL" clId="{C96BC311-9BD9-4A18-9572-61DE8DA684BC}" dt="2021-09-14T13:37:52.557" v="12647" actId="2711"/>
           <ac:spMkLst>
             <pc:docMk/>
             <pc:sldMk cId="2255912313" sldId="295"/>
@@ -789,13 +796,13 @@
         </pc:spChg>
       </pc:sldChg>
       <pc:sldChg chg="addSp delSp modSp add del mod modNotesTx">
-        <pc:chgData name="JUNGSOHEE" userId="749ab25c-db57-4d5e-b3ad-22e9c56fe27f" providerId="ADAL" clId="{C96BC311-9BD9-4A18-9572-61DE8DA684BC}" dt="2021-08-31T23:19:53.188" v="12263" actId="20577"/>
+        <pc:chgData name="JUNGSOHEE" userId="749ab25c-db57-4d5e-b3ad-22e9c56fe27f" providerId="ADAL" clId="{C96BC311-9BD9-4A18-9572-61DE8DA684BC}" dt="2021-09-15T01:42:01.867" v="16148" actId="20577"/>
         <pc:sldMkLst>
           <pc:docMk/>
           <pc:sldMk cId="1620251038" sldId="296"/>
         </pc:sldMkLst>
         <pc:spChg chg="mod">
-          <ac:chgData name="JUNGSOHEE" userId="749ab25c-db57-4d5e-b3ad-22e9c56fe27f" providerId="ADAL" clId="{C96BC311-9BD9-4A18-9572-61DE8DA684BC}" dt="2021-08-30T09:27:27.943" v="10060"/>
+          <ac:chgData name="JUNGSOHEE" userId="749ab25c-db57-4d5e-b3ad-22e9c56fe27f" providerId="ADAL" clId="{C96BC311-9BD9-4A18-9572-61DE8DA684BC}" dt="2021-09-14T13:22:42.086" v="12624" actId="20577"/>
           <ac:spMkLst>
             <pc:docMk/>
             <pc:sldMk cId="1620251038" sldId="296"/>
@@ -1317,7 +1324,7 @@
         </pc:picChg>
       </pc:sldChg>
       <pc:sldChg chg="addSp delSp modSp add mod ord modAnim modNotesTx">
-        <pc:chgData name="JUNGSOHEE" userId="749ab25c-db57-4d5e-b3ad-22e9c56fe27f" providerId="ADAL" clId="{C96BC311-9BD9-4A18-9572-61DE8DA684BC}" dt="2021-08-31T23:17:39.965" v="11927"/>
+        <pc:chgData name="JUNGSOHEE" userId="749ab25c-db57-4d5e-b3ad-22e9c56fe27f" providerId="ADAL" clId="{C96BC311-9BD9-4A18-9572-61DE8DA684BC}" dt="2021-09-15T01:32:33.204" v="15734" actId="20577"/>
         <pc:sldMkLst>
           <pc:docMk/>
           <pc:sldMk cId="2721082957" sldId="304"/>
@@ -1371,13 +1378,13 @@
         </pc:picChg>
       </pc:sldChg>
       <pc:sldChg chg="addSp delSp modSp add mod modAnim modNotesTx">
-        <pc:chgData name="JUNGSOHEE" userId="749ab25c-db57-4d5e-b3ad-22e9c56fe27f" providerId="ADAL" clId="{C96BC311-9BD9-4A18-9572-61DE8DA684BC}" dt="2021-08-30T09:20:23.057" v="9668" actId="20577"/>
+        <pc:chgData name="JUNGSOHEE" userId="749ab25c-db57-4d5e-b3ad-22e9c56fe27f" providerId="ADAL" clId="{C96BC311-9BD9-4A18-9572-61DE8DA684BC}" dt="2021-09-15T01:34:35.777" v="15790" actId="20577"/>
         <pc:sldMkLst>
           <pc:docMk/>
           <pc:sldMk cId="162757161" sldId="306"/>
         </pc:sldMkLst>
         <pc:spChg chg="mod">
-          <ac:chgData name="JUNGSOHEE" userId="749ab25c-db57-4d5e-b3ad-22e9c56fe27f" providerId="ADAL" clId="{C96BC311-9BD9-4A18-9572-61DE8DA684BC}" dt="2021-08-30T08:43:21.900" v="9280" actId="2711"/>
+          <ac:chgData name="JUNGSOHEE" userId="749ab25c-db57-4d5e-b3ad-22e9c56fe27f" providerId="ADAL" clId="{C96BC311-9BD9-4A18-9572-61DE8DA684BC}" dt="2021-09-14T13:37:37.300" v="12646" actId="1076"/>
           <ac:spMkLst>
             <pc:docMk/>
             <pc:sldMk cId="162757161" sldId="306"/>
@@ -1551,18 +1558,347 @@
           </ac:picMkLst>
         </pc:picChg>
       </pc:sldChg>
-      <pc:sldChg chg="addSp modSp add ord modNotesTx">
-        <pc:chgData name="JUNGSOHEE" userId="749ab25c-db57-4d5e-b3ad-22e9c56fe27f" providerId="ADAL" clId="{C96BC311-9BD9-4A18-9572-61DE8DA684BC}" dt="2021-08-31T23:22:25.956" v="12412" actId="20577"/>
+      <pc:sldChg chg="addSp delSp modSp add mod ord delAnim modNotesTx">
+        <pc:chgData name="JUNGSOHEE" userId="749ab25c-db57-4d5e-b3ad-22e9c56fe27f" providerId="ADAL" clId="{C96BC311-9BD9-4A18-9572-61DE8DA684BC}" dt="2021-09-15T01:45:33.398" v="16171" actId="20577"/>
         <pc:sldMkLst>
           <pc:docMk/>
           <pc:sldMk cId="560245229" sldId="308"/>
         </pc:sldMkLst>
+        <pc:spChg chg="del">
+          <ac:chgData name="JUNGSOHEE" userId="749ab25c-db57-4d5e-b3ad-22e9c56fe27f" providerId="ADAL" clId="{C96BC311-9BD9-4A18-9572-61DE8DA684BC}" dt="2021-09-15T01:45:13.106" v="16164" actId="478"/>
+          <ac:spMkLst>
+            <pc:docMk/>
+            <pc:sldMk cId="560245229" sldId="308"/>
+            <ac:spMk id="11" creationId="{0A10330D-B81C-4B62-BDC8-8DD6956F6F39}"/>
+          </ac:spMkLst>
+        </pc:spChg>
+        <pc:picChg chg="del">
+          <ac:chgData name="JUNGSOHEE" userId="749ab25c-db57-4d5e-b3ad-22e9c56fe27f" providerId="ADAL" clId="{C96BC311-9BD9-4A18-9572-61DE8DA684BC}" dt="2021-09-15T01:45:11.879" v="16163" actId="478"/>
+          <ac:picMkLst>
+            <pc:docMk/>
+            <pc:sldMk cId="560245229" sldId="308"/>
+            <ac:picMk id="5" creationId="{3DD85DD4-0978-493F-A3AA-FCACA8A2886F}"/>
+          </ac:picMkLst>
+        </pc:picChg>
+        <pc:picChg chg="mod">
+          <ac:chgData name="JUNGSOHEE" userId="749ab25c-db57-4d5e-b3ad-22e9c56fe27f" providerId="ADAL" clId="{C96BC311-9BD9-4A18-9572-61DE8DA684BC}" dt="2021-09-15T01:45:20.399" v="16169" actId="1076"/>
+          <ac:picMkLst>
+            <pc:docMk/>
+            <pc:sldMk cId="560245229" sldId="308"/>
+            <ac:picMk id="9" creationId="{CC2B1F7B-267F-4629-8AC0-381A280F8824}"/>
+          </ac:picMkLst>
+        </pc:picChg>
         <pc:picChg chg="add mod">
-          <ac:chgData name="JUNGSOHEE" userId="749ab25c-db57-4d5e-b3ad-22e9c56fe27f" providerId="ADAL" clId="{C96BC311-9BD9-4A18-9572-61DE8DA684BC}" dt="2021-08-30T09:41:08.040" v="10886" actId="167"/>
+          <ac:chgData name="JUNGSOHEE" userId="749ab25c-db57-4d5e-b3ad-22e9c56fe27f" providerId="ADAL" clId="{C96BC311-9BD9-4A18-9572-61DE8DA684BC}" dt="2021-09-15T01:45:18.074" v="16168" actId="1076"/>
           <ac:picMkLst>
             <pc:docMk/>
             <pc:sldMk cId="560245229" sldId="308"/>
             <ac:picMk id="12290" creationId="{C64FC81D-0259-477B-AC4B-1736B4CD2ACD}"/>
+          </ac:picMkLst>
+        </pc:picChg>
+      </pc:sldChg>
+      <pc:sldChg chg="modSp add mod ord">
+        <pc:chgData name="JUNGSOHEE" userId="749ab25c-db57-4d5e-b3ad-22e9c56fe27f" providerId="ADAL" clId="{C96BC311-9BD9-4A18-9572-61DE8DA684BC}" dt="2021-09-14T13:37:31.188" v="12645" actId="2711"/>
+        <pc:sldMkLst>
+          <pc:docMk/>
+          <pc:sldMk cId="573660461" sldId="309"/>
+        </pc:sldMkLst>
+        <pc:spChg chg="mod">
+          <ac:chgData name="JUNGSOHEE" userId="749ab25c-db57-4d5e-b3ad-22e9c56fe27f" providerId="ADAL" clId="{C96BC311-9BD9-4A18-9572-61DE8DA684BC}" dt="2021-09-14T13:37:31.188" v="12645" actId="2711"/>
+          <ac:spMkLst>
+            <pc:docMk/>
+            <pc:sldMk cId="573660461" sldId="309"/>
+            <ac:spMk id="111" creationId="{00000000-0000-0000-0000-000000000000}"/>
+          </ac:spMkLst>
+        </pc:spChg>
+      </pc:sldChg>
+      <pc:sldChg chg="addSp delSp modSp add mod ord modNotesTx">
+        <pc:chgData name="JUNGSOHEE" userId="749ab25c-db57-4d5e-b3ad-22e9c56fe27f" providerId="ADAL" clId="{C96BC311-9BD9-4A18-9572-61DE8DA684BC}" dt="2021-09-14T13:41:56.267" v="13556" actId="20577"/>
+        <pc:sldMkLst>
+          <pc:docMk/>
+          <pc:sldMk cId="738896422" sldId="310"/>
+        </pc:sldMkLst>
+        <pc:spChg chg="mod">
+          <ac:chgData name="JUNGSOHEE" userId="749ab25c-db57-4d5e-b3ad-22e9c56fe27f" providerId="ADAL" clId="{C96BC311-9BD9-4A18-9572-61DE8DA684BC}" dt="2021-09-14T13:39:30.505" v="12919" actId="20577"/>
+          <ac:spMkLst>
+            <pc:docMk/>
+            <pc:sldMk cId="738896422" sldId="310"/>
+            <ac:spMk id="198" creationId="{00000000-0000-0000-0000-000000000000}"/>
+          </ac:spMkLst>
+        </pc:spChg>
+        <pc:picChg chg="add mod">
+          <ac:chgData name="JUNGSOHEE" userId="749ab25c-db57-4d5e-b3ad-22e9c56fe27f" providerId="ADAL" clId="{C96BC311-9BD9-4A18-9572-61DE8DA684BC}" dt="2021-09-14T13:40:59.263" v="13369" actId="1076"/>
+          <ac:picMkLst>
+            <pc:docMk/>
+            <pc:sldMk cId="738896422" sldId="310"/>
+            <ac:picMk id="1026" creationId="{6DCDDE4B-6DB5-45F1-8AAC-1BBD66D9715C}"/>
+          </ac:picMkLst>
+        </pc:picChg>
+        <pc:picChg chg="del">
+          <ac:chgData name="JUNGSOHEE" userId="749ab25c-db57-4d5e-b3ad-22e9c56fe27f" providerId="ADAL" clId="{C96BC311-9BD9-4A18-9572-61DE8DA684BC}" dt="2021-09-14T13:39:32.126" v="12920" actId="478"/>
+          <ac:picMkLst>
+            <pc:docMk/>
+            <pc:sldMk cId="738896422" sldId="310"/>
+            <ac:picMk id="6146" creationId="{5A827861-28E4-4E7A-B69E-53BC117C5338}"/>
+          </ac:picMkLst>
+        </pc:picChg>
+      </pc:sldChg>
+      <pc:sldChg chg="addSp delSp modSp add mod modAnim modNotesTx">
+        <pc:chgData name="JUNGSOHEE" userId="749ab25c-db57-4d5e-b3ad-22e9c56fe27f" providerId="ADAL" clId="{C96BC311-9BD9-4A18-9572-61DE8DA684BC}" dt="2021-09-14T13:48:21.467" v="14342" actId="20577"/>
+        <pc:sldMkLst>
+          <pc:docMk/>
+          <pc:sldMk cId="3434263946" sldId="311"/>
+        </pc:sldMkLst>
+        <pc:spChg chg="mod">
+          <ac:chgData name="JUNGSOHEE" userId="749ab25c-db57-4d5e-b3ad-22e9c56fe27f" providerId="ADAL" clId="{C96BC311-9BD9-4A18-9572-61DE8DA684BC}" dt="2021-09-14T13:48:21.467" v="14342" actId="20577"/>
+          <ac:spMkLst>
+            <pc:docMk/>
+            <pc:sldMk cId="3434263946" sldId="311"/>
+            <ac:spMk id="198" creationId="{00000000-0000-0000-0000-000000000000}"/>
+          </ac:spMkLst>
+        </pc:spChg>
+        <pc:picChg chg="del">
+          <ac:chgData name="JUNGSOHEE" userId="749ab25c-db57-4d5e-b3ad-22e9c56fe27f" providerId="ADAL" clId="{C96BC311-9BD9-4A18-9572-61DE8DA684BC}" dt="2021-09-14T13:43:01.780" v="13591" actId="478"/>
+          <ac:picMkLst>
+            <pc:docMk/>
+            <pc:sldMk cId="3434263946" sldId="311"/>
+            <ac:picMk id="1026" creationId="{6DCDDE4B-6DB5-45F1-8AAC-1BBD66D9715C}"/>
+          </ac:picMkLst>
+        </pc:picChg>
+        <pc:picChg chg="add mod">
+          <ac:chgData name="JUNGSOHEE" userId="749ab25c-db57-4d5e-b3ad-22e9c56fe27f" providerId="ADAL" clId="{C96BC311-9BD9-4A18-9572-61DE8DA684BC}" dt="2021-09-14T13:44:55.612" v="13847" actId="1076"/>
+          <ac:picMkLst>
+            <pc:docMk/>
+            <pc:sldMk cId="3434263946" sldId="311"/>
+            <ac:picMk id="2050" creationId="{CAB72240-719A-4E64-9403-3B9E5B3D9C7F}"/>
+          </ac:picMkLst>
+        </pc:picChg>
+        <pc:picChg chg="add mod">
+          <ac:chgData name="JUNGSOHEE" userId="749ab25c-db57-4d5e-b3ad-22e9c56fe27f" providerId="ADAL" clId="{C96BC311-9BD9-4A18-9572-61DE8DA684BC}" dt="2021-09-14T13:44:56.943" v="13848" actId="1076"/>
+          <ac:picMkLst>
+            <pc:docMk/>
+            <pc:sldMk cId="3434263946" sldId="311"/>
+            <ac:picMk id="2052" creationId="{EC930E61-A9AC-408C-B58C-4D27870BE908}"/>
+          </ac:picMkLst>
+        </pc:picChg>
+      </pc:sldChg>
+      <pc:sldChg chg="addSp delSp modSp add mod modAnim modNotesTx">
+        <pc:chgData name="JUNGSOHEE" userId="749ab25c-db57-4d5e-b3ad-22e9c56fe27f" providerId="ADAL" clId="{C96BC311-9BD9-4A18-9572-61DE8DA684BC}" dt="2021-09-15T01:39:35.664" v="16023" actId="20577"/>
+        <pc:sldMkLst>
+          <pc:docMk/>
+          <pc:sldMk cId="2706729570" sldId="312"/>
+        </pc:sldMkLst>
+        <pc:spChg chg="add mod">
+          <ac:chgData name="JUNGSOHEE" userId="749ab25c-db57-4d5e-b3ad-22e9c56fe27f" providerId="ADAL" clId="{C96BC311-9BD9-4A18-9572-61DE8DA684BC}" dt="2021-09-14T13:47:13.870" v="14149" actId="1076"/>
+          <ac:spMkLst>
+            <pc:docMk/>
+            <pc:sldMk cId="2706729570" sldId="312"/>
+            <ac:spMk id="8" creationId="{80682E7D-D082-4F67-A37D-2B25B6AD19E4}"/>
+          </ac:spMkLst>
+        </pc:spChg>
+        <pc:spChg chg="mod">
+          <ac:chgData name="JUNGSOHEE" userId="749ab25c-db57-4d5e-b3ad-22e9c56fe27f" providerId="ADAL" clId="{C96BC311-9BD9-4A18-9572-61DE8DA684BC}" dt="2021-09-14T13:48:25.703" v="14354" actId="20577"/>
+          <ac:spMkLst>
+            <pc:docMk/>
+            <pc:sldMk cId="2706729570" sldId="312"/>
+            <ac:spMk id="198" creationId="{00000000-0000-0000-0000-000000000000}"/>
+          </ac:spMkLst>
+        </pc:spChg>
+        <pc:picChg chg="del">
+          <ac:chgData name="JUNGSOHEE" userId="749ab25c-db57-4d5e-b3ad-22e9c56fe27f" providerId="ADAL" clId="{C96BC311-9BD9-4A18-9572-61DE8DA684BC}" dt="2021-09-14T13:45:44.829" v="13989" actId="478"/>
+          <ac:picMkLst>
+            <pc:docMk/>
+            <pc:sldMk cId="2706729570" sldId="312"/>
+            <ac:picMk id="2050" creationId="{CAB72240-719A-4E64-9403-3B9E5B3D9C7F}"/>
+          </ac:picMkLst>
+        </pc:picChg>
+        <pc:picChg chg="del">
+          <ac:chgData name="JUNGSOHEE" userId="749ab25c-db57-4d5e-b3ad-22e9c56fe27f" providerId="ADAL" clId="{C96BC311-9BD9-4A18-9572-61DE8DA684BC}" dt="2021-09-14T13:45:44.262" v="13988" actId="478"/>
+          <ac:picMkLst>
+            <pc:docMk/>
+            <pc:sldMk cId="2706729570" sldId="312"/>
+            <ac:picMk id="2052" creationId="{EC930E61-A9AC-408C-B58C-4D27870BE908}"/>
+          </ac:picMkLst>
+        </pc:picChg>
+        <pc:picChg chg="add mod">
+          <ac:chgData name="JUNGSOHEE" userId="749ab25c-db57-4d5e-b3ad-22e9c56fe27f" providerId="ADAL" clId="{C96BC311-9BD9-4A18-9572-61DE8DA684BC}" dt="2021-09-14T13:47:16.055" v="14150" actId="1076"/>
+          <ac:picMkLst>
+            <pc:docMk/>
+            <pc:sldMk cId="2706729570" sldId="312"/>
+            <ac:picMk id="3074" creationId="{3BF3E8D8-1B67-44E3-A969-116D63EFA0FC}"/>
+          </ac:picMkLst>
+        </pc:picChg>
+      </pc:sldChg>
+      <pc:sldChg chg="addSp delSp modSp add mod modAnim modNotesTx">
+        <pc:chgData name="JUNGSOHEE" userId="749ab25c-db57-4d5e-b3ad-22e9c56fe27f" providerId="ADAL" clId="{C96BC311-9BD9-4A18-9572-61DE8DA684BC}" dt="2021-09-15T01:38:06.315" v="15802" actId="20577"/>
+        <pc:sldMkLst>
+          <pc:docMk/>
+          <pc:sldMk cId="1894342242" sldId="313"/>
+        </pc:sldMkLst>
+        <pc:spChg chg="mod">
+          <ac:chgData name="JUNGSOHEE" userId="749ab25c-db57-4d5e-b3ad-22e9c56fe27f" providerId="ADAL" clId="{C96BC311-9BD9-4A18-9572-61DE8DA684BC}" dt="2021-09-14T13:49:51.592" v="14404" actId="1076"/>
+          <ac:spMkLst>
+            <pc:docMk/>
+            <pc:sldMk cId="1894342242" sldId="313"/>
+            <ac:spMk id="8" creationId="{80682E7D-D082-4F67-A37D-2B25B6AD19E4}"/>
+          </ac:spMkLst>
+        </pc:spChg>
+        <pc:spChg chg="mod">
+          <ac:chgData name="JUNGSOHEE" userId="749ab25c-db57-4d5e-b3ad-22e9c56fe27f" providerId="ADAL" clId="{C96BC311-9BD9-4A18-9572-61DE8DA684BC}" dt="2021-09-15T01:08:07.607" v="15007" actId="20577"/>
+          <ac:spMkLst>
+            <pc:docMk/>
+            <pc:sldMk cId="1894342242" sldId="313"/>
+            <ac:spMk id="198" creationId="{00000000-0000-0000-0000-000000000000}"/>
+          </ac:spMkLst>
+        </pc:spChg>
+        <pc:picChg chg="del">
+          <ac:chgData name="JUNGSOHEE" userId="749ab25c-db57-4d5e-b3ad-22e9c56fe27f" providerId="ADAL" clId="{C96BC311-9BD9-4A18-9572-61DE8DA684BC}" dt="2021-09-14T13:49:59.043" v="14405" actId="478"/>
+          <ac:picMkLst>
+            <pc:docMk/>
+            <pc:sldMk cId="1894342242" sldId="313"/>
+            <ac:picMk id="3074" creationId="{3BF3E8D8-1B67-44E3-A969-116D63EFA0FC}"/>
+          </ac:picMkLst>
+        </pc:picChg>
+        <pc:picChg chg="add mod">
+          <ac:chgData name="JUNGSOHEE" userId="749ab25c-db57-4d5e-b3ad-22e9c56fe27f" providerId="ADAL" clId="{C96BC311-9BD9-4A18-9572-61DE8DA684BC}" dt="2021-09-14T13:50:03.163" v="14407" actId="1076"/>
+          <ac:picMkLst>
+            <pc:docMk/>
+            <pc:sldMk cId="1894342242" sldId="313"/>
+            <ac:picMk id="4098" creationId="{8F7BD541-08A0-4CB8-8F06-809D057690F2}"/>
+          </ac:picMkLst>
+        </pc:picChg>
+        <pc:picChg chg="add mod">
+          <ac:chgData name="JUNGSOHEE" userId="749ab25c-db57-4d5e-b3ad-22e9c56fe27f" providerId="ADAL" clId="{C96BC311-9BD9-4A18-9572-61DE8DA684BC}" dt="2021-09-14T13:50:40.595" v="14436" actId="1076"/>
+          <ac:picMkLst>
+            <pc:docMk/>
+            <pc:sldMk cId="1894342242" sldId="313"/>
+            <ac:picMk id="4100" creationId="{FDE12CC9-48E8-40C9-A301-462F089929CF}"/>
+          </ac:picMkLst>
+        </pc:picChg>
+      </pc:sldChg>
+      <pc:sldChg chg="addSp delSp modSp add mod modAnim modNotesTx">
+        <pc:chgData name="JUNGSOHEE" userId="749ab25c-db57-4d5e-b3ad-22e9c56fe27f" providerId="ADAL" clId="{C96BC311-9BD9-4A18-9572-61DE8DA684BC}" dt="2021-09-15T01:40:40.930" v="16113" actId="20577"/>
+        <pc:sldMkLst>
+          <pc:docMk/>
+          <pc:sldMk cId="2159617431" sldId="314"/>
+        </pc:sldMkLst>
+        <pc:spChg chg="del">
+          <ac:chgData name="JUNGSOHEE" userId="749ab25c-db57-4d5e-b3ad-22e9c56fe27f" providerId="ADAL" clId="{C96BC311-9BD9-4A18-9572-61DE8DA684BC}" dt="2021-09-15T01:05:48.856" v="14816" actId="478"/>
+          <ac:spMkLst>
+            <pc:docMk/>
+            <pc:sldMk cId="2159617431" sldId="314"/>
+            <ac:spMk id="8" creationId="{80682E7D-D082-4F67-A37D-2B25B6AD19E4}"/>
+          </ac:spMkLst>
+        </pc:spChg>
+        <pc:spChg chg="add mod">
+          <ac:chgData name="JUNGSOHEE" userId="749ab25c-db57-4d5e-b3ad-22e9c56fe27f" providerId="ADAL" clId="{C96BC311-9BD9-4A18-9572-61DE8DA684BC}" dt="2021-09-15T01:07:07.141" v="14997" actId="1076"/>
+          <ac:spMkLst>
+            <pc:docMk/>
+            <pc:sldMk cId="2159617431" sldId="314"/>
+            <ac:spMk id="9" creationId="{5A42AD9C-62FF-4268-B03D-E23D804461C6}"/>
+          </ac:spMkLst>
+        </pc:spChg>
+        <pc:spChg chg="mod">
+          <ac:chgData name="JUNGSOHEE" userId="749ab25c-db57-4d5e-b3ad-22e9c56fe27f" providerId="ADAL" clId="{C96BC311-9BD9-4A18-9572-61DE8DA684BC}" dt="2021-09-15T01:08:11.937" v="15008" actId="20577"/>
+          <ac:spMkLst>
+            <pc:docMk/>
+            <pc:sldMk cId="2159617431" sldId="314"/>
+            <ac:spMk id="198" creationId="{00000000-0000-0000-0000-000000000000}"/>
+          </ac:spMkLst>
+        </pc:spChg>
+        <pc:picChg chg="add mod">
+          <ac:chgData name="JUNGSOHEE" userId="749ab25c-db57-4d5e-b3ad-22e9c56fe27f" providerId="ADAL" clId="{C96BC311-9BD9-4A18-9572-61DE8DA684BC}" dt="2021-09-15T01:07:08.375" v="14998" actId="1076"/>
+          <ac:picMkLst>
+            <pc:docMk/>
+            <pc:sldMk cId="2159617431" sldId="314"/>
+            <ac:picMk id="3" creationId="{D54FD9F4-331B-4544-84E4-62460CBEB734}"/>
+          </ac:picMkLst>
+        </pc:picChg>
+        <pc:picChg chg="add mod">
+          <ac:chgData name="JUNGSOHEE" userId="749ab25c-db57-4d5e-b3ad-22e9c56fe27f" providerId="ADAL" clId="{C96BC311-9BD9-4A18-9572-61DE8DA684BC}" dt="2021-09-15T01:07:52.410" v="15005" actId="1076"/>
+          <ac:picMkLst>
+            <pc:docMk/>
+            <pc:sldMk cId="2159617431" sldId="314"/>
+            <ac:picMk id="5" creationId="{3CD0FF44-342B-44F0-B458-09F66D592B60}"/>
+          </ac:picMkLst>
+        </pc:picChg>
+        <pc:picChg chg="del">
+          <ac:chgData name="JUNGSOHEE" userId="749ab25c-db57-4d5e-b3ad-22e9c56fe27f" providerId="ADAL" clId="{C96BC311-9BD9-4A18-9572-61DE8DA684BC}" dt="2021-09-15T01:05:44.871" v="14815" actId="478"/>
+          <ac:picMkLst>
+            <pc:docMk/>
+            <pc:sldMk cId="2159617431" sldId="314"/>
+            <ac:picMk id="4098" creationId="{8F7BD541-08A0-4CB8-8F06-809D057690F2}"/>
+          </ac:picMkLst>
+        </pc:picChg>
+        <pc:picChg chg="del">
+          <ac:chgData name="JUNGSOHEE" userId="749ab25c-db57-4d5e-b3ad-22e9c56fe27f" providerId="ADAL" clId="{C96BC311-9BD9-4A18-9572-61DE8DA684BC}" dt="2021-09-15T01:05:44.345" v="14814" actId="478"/>
+          <ac:picMkLst>
+            <pc:docMk/>
+            <pc:sldMk cId="2159617431" sldId="314"/>
+            <ac:picMk id="4100" creationId="{FDE12CC9-48E8-40C9-A301-462F089929CF}"/>
+          </ac:picMkLst>
+        </pc:picChg>
+      </pc:sldChg>
+      <pc:sldChg chg="addSp delSp modSp add mod delAnim modAnim modNotesTx">
+        <pc:chgData name="JUNGSOHEE" userId="749ab25c-db57-4d5e-b3ad-22e9c56fe27f" providerId="ADAL" clId="{C96BC311-9BD9-4A18-9572-61DE8DA684BC}" dt="2021-09-15T01:18:48.063" v="15564" actId="20577"/>
+        <pc:sldMkLst>
+          <pc:docMk/>
+          <pc:sldMk cId="1365219688" sldId="315"/>
+        </pc:sldMkLst>
+        <pc:spChg chg="add mod">
+          <ac:chgData name="JUNGSOHEE" userId="749ab25c-db57-4d5e-b3ad-22e9c56fe27f" providerId="ADAL" clId="{C96BC311-9BD9-4A18-9572-61DE8DA684BC}" dt="2021-09-15T01:17:39.178" v="15300" actId="1076"/>
+          <ac:spMkLst>
+            <pc:docMk/>
+            <pc:sldMk cId="1365219688" sldId="315"/>
+            <ac:spMk id="7" creationId="{9318125A-48A2-4FEB-B850-F1DA08225267}"/>
+          </ac:spMkLst>
+        </pc:spChg>
+        <pc:spChg chg="del">
+          <ac:chgData name="JUNGSOHEE" userId="749ab25c-db57-4d5e-b3ad-22e9c56fe27f" providerId="ADAL" clId="{C96BC311-9BD9-4A18-9572-61DE8DA684BC}" dt="2021-09-15T01:13:14.049" v="15233" actId="478"/>
+          <ac:spMkLst>
+            <pc:docMk/>
+            <pc:sldMk cId="1365219688" sldId="315"/>
+            <ac:spMk id="9" creationId="{5A42AD9C-62FF-4268-B03D-E23D804461C6}"/>
+          </ac:spMkLst>
+        </pc:spChg>
+        <pc:spChg chg="mod">
+          <ac:chgData name="JUNGSOHEE" userId="749ab25c-db57-4d5e-b3ad-22e9c56fe27f" providerId="ADAL" clId="{C96BC311-9BD9-4A18-9572-61DE8DA684BC}" dt="2021-09-15T01:13:12.006" v="15229"/>
+          <ac:spMkLst>
+            <pc:docMk/>
+            <pc:sldMk cId="1365219688" sldId="315"/>
+            <ac:spMk id="198" creationId="{00000000-0000-0000-0000-000000000000}"/>
+          </ac:spMkLst>
+        </pc:spChg>
+        <pc:picChg chg="del mod">
+          <ac:chgData name="JUNGSOHEE" userId="749ab25c-db57-4d5e-b3ad-22e9c56fe27f" providerId="ADAL" clId="{C96BC311-9BD9-4A18-9572-61DE8DA684BC}" dt="2021-09-15T01:13:12.554" v="15231" actId="478"/>
+          <ac:picMkLst>
+            <pc:docMk/>
+            <pc:sldMk cId="1365219688" sldId="315"/>
+            <ac:picMk id="3" creationId="{D54FD9F4-331B-4544-84E4-62460CBEB734}"/>
+          </ac:picMkLst>
+        </pc:picChg>
+        <pc:picChg chg="add mod ord">
+          <ac:chgData name="JUNGSOHEE" userId="749ab25c-db57-4d5e-b3ad-22e9c56fe27f" providerId="ADAL" clId="{C96BC311-9BD9-4A18-9572-61DE8DA684BC}" dt="2021-09-15T01:17:59.121" v="15304" actId="166"/>
+          <ac:picMkLst>
+            <pc:docMk/>
+            <pc:sldMk cId="1365219688" sldId="315"/>
+            <ac:picMk id="4" creationId="{5B8E9D26-3DA9-40BE-8BAC-B9D3BDF5616E}"/>
+          </ac:picMkLst>
+        </pc:picChg>
+        <pc:picChg chg="del">
+          <ac:chgData name="JUNGSOHEE" userId="749ab25c-db57-4d5e-b3ad-22e9c56fe27f" providerId="ADAL" clId="{C96BC311-9BD9-4A18-9572-61DE8DA684BC}" dt="2021-09-15T01:13:13.046" v="15232" actId="478"/>
+          <ac:picMkLst>
+            <pc:docMk/>
+            <pc:sldMk cId="1365219688" sldId="315"/>
+            <ac:picMk id="5" creationId="{3CD0FF44-342B-44F0-B458-09F66D592B60}"/>
+          </ac:picMkLst>
+        </pc:picChg>
+        <pc:picChg chg="add mod">
+          <ac:chgData name="JUNGSOHEE" userId="749ab25c-db57-4d5e-b3ad-22e9c56fe27f" providerId="ADAL" clId="{C96BC311-9BD9-4A18-9572-61DE8DA684BC}" dt="2021-09-15T01:17:54.565" v="15303" actId="1076"/>
+          <ac:picMkLst>
+            <pc:docMk/>
+            <pc:sldMk cId="1365219688" sldId="315"/>
+            <ac:picMk id="8" creationId="{BFB3C128-A6E9-4852-A566-90A7B189B72B}"/>
           </ac:picMkLst>
         </pc:picChg>
       </pc:sldChg>
@@ -3263,70 +3599,16 @@
             </a:r>
             <a:r>
               <a:rPr lang="ko-KR" altLang="en-US" dirty="0"/>
-              <a:t>번 이슈를 처리한다고 하면</a:t>
+              <a:t>번 이슈를 처리해보겠습니다</a:t>
             </a:r>
             <a:r>
               <a:rPr lang="en-US" altLang="ko-KR" dirty="0"/>
-              <a:t>, </a:t>
-            </a:r>
-            <a:r>
-              <a:rPr lang="ko-KR" altLang="en-US" dirty="0"/>
-              <a:t>새로운 </a:t>
-            </a:r>
-            <a:r>
-              <a:rPr lang="ko-KR" altLang="en-US" dirty="0" err="1"/>
-              <a:t>브랜치를</a:t>
-            </a:r>
-            <a:r>
-              <a:rPr lang="ko-KR" altLang="en-US" dirty="0"/>
-              <a:t> 생성 해주게 되겠죠</a:t>
-            </a:r>
-            <a:r>
-              <a:rPr lang="en-US" altLang="ko-KR" dirty="0"/>
-              <a:t>? </a:t>
-            </a:r>
-            <a:r>
-              <a:rPr lang="ko-KR" altLang="en-US" b="0" i="0" dirty="0">
-                <a:effectLst/>
-                <a:latin typeface="Noto Sans KR"/>
-              </a:rPr>
-              <a:t>물론 이 </a:t>
-            </a:r>
-            <a:r>
-              <a:rPr lang="ko-KR" altLang="en-US" b="0" i="0" dirty="0" err="1">
-                <a:effectLst/>
-                <a:latin typeface="Noto Sans KR"/>
-              </a:rPr>
-              <a:t>브랜치에서</a:t>
-            </a:r>
-            <a:r>
-              <a:rPr lang="ko-KR" altLang="en-US" b="0" i="0" dirty="0">
-                <a:effectLst/>
-                <a:latin typeface="Noto Sans KR"/>
-              </a:rPr>
-              <a:t> 하는 행위의 어떤 것도 </a:t>
-            </a:r>
-            <a:r>
-              <a:rPr lang="en-US" altLang="ko-KR" b="0" i="0" dirty="0">
-                <a:effectLst/>
-                <a:latin typeface="Noto Sans KR"/>
-              </a:rPr>
-              <a:t>master </a:t>
-            </a:r>
-            <a:r>
-              <a:rPr lang="ko-KR" altLang="en-US" b="0" i="0" dirty="0">
-                <a:effectLst/>
-                <a:latin typeface="Noto Sans KR"/>
-              </a:rPr>
-              <a:t>에는 영향을 주지 못하는 상태입니다</a:t>
-            </a:r>
-            <a:r>
-              <a:rPr lang="en-US" altLang="ko-KR" b="0" i="0" dirty="0">
-                <a:effectLst/>
-                <a:latin typeface="Noto Sans KR"/>
-              </a:rPr>
               <a:t>.</a:t>
             </a:r>
+            <a:endParaRPr lang="en-US" altLang="ko-KR" b="0" i="0" dirty="0">
+              <a:effectLst/>
+              <a:latin typeface="Noto Sans KR"/>
+            </a:endParaRPr>
           </a:p>
           <a:p>
             <a:pPr marL="0" lvl="0" indent="0" algn="l" rtl="0">
@@ -3546,14 +3828,21 @@
                 <a:effectLst/>
                 <a:latin typeface="Noto Sans KR"/>
               </a:rPr>
-              <a:t>merge</a:t>
+              <a:t>merge </a:t>
             </a:r>
             <a:r>
               <a:rPr lang="ko-KR" altLang="en-US" b="0" i="0" dirty="0" err="1">
                 <a:effectLst/>
                 <a:latin typeface="Noto Sans KR"/>
               </a:rPr>
-              <a:t>하는것은</a:t>
+              <a:t>하게되면</a:t>
+            </a:r>
+            <a:r>
+              <a:rPr lang="en-US" altLang="ko-KR" b="0" i="0" dirty="0">
+                <a:effectLst/>
+                <a:latin typeface="Noto Sans KR"/>
+              </a:rPr>
+              <a:t>,</a:t>
             </a:r>
             <a:r>
               <a:rPr lang="ko-KR" altLang="en-US" b="0" i="0" dirty="0">
@@ -3595,35 +3884,14 @@
                 <a:effectLst/>
                 <a:latin typeface="Noto Sans KR"/>
               </a:rPr>
-              <a:t>c2 </a:t>
-            </a:r>
-            <a:r>
-              <a:rPr lang="ko-KR" altLang="en-US" b="0" i="0" dirty="0" err="1">
-                <a:effectLst/>
-                <a:latin typeface="Noto Sans KR"/>
-              </a:rPr>
-              <a:t>커밋에</a:t>
+              <a:t>c2</a:t>
             </a:r>
             <a:r>
               <a:rPr lang="ko-KR" altLang="en-US" b="0" i="0" dirty="0">
                 <a:effectLst/>
                 <a:latin typeface="Noto Sans KR"/>
               </a:rPr>
-              <a:t> 기반한 </a:t>
-            </a:r>
-            <a:r>
-              <a:rPr lang="ko-KR" altLang="en-US" b="0" i="0" dirty="0" err="1">
-                <a:effectLst/>
-                <a:latin typeface="Noto Sans KR"/>
-              </a:rPr>
-              <a:t>브랜치</a:t>
-            </a:r>
-            <a:r>
-              <a:rPr lang="ko-KR" altLang="en-US" b="0" i="0" dirty="0">
-                <a:effectLst/>
-                <a:latin typeface="Noto Sans KR"/>
-              </a:rPr>
-              <a:t> 이기 때문에 </a:t>
+              <a:t>에 기반했기 때문에 </a:t>
             </a:r>
             <a:r>
               <a:rPr lang="ko-KR" altLang="en-US" b="0" i="0" dirty="0" err="1">
@@ -3693,7 +3961,7 @@
                 <a:effectLst/>
                 <a:latin typeface="Noto Sans KR"/>
               </a:rPr>
-              <a:t>단순하게 포인터를 최신 </a:t>
+              <a:t>이처럼 단순하게 포인터를 최신 </a:t>
             </a:r>
             <a:r>
               <a:rPr lang="ko-KR" altLang="en-US" b="0" i="0" dirty="0" err="1">
@@ -4058,7 +4326,7 @@
                 </a:solidFill>
                 <a:effectLst/>
               </a:rPr>
-              <a:t> 포함됐고 운영환경에 적용할 수 있는 상태가 되었다고 할 수 있습니다</a:t>
+              <a:t> 포함 되었습니다</a:t>
             </a:r>
             <a:r>
               <a:rPr lang="en-US" altLang="ko-KR" b="0" i="0" dirty="0">
@@ -4067,19 +4335,230 @@
                 </a:solidFill>
                 <a:effectLst/>
               </a:rPr>
-              <a:t>.</a:t>
+              <a:t>. </a:t>
             </a:r>
           </a:p>
           <a:p>
             <a:pPr marL="139700" indent="0" algn="l" latinLnBrk="1">
               <a:buNone/>
             </a:pPr>
-            <a:endParaRPr lang="en-US" altLang="ko-KR" b="0" i="0" dirty="0">
-              <a:solidFill>
-                <a:srgbClr val="4E443C"/>
-              </a:solidFill>
-              <a:effectLst/>
-            </a:endParaRPr>
+            <a:r>
+              <a:rPr lang="ko-KR" altLang="en-US" b="0" i="0" dirty="0">
+                <a:effectLst/>
+                <a:latin typeface="Noto Sans KR"/>
+              </a:rPr>
+              <a:t>그렇다면</a:t>
+            </a:r>
+            <a:r>
+              <a:rPr lang="en-US" altLang="ko-KR" b="0" i="0" dirty="0">
+                <a:effectLst/>
+                <a:latin typeface="Noto Sans KR"/>
+              </a:rPr>
+              <a:t>, </a:t>
+            </a:r>
+            <a:r>
+              <a:rPr lang="ko-KR" altLang="en-US" b="0" i="0" dirty="0">
+                <a:effectLst/>
+                <a:latin typeface="Noto Sans KR"/>
+              </a:rPr>
+              <a:t>위 그림과 같이 </a:t>
+            </a:r>
+            <a:r>
+              <a:rPr lang="en-US" altLang="ko-KR" b="0" i="0" dirty="0">
+                <a:effectLst/>
+                <a:latin typeface="Noto Sans KR"/>
+              </a:rPr>
+              <a:t>master</a:t>
+            </a:r>
+            <a:r>
+              <a:rPr lang="ko-KR" altLang="en-US" b="0" i="0" dirty="0">
+                <a:effectLst/>
+                <a:latin typeface="Noto Sans KR"/>
+              </a:rPr>
+              <a:t>는 </a:t>
+            </a:r>
+            <a:r>
+              <a:rPr lang="en-US" altLang="ko-KR" b="0" i="0" dirty="0">
+                <a:effectLst/>
+                <a:latin typeface="Noto Sans KR"/>
+              </a:rPr>
+              <a:t>c4</a:t>
+            </a:r>
+            <a:r>
+              <a:rPr lang="ko-KR" altLang="en-US" b="0" i="0" dirty="0">
+                <a:effectLst/>
+                <a:latin typeface="Noto Sans KR"/>
+              </a:rPr>
+              <a:t>에 있게 되고</a:t>
+            </a:r>
+            <a:r>
+              <a:rPr lang="en-US" altLang="ko-KR" b="0" i="0" dirty="0">
+                <a:effectLst/>
+                <a:latin typeface="Noto Sans KR"/>
+              </a:rPr>
+              <a:t>, </a:t>
+            </a:r>
+            <a:r>
+              <a:rPr lang="ko-KR" altLang="en-US" b="0" i="0" dirty="0">
+                <a:effectLst/>
+                <a:latin typeface="Noto Sans KR"/>
+              </a:rPr>
+              <a:t>현재 포인터는 </a:t>
+            </a:r>
+            <a:r>
+              <a:rPr lang="en-US" altLang="ko-KR" b="0" i="0" dirty="0">
+                <a:effectLst/>
+                <a:latin typeface="Noto Sans KR"/>
+              </a:rPr>
+              <a:t>c4</a:t>
+            </a:r>
+            <a:r>
+              <a:rPr lang="ko-KR" altLang="en-US" b="0" i="0" dirty="0">
+                <a:effectLst/>
+                <a:latin typeface="Noto Sans KR"/>
+              </a:rPr>
+              <a:t>를 가리키게 됩니다</a:t>
+            </a:r>
+            <a:r>
+              <a:rPr lang="en-US" altLang="ko-KR" b="0" i="0" dirty="0">
+                <a:effectLst/>
+                <a:latin typeface="Noto Sans KR"/>
+              </a:rPr>
+              <a:t>. hotfix</a:t>
+            </a:r>
+            <a:r>
+              <a:rPr lang="ko-KR" altLang="en-US" b="0" i="0" dirty="0">
+                <a:effectLst/>
+                <a:latin typeface="Noto Sans KR"/>
+              </a:rPr>
+              <a:t>는 해결했기 때문에 해당 </a:t>
+            </a:r>
+            <a:r>
+              <a:rPr lang="ko-KR" altLang="en-US" b="0" i="0" dirty="0" err="1">
+                <a:effectLst/>
+                <a:latin typeface="Noto Sans KR"/>
+              </a:rPr>
+              <a:t>브랜치는</a:t>
+            </a:r>
+            <a:r>
+              <a:rPr lang="ko-KR" altLang="en-US" b="0" i="0" dirty="0">
+                <a:effectLst/>
+                <a:latin typeface="Noto Sans KR"/>
+              </a:rPr>
+              <a:t> 삭제해줍니다</a:t>
+            </a:r>
+            <a:r>
+              <a:rPr lang="en-US" altLang="ko-KR" b="0" i="0" dirty="0">
+                <a:effectLst/>
+                <a:latin typeface="Noto Sans KR"/>
+              </a:rPr>
+              <a:t>. </a:t>
+            </a:r>
+            <a:r>
+              <a:rPr lang="ko-KR" altLang="en-US" b="0" i="0" dirty="0">
+                <a:effectLst/>
+                <a:latin typeface="Noto Sans KR"/>
+              </a:rPr>
+              <a:t>다시 개발하던 </a:t>
+            </a:r>
+            <a:r>
+              <a:rPr lang="en-US" altLang="ko-KR" b="0" i="0" dirty="0">
+                <a:effectLst/>
+                <a:latin typeface="Noto Sans KR"/>
+              </a:rPr>
+              <a:t>53</a:t>
+            </a:r>
+            <a:r>
+              <a:rPr lang="ko-KR" altLang="en-US" b="0" i="0" dirty="0">
+                <a:effectLst/>
+                <a:latin typeface="Noto Sans KR"/>
+              </a:rPr>
+              <a:t>번 이슈로 돌아가서 작업을 완료 하고 </a:t>
+            </a:r>
+            <a:r>
+              <a:rPr lang="ko-KR" altLang="en-US" b="0" i="0" dirty="0" err="1">
+                <a:effectLst/>
+                <a:latin typeface="Noto Sans KR"/>
+              </a:rPr>
+              <a:t>커밋을</a:t>
+            </a:r>
+            <a:r>
+              <a:rPr lang="ko-KR" altLang="en-US" b="0" i="0" dirty="0">
+                <a:effectLst/>
+                <a:latin typeface="Noto Sans KR"/>
+              </a:rPr>
+              <a:t> 진행해 </a:t>
+            </a:r>
+            <a:r>
+              <a:rPr lang="en-US" altLang="ko-KR" b="0" i="0" dirty="0">
+                <a:effectLst/>
+                <a:latin typeface="Noto Sans KR"/>
+              </a:rPr>
+              <a:t>c5</a:t>
+            </a:r>
+            <a:r>
+              <a:rPr lang="ko-KR" altLang="en-US" b="0" i="0" dirty="0">
+                <a:effectLst/>
+                <a:latin typeface="Noto Sans KR"/>
+              </a:rPr>
+              <a:t>라는 </a:t>
+            </a:r>
+            <a:r>
+              <a:rPr lang="ko-KR" altLang="en-US" b="0" i="0" dirty="0" err="1">
+                <a:effectLst/>
+                <a:latin typeface="Noto Sans KR"/>
+              </a:rPr>
+              <a:t>커밋히스토리를</a:t>
+            </a:r>
+            <a:r>
+              <a:rPr lang="ko-KR" altLang="en-US" b="0" i="0" dirty="0">
+                <a:effectLst/>
+                <a:latin typeface="Noto Sans KR"/>
+              </a:rPr>
+              <a:t> 남기게 되면 앞에서 </a:t>
+            </a:r>
+            <a:r>
+              <a:rPr lang="ko-KR" altLang="en-US" b="0" i="0" dirty="0" err="1">
+                <a:effectLst/>
+                <a:latin typeface="Noto Sans KR"/>
+              </a:rPr>
+              <a:t>설명드린</a:t>
+            </a:r>
+            <a:r>
+              <a:rPr lang="ko-KR" altLang="en-US" b="0" i="0" dirty="0">
+                <a:effectLst/>
+                <a:latin typeface="Noto Sans KR"/>
+              </a:rPr>
+              <a:t> </a:t>
+            </a:r>
+            <a:r>
+              <a:rPr lang="en-US" altLang="ko-KR" b="0" i="0" dirty="0">
+                <a:effectLst/>
+                <a:latin typeface="Noto Sans KR"/>
+              </a:rPr>
+              <a:t>fast-</a:t>
+            </a:r>
+            <a:r>
+              <a:rPr lang="en-US" altLang="ko-KR" b="0" i="0" dirty="0" err="1">
+                <a:effectLst/>
+                <a:latin typeface="Noto Sans KR"/>
+              </a:rPr>
+              <a:t>forwar</a:t>
+            </a:r>
+            <a:r>
+              <a:rPr lang="ko-KR" altLang="en-US" b="0" i="0" dirty="0">
+                <a:effectLst/>
+                <a:latin typeface="Noto Sans KR"/>
+              </a:rPr>
+              <a:t>와는 다른 부분이 생기게 된다</a:t>
+            </a:r>
+            <a:r>
+              <a:rPr lang="en-US" altLang="ko-KR" b="0" i="0" dirty="0">
+                <a:effectLst/>
+                <a:latin typeface="Noto Sans KR"/>
+              </a:rPr>
+              <a:t>.</a:t>
+            </a:r>
           </a:p>
           <a:p>
             <a:pPr marL="139700" indent="0" algn="l" latinLnBrk="1">
@@ -4090,313 +4569,84 @@
                 <a:effectLst/>
                 <a:latin typeface="Noto Sans KR"/>
               </a:rPr>
-              <a:t>그렇다면</a:t>
+              <a:t>현재 마스터가 가리키는 </a:t>
+            </a:r>
+            <a:r>
+              <a:rPr lang="ko-KR" altLang="en-US" b="0" i="0" dirty="0" err="1">
+                <a:effectLst/>
+                <a:latin typeface="Noto Sans KR"/>
+              </a:rPr>
+              <a:t>커밋</a:t>
             </a:r>
             <a:r>
               <a:rPr lang="en-US" altLang="ko-KR" b="0" i="0" dirty="0">
                 <a:effectLst/>
                 <a:latin typeface="Noto Sans KR"/>
               </a:rPr>
-              <a:t>, </a:t>
+              <a:t>(C4-master)</a:t>
             </a:r>
             <a:r>
               <a:rPr lang="ko-KR" altLang="en-US" b="0" i="0" dirty="0">
                 <a:effectLst/>
                 <a:latin typeface="Noto Sans KR"/>
               </a:rPr>
-              <a:t>위 그림과 같이 </a:t>
+              <a:t>이고</a:t>
             </a:r>
             <a:r>
               <a:rPr lang="en-US" altLang="ko-KR" b="0" i="0" dirty="0">
                 <a:effectLst/>
                 <a:latin typeface="Noto Sans KR"/>
               </a:rPr>
-              <a:t>master</a:t>
+              <a:t>, merge</a:t>
             </a:r>
             <a:r>
               <a:rPr lang="ko-KR" altLang="en-US" b="0" i="0" dirty="0">
                 <a:effectLst/>
                 <a:latin typeface="Noto Sans KR"/>
               </a:rPr>
-              <a:t>는 </a:t>
+              <a:t>할 </a:t>
+            </a:r>
+            <a:r>
+              <a:rPr lang="ko-KR" altLang="en-US" b="0" i="0" dirty="0" err="1">
+                <a:effectLst/>
+                <a:latin typeface="Noto Sans KR"/>
+              </a:rPr>
+              <a:t>브랜치인</a:t>
+            </a:r>
+            <a:r>
+              <a:rPr lang="ko-KR" altLang="en-US" b="0" i="0" dirty="0">
+                <a:effectLst/>
+                <a:latin typeface="Noto Sans KR"/>
+              </a:rPr>
+              <a:t> </a:t>
             </a:r>
             <a:r>
               <a:rPr lang="en-US" altLang="ko-KR" b="0" i="0" dirty="0">
                 <a:effectLst/>
                 <a:latin typeface="Noto Sans KR"/>
               </a:rPr>
-              <a:t>c4</a:t>
+              <a:t>C5</a:t>
             </a:r>
             <a:r>
               <a:rPr lang="ko-KR" altLang="en-US" b="0" i="0" dirty="0">
                 <a:effectLst/>
                 <a:latin typeface="Noto Sans KR"/>
               </a:rPr>
-              <a:t>에 있게 되고</a:t>
+              <a:t>의 조상인 </a:t>
             </a:r>
             <a:r>
               <a:rPr lang="en-US" altLang="ko-KR" b="0" i="0" dirty="0">
                 <a:effectLst/>
                 <a:latin typeface="Noto Sans KR"/>
               </a:rPr>
-              <a:t>, </a:t>
+              <a:t>c3</a:t>
             </a:r>
             <a:r>
               <a:rPr lang="ko-KR" altLang="en-US" b="0" i="0" dirty="0">
                 <a:effectLst/>
                 <a:latin typeface="Noto Sans KR"/>
               </a:rPr>
-              <a:t>현재 포인터는 </a:t>
-            </a:r>
-            <a:r>
-              <a:rPr lang="en-US" altLang="ko-KR" b="0" i="0" dirty="0">
-                <a:effectLst/>
-                <a:latin typeface="Noto Sans KR"/>
-              </a:rPr>
-              <a:t>c4</a:t>
-            </a:r>
-            <a:r>
-              <a:rPr lang="ko-KR" altLang="en-US" b="0" i="0" dirty="0">
-                <a:effectLst/>
-                <a:latin typeface="Noto Sans KR"/>
-              </a:rPr>
-              <a:t>를 가리키게 됩니다</a:t>
-            </a:r>
-            <a:r>
-              <a:rPr lang="en-US" altLang="ko-KR" b="0" i="0" dirty="0">
-                <a:effectLst/>
-                <a:latin typeface="Noto Sans KR"/>
-              </a:rPr>
-              <a:t>. hotfix</a:t>
-            </a:r>
-            <a:r>
-              <a:rPr lang="ko-KR" altLang="en-US" b="0" i="0" dirty="0">
-                <a:effectLst/>
-                <a:latin typeface="Noto Sans KR"/>
-              </a:rPr>
-              <a:t>는 해결했기 때문에 해당 </a:t>
-            </a:r>
-            <a:r>
-              <a:rPr lang="ko-KR" altLang="en-US" b="0" i="0" dirty="0" err="1">
-                <a:effectLst/>
-                <a:latin typeface="Noto Sans KR"/>
-              </a:rPr>
-              <a:t>브랜치는</a:t>
-            </a:r>
-            <a:r>
-              <a:rPr lang="ko-KR" altLang="en-US" b="0" i="0" dirty="0">
-                <a:effectLst/>
-                <a:latin typeface="Noto Sans KR"/>
-              </a:rPr>
-              <a:t> 삭제해줍니다</a:t>
-            </a:r>
-            <a:r>
-              <a:rPr lang="en-US" altLang="ko-KR" b="0" i="0" dirty="0">
-                <a:effectLst/>
-                <a:latin typeface="Noto Sans KR"/>
-              </a:rPr>
-              <a:t>. </a:t>
-            </a:r>
-            <a:r>
-              <a:rPr lang="ko-KR" altLang="en-US" b="0" i="0" dirty="0">
-                <a:effectLst/>
-                <a:latin typeface="Noto Sans KR"/>
-              </a:rPr>
-              <a:t>다시 개발하던 </a:t>
-            </a:r>
-            <a:r>
-              <a:rPr lang="en-US" altLang="ko-KR" b="0" i="0" dirty="0">
-                <a:effectLst/>
-                <a:latin typeface="Noto Sans KR"/>
-              </a:rPr>
-              <a:t>53</a:t>
-            </a:r>
-            <a:r>
-              <a:rPr lang="ko-KR" altLang="en-US" b="0" i="0" dirty="0">
-                <a:effectLst/>
-                <a:latin typeface="Noto Sans KR"/>
-              </a:rPr>
-              <a:t>번 이슈로 돌아가서 작업을 완료 하고 </a:t>
-            </a:r>
-            <a:r>
-              <a:rPr lang="ko-KR" altLang="en-US" b="0" i="0" dirty="0" err="1">
-                <a:effectLst/>
-                <a:latin typeface="Noto Sans KR"/>
-              </a:rPr>
-              <a:t>커밋을</a:t>
-            </a:r>
-            <a:r>
-              <a:rPr lang="ko-KR" altLang="en-US" b="0" i="0" dirty="0">
-                <a:effectLst/>
-                <a:latin typeface="Noto Sans KR"/>
-              </a:rPr>
-              <a:t> 진행해 </a:t>
-            </a:r>
-            <a:r>
-              <a:rPr lang="en-US" altLang="ko-KR" b="0" i="0" dirty="0">
-                <a:effectLst/>
-                <a:latin typeface="Noto Sans KR"/>
-              </a:rPr>
-              <a:t>c5</a:t>
-            </a:r>
-            <a:r>
-              <a:rPr lang="ko-KR" altLang="en-US" b="0" i="0" dirty="0">
-                <a:effectLst/>
-                <a:latin typeface="Noto Sans KR"/>
-              </a:rPr>
-              <a:t>라는 </a:t>
-            </a:r>
-            <a:r>
-              <a:rPr lang="ko-KR" altLang="en-US" b="0" i="0" dirty="0" err="1">
-                <a:effectLst/>
-                <a:latin typeface="Noto Sans KR"/>
-              </a:rPr>
-              <a:t>커밋히스토리를</a:t>
-            </a:r>
-            <a:r>
-              <a:rPr lang="ko-KR" altLang="en-US" b="0" i="0" dirty="0">
-                <a:effectLst/>
-                <a:latin typeface="Noto Sans KR"/>
-              </a:rPr>
-              <a:t> 남기게 되면 앞에서 </a:t>
-            </a:r>
-            <a:r>
-              <a:rPr lang="ko-KR" altLang="en-US" b="0" i="0" dirty="0" err="1">
-                <a:effectLst/>
-                <a:latin typeface="Noto Sans KR"/>
-              </a:rPr>
-              <a:t>설명드린</a:t>
-            </a:r>
-            <a:r>
-              <a:rPr lang="ko-KR" altLang="en-US" b="0" i="0" dirty="0">
-                <a:effectLst/>
-                <a:latin typeface="Noto Sans KR"/>
-              </a:rPr>
-              <a:t> </a:t>
-            </a:r>
-            <a:r>
-              <a:rPr lang="en-US" altLang="ko-KR" b="0" i="0" dirty="0">
-                <a:effectLst/>
-                <a:latin typeface="Noto Sans KR"/>
-              </a:rPr>
-              <a:t>fast-</a:t>
-            </a:r>
-            <a:r>
-              <a:rPr lang="en-US" altLang="ko-KR" b="0" i="0" dirty="0" err="1">
-                <a:effectLst/>
-                <a:latin typeface="Noto Sans KR"/>
-              </a:rPr>
-              <a:t>forwar</a:t>
-            </a:r>
-            <a:r>
-              <a:rPr lang="ko-KR" altLang="en-US" b="0" i="0" dirty="0">
-                <a:effectLst/>
-                <a:latin typeface="Noto Sans KR"/>
-              </a:rPr>
-              <a:t>와는 다른 부분이 생기게 된다</a:t>
-            </a:r>
-            <a:r>
-              <a:rPr lang="en-US" altLang="ko-KR" b="0" i="0" dirty="0">
-                <a:effectLst/>
-                <a:latin typeface="Noto Sans KR"/>
-              </a:rPr>
-              <a:t>.</a:t>
-            </a:r>
-          </a:p>
-          <a:p>
-            <a:pPr marL="139700" indent="0" algn="l" latinLnBrk="1">
-              <a:buNone/>
-            </a:pPr>
-            <a:r>
-              <a:rPr lang="ko-KR" altLang="en-US" b="0" i="0" dirty="0">
-                <a:effectLst/>
-                <a:latin typeface="Noto Sans KR"/>
-              </a:rPr>
-              <a:t>현재 마스터가 가리키는 </a:t>
-            </a:r>
-            <a:r>
-              <a:rPr lang="ko-KR" altLang="en-US" b="0" i="0" dirty="0" err="1">
-                <a:effectLst/>
-                <a:latin typeface="Noto Sans KR"/>
-              </a:rPr>
-              <a:t>커밋</a:t>
-            </a:r>
-            <a:r>
-              <a:rPr lang="en-US" altLang="ko-KR" b="0" i="0" dirty="0">
-                <a:effectLst/>
-                <a:latin typeface="Noto Sans KR"/>
-              </a:rPr>
-              <a:t>(C4-master)</a:t>
-            </a:r>
-            <a:r>
-              <a:rPr lang="ko-KR" altLang="en-US" b="0" i="0" dirty="0">
-                <a:effectLst/>
-                <a:latin typeface="Noto Sans KR"/>
-              </a:rPr>
-              <a:t>가 </a:t>
-            </a:r>
-            <a:r>
-              <a:rPr lang="en-US" altLang="ko-KR" b="0" i="0" dirty="0">
-                <a:effectLst/>
-                <a:latin typeface="Noto Sans KR"/>
-              </a:rPr>
-              <a:t>merge</a:t>
-            </a:r>
-            <a:r>
-              <a:rPr lang="ko-KR" altLang="en-US" b="0" i="0" dirty="0">
-                <a:effectLst/>
-                <a:latin typeface="Noto Sans KR"/>
-              </a:rPr>
-              <a:t>할 </a:t>
-            </a:r>
-            <a:r>
-              <a:rPr lang="ko-KR" altLang="en-US" b="0" i="0" dirty="0" err="1">
-                <a:effectLst/>
-                <a:latin typeface="Noto Sans KR"/>
-              </a:rPr>
-              <a:t>브랜치</a:t>
-            </a:r>
-            <a:r>
-              <a:rPr lang="en-US" altLang="ko-KR" b="0" i="0" dirty="0">
-                <a:effectLst/>
-                <a:latin typeface="Noto Sans KR"/>
-              </a:rPr>
-              <a:t>(C5-iss53)</a:t>
-            </a:r>
-            <a:r>
-              <a:rPr lang="ko-KR" altLang="en-US" b="0" i="0" dirty="0">
-                <a:effectLst/>
-                <a:latin typeface="Noto Sans KR"/>
-              </a:rPr>
-              <a:t>인 </a:t>
-            </a:r>
-            <a:r>
-              <a:rPr lang="en-US" altLang="ko-KR" b="0" i="0" dirty="0">
-                <a:effectLst/>
-                <a:latin typeface="Noto Sans KR"/>
-              </a:rPr>
-              <a:t>C5</a:t>
-            </a:r>
-            <a:r>
-              <a:rPr lang="ko-KR" altLang="en-US" b="0" i="0" dirty="0">
-                <a:effectLst/>
-                <a:latin typeface="Noto Sans KR"/>
-              </a:rPr>
-              <a:t>의 조상인 </a:t>
-            </a:r>
-            <a:r>
-              <a:rPr lang="en-US" altLang="ko-KR" b="0" i="0" dirty="0">
-                <a:effectLst/>
-                <a:latin typeface="Noto Sans KR"/>
-              </a:rPr>
-              <a:t>c3</a:t>
-            </a:r>
-            <a:r>
-              <a:rPr lang="ko-KR" altLang="en-US" b="0" i="0" dirty="0">
-                <a:effectLst/>
-                <a:latin typeface="Noto Sans KR"/>
-              </a:rPr>
-              <a:t>가 아니기 대문에 </a:t>
+              <a:t>가 아니기 때문에 </a:t>
             </a:r>
             <a:r>
               <a:rPr lang="en-US" altLang="ko-KR" b="0" i="0" dirty="0">
@@ -5157,135 +5407,6 @@
               </a:spcAft>
               <a:buNone/>
             </a:pPr>
-            <a:r>
-              <a:rPr lang="ko-KR" altLang="en-US" dirty="0"/>
-              <a:t>백업과 협업과정에 대해서는 좀 더 공부를 하고 발표를 진행하도록 </a:t>
-            </a:r>
-            <a:r>
-              <a:rPr lang="ko-KR" altLang="en-US" dirty="0" err="1"/>
-              <a:t>하겠구요</a:t>
-            </a:r>
-            <a:r>
-              <a:rPr lang="en-US" altLang="ko-KR" dirty="0"/>
-              <a:t>,</a:t>
-            </a:r>
-          </a:p>
-          <a:p>
-            <a:pPr marL="0" lvl="0" indent="0" algn="l" rtl="0">
-              <a:spcBef>
-                <a:spcPts val="0"/>
-              </a:spcBef>
-              <a:spcAft>
-                <a:spcPts val="0"/>
-              </a:spcAft>
-              <a:buNone/>
-            </a:pPr>
-            <a:r>
-              <a:rPr lang="ko-KR" altLang="en-US" dirty="0"/>
-              <a:t>잠깐 </a:t>
-            </a:r>
-            <a:r>
-              <a:rPr lang="en-US" dirty="0" err="1"/>
-              <a:t>Github</a:t>
-            </a:r>
-            <a:r>
-              <a:rPr lang="en-US" dirty="0"/>
-              <a:t> </a:t>
-            </a:r>
-            <a:r>
-              <a:rPr lang="ko-KR" altLang="en-US" dirty="0"/>
-              <a:t>페이지에 대해서 설명하고자 합니다</a:t>
-            </a:r>
-            <a:r>
-              <a:rPr lang="en-US" altLang="ko-KR" dirty="0"/>
-              <a:t>.</a:t>
-            </a:r>
-          </a:p>
-          <a:p>
-            <a:pPr marL="0" lvl="0" indent="0" algn="l" rtl="0">
-              <a:spcBef>
-                <a:spcPts val="0"/>
-              </a:spcBef>
-              <a:spcAft>
-                <a:spcPts val="0"/>
-              </a:spcAft>
-              <a:buNone/>
-            </a:pPr>
-            <a:r>
-              <a:rPr lang="ko-KR" altLang="en-US" dirty="0" err="1"/>
-              <a:t>깃허브</a:t>
-            </a:r>
-            <a:r>
-              <a:rPr lang="ko-KR" altLang="en-US" dirty="0"/>
-              <a:t> 페이지는 </a:t>
-            </a:r>
-            <a:r>
-              <a:rPr lang="ko-KR" altLang="en-US" dirty="0" err="1"/>
-              <a:t>깃허브에서</a:t>
-            </a:r>
-            <a:r>
-              <a:rPr lang="ko-KR" altLang="en-US" dirty="0"/>
-              <a:t> 운영하는 블로그 서비스라고 할 수 있습니다</a:t>
-            </a:r>
-            <a:r>
-              <a:rPr lang="en-US" altLang="ko-KR" dirty="0"/>
-              <a:t>. </a:t>
-            </a:r>
-            <a:r>
-              <a:rPr lang="ko-KR" altLang="en-US" dirty="0"/>
-              <a:t>저장공간도 무료로 제공되고</a:t>
-            </a:r>
-            <a:r>
-              <a:rPr lang="en-US" altLang="ko-KR" dirty="0"/>
-              <a:t>, </a:t>
-            </a:r>
-            <a:r>
-              <a:rPr lang="ko-KR" altLang="en-US" dirty="0"/>
-              <a:t>도메인 연결로 편리하게 할 수 있어서 많은 분들이 선택하고 있다고 하는데</a:t>
-            </a:r>
-            <a:r>
-              <a:rPr lang="en-US" altLang="ko-KR" dirty="0"/>
-              <a:t>,</a:t>
-            </a:r>
-          </a:p>
-          <a:p>
-            <a:pPr marL="0" lvl="0" indent="0" algn="l" rtl="0">
-              <a:spcBef>
-                <a:spcPts val="0"/>
-              </a:spcBef>
-              <a:spcAft>
-                <a:spcPts val="0"/>
-              </a:spcAft>
-              <a:buNone/>
-            </a:pPr>
-            <a:r>
-              <a:rPr lang="ko-KR" altLang="en-US" dirty="0"/>
-              <a:t>페이지 제작 프로그램은 </a:t>
-            </a:r>
-            <a:r>
-              <a:rPr lang="en-US" altLang="ko-KR" dirty="0" err="1"/>
-              <a:t>jekyll</a:t>
-            </a:r>
-            <a:r>
-              <a:rPr lang="ko-KR" altLang="en-US" dirty="0"/>
-              <a:t>를 많이 사용하시길래</a:t>
-            </a:r>
-            <a:r>
-              <a:rPr lang="en-US" altLang="ko-KR" dirty="0"/>
-              <a:t>, </a:t>
-            </a:r>
-            <a:r>
-              <a:rPr lang="ko-KR" altLang="en-US" dirty="0" err="1"/>
-              <a:t>지킬을</a:t>
-            </a:r>
-            <a:r>
-              <a:rPr lang="ko-KR" altLang="en-US" dirty="0"/>
-              <a:t> 이용해서 만들어보려고 했습니다</a:t>
-            </a:r>
-            <a:r>
-              <a:rPr lang="en-US" altLang="ko-KR" dirty="0"/>
-              <a:t>.</a:t>
-            </a:r>
             <a:endParaRPr dirty="0"/>
           </a:p>
         </p:txBody>
@@ -5293,7 +5414,7 @@
     </p:spTree>
     <p:extLst>
       <p:ext uri="{BB962C8B-B14F-4D97-AF65-F5344CB8AC3E}">
-        <p14:creationId xmlns:p14="http://schemas.microsoft.com/office/powerpoint/2010/main" val="1426137024"/>
+        <p14:creationId xmlns:p14="http://schemas.microsoft.com/office/powerpoint/2010/main" val="3220658765"/>
       </p:ext>
     </p:extLst>
   </p:cSld>
@@ -5308,7 +5429,7 @@
   <p:cSld>
     <p:spTree>
       <p:nvGrpSpPr>
-        <p:cNvPr id="1" name="Shape 140"/>
+        <p:cNvPr id="1" name="Shape 194"/>
         <p:cNvGrpSpPr/>
         <p:nvPr/>
       </p:nvGrpSpPr>
@@ -5322,7 +5443,7 @@
       </p:grpSpPr>
       <p:sp>
         <p:nvSpPr>
-          <p:cNvPr id="141" name="Google Shape;141;g35f391192_017:notes"/>
+          <p:cNvPr id="195" name="Google Shape;195;g35f391192_085:notes"/>
           <p:cNvSpPr>
             <a:spLocks noGrp="1" noRot="1" noChangeAspect="1"/>
           </p:cNvSpPr>
@@ -5363,7 +5484,7 @@
       </p:sp>
       <p:sp>
         <p:nvSpPr>
-          <p:cNvPr id="142" name="Google Shape;142;g35f391192_017:notes"/>
+          <p:cNvPr id="196" name="Google Shape;196;g35f391192_085:notes"/>
           <p:cNvSpPr txBox="1">
             <a:spLocks noGrp="1"/>
           </p:cNvSpPr>
@@ -5396,61 +5517,150 @@
               <a:buNone/>
             </a:pPr>
             <a:r>
+              <a:rPr lang="ko-KR" altLang="en-US" b="0" i="0" dirty="0">
+                <a:effectLst/>
+                <a:latin typeface="Noto Sans KR"/>
+              </a:rPr>
+              <a:t>앞에서 살펴본 버전들은 모두 사용자의 지역 저장소에 저장을 했습니다</a:t>
+            </a:r>
+            <a:r>
+              <a:rPr lang="en-US" altLang="ko-KR" b="0" i="0" dirty="0">
+                <a:effectLst/>
+                <a:latin typeface="Noto Sans KR"/>
+              </a:rPr>
+              <a:t>. </a:t>
+            </a:r>
+            <a:r>
+              <a:rPr lang="ko-KR" altLang="en-US" b="0" i="0" dirty="0">
+                <a:effectLst/>
+                <a:latin typeface="Noto Sans KR"/>
+              </a:rPr>
+              <a:t>실수로 지역 저장소를 삭제하게 되면</a:t>
+            </a:r>
+            <a:r>
+              <a:rPr lang="en-US" altLang="ko-KR" b="0" i="0" dirty="0">
+                <a:effectLst/>
+                <a:latin typeface="Noto Sans KR"/>
+              </a:rPr>
+              <a:t>, </a:t>
+            </a:r>
+            <a:r>
+              <a:rPr lang="ko-KR" altLang="en-US" b="0" i="0" dirty="0">
+                <a:effectLst/>
+                <a:latin typeface="Noto Sans KR"/>
+              </a:rPr>
+              <a:t>모두 사라지기 때문에</a:t>
+            </a:r>
+            <a:r>
+              <a:rPr lang="en-US" altLang="ko-KR" b="0" i="0" dirty="0">
+                <a:effectLst/>
+                <a:latin typeface="Noto Sans KR"/>
+              </a:rPr>
+              <a:t>, </a:t>
+            </a:r>
+            <a:r>
+              <a:rPr lang="ko-KR" altLang="en-US" b="0" i="0" dirty="0">
+                <a:effectLst/>
+                <a:latin typeface="Noto Sans KR"/>
+              </a:rPr>
+              <a:t>작업하는 컴퓨터가 아닌 다른 곳에 저장공간을 마련할 필요가 생기게 됩니다</a:t>
+            </a:r>
+            <a:r>
+              <a:rPr lang="en-US" altLang="ko-KR" b="0" i="0" dirty="0">
+                <a:effectLst/>
+                <a:latin typeface="Noto Sans KR"/>
+              </a:rPr>
+              <a:t>.</a:t>
+            </a:r>
+            <a:r>
               <a:rPr lang="ko-KR" altLang="en-US" dirty="0"/>
-              <a:t>우선 과정은 </a:t>
-            </a:r>
-            <a:r>
-              <a:rPr lang="ko-KR" altLang="en-US" dirty="0" err="1"/>
-              <a:t>레파지토리를</a:t>
-            </a:r>
-            <a:r>
+              <a:t> </a:t>
+            </a:r>
+            <a:r>
+              <a:rPr lang="ko-KR" altLang="en-US" b="0" i="0" dirty="0">
+                <a:solidFill>
+                  <a:srgbClr val="333333"/>
+                </a:solidFill>
+                <a:effectLst/>
+              </a:rPr>
+              <a:t>원격 저장소는 지역 저장소가 아닌 컴퓨터나 서버에 만든 저장소를 의미합니다</a:t>
+            </a:r>
+            <a:r>
+              <a:rPr lang="en-US" altLang="ko-KR" b="0" i="0" dirty="0">
+                <a:solidFill>
+                  <a:srgbClr val="333333"/>
+                </a:solidFill>
+                <a:effectLst/>
+              </a:rPr>
+              <a:t>. </a:t>
+            </a:r>
+            <a:r>
+              <a:rPr lang="ko-KR" altLang="en-US" b="0" i="0" dirty="0">
+                <a:solidFill>
+                  <a:srgbClr val="333333"/>
+                </a:solidFill>
+                <a:effectLst/>
+              </a:rPr>
+              <a:t>원격 저장소는 직접 구축을 할 수 있지만 만들고</a:t>
+            </a:r>
+            <a:r>
+              <a:rPr lang="en-US" altLang="ko-KR" b="0" i="0" dirty="0">
+                <a:solidFill>
+                  <a:srgbClr val="333333"/>
+                </a:solidFill>
+                <a:effectLst/>
+              </a:rPr>
+              <a:t>, </a:t>
+            </a:r>
+            <a:r>
+              <a:rPr lang="ko-KR" altLang="en-US" b="0" i="0" dirty="0">
+                <a:solidFill>
+                  <a:srgbClr val="333333"/>
+                </a:solidFill>
+                <a:effectLst/>
+              </a:rPr>
+              <a:t>유지하는 것이 어렵기 때문에 인터넷에서는 원격 저장소를 제공하는 서비스를 주로 사용하게 되는 데 가장 많이 사용하는 서비스가 바로 </a:t>
+            </a:r>
+            <a:r>
+              <a:rPr lang="ko-KR" altLang="en-US" b="0" i="0" dirty="0" err="1">
+                <a:solidFill>
+                  <a:srgbClr val="333333"/>
+                </a:solidFill>
+                <a:effectLst/>
+              </a:rPr>
+              <a:t>깃허브라고</a:t>
+            </a:r>
+            <a:r>
+              <a:rPr lang="ko-KR" altLang="en-US" b="0" i="0" dirty="0">
+                <a:solidFill>
+                  <a:srgbClr val="333333"/>
+                </a:solidFill>
+                <a:effectLst/>
+              </a:rPr>
+              <a:t> 할 수 있습니다</a:t>
+            </a:r>
+            <a:r>
+              <a:rPr lang="en-US" altLang="ko-KR" b="0" i="0" dirty="0">
+                <a:solidFill>
+                  <a:srgbClr val="333333"/>
+                </a:solidFill>
+                <a:effectLst/>
+              </a:rPr>
+              <a:t>.</a:t>
+            </a:r>
+            <a:br>
               <a:rPr lang="ko-KR" altLang="en-US" dirty="0"/>
-              <a:t> 생성하면서부터 시작됩니다</a:t>
-            </a:r>
-            <a:r>
-              <a:rPr lang="en-US" altLang="ko-KR" dirty="0"/>
-              <a:t>.</a:t>
-            </a:r>
-          </a:p>
-          <a:p>
-            <a:pPr marL="0" lvl="0" indent="0" algn="l" rtl="0">
-              <a:spcBef>
-                <a:spcPts val="0"/>
-              </a:spcBef>
-              <a:spcAft>
-                <a:spcPts val="0"/>
-              </a:spcAft>
-              <a:buNone/>
-            </a:pPr>
-            <a:r>
-              <a:rPr lang="ko-KR" altLang="en-US" dirty="0" err="1"/>
-              <a:t>레파지토리를</a:t>
-            </a:r>
-            <a:r>
-              <a:rPr lang="ko-KR" altLang="en-US" dirty="0"/>
-              <a:t> 명을 </a:t>
-            </a:r>
-            <a:r>
-              <a:rPr lang="ko-KR" altLang="en-US" dirty="0" err="1"/>
-              <a:t>본인아이디</a:t>
-            </a:r>
-            <a:r>
-              <a:rPr lang="en-US" altLang="ko-KR" dirty="0"/>
-              <a:t>.github.io </a:t>
-            </a:r>
-            <a:r>
-              <a:rPr lang="ko-KR" altLang="en-US" dirty="0"/>
-              <a:t>로 설정을 해주고</a:t>
-            </a:r>
-            <a:r>
-              <a:rPr lang="en-US" altLang="ko-KR" dirty="0"/>
-              <a:t>,</a:t>
-            </a:r>
+            </a:br>
             <a:endParaRPr dirty="0"/>
           </a:p>
         </p:txBody>
       </p:sp>
     </p:spTree>
+    <p:extLst>
+      <p:ext uri="{BB962C8B-B14F-4D97-AF65-F5344CB8AC3E}">
+        <p14:creationId xmlns:p14="http://schemas.microsoft.com/office/powerpoint/2010/main" val="3213273658"/>
+      </p:ext>
+    </p:extLst>
   </p:cSld>
   <p:clrMapOvr>
     <a:masterClrMapping/>
@@ -5463,7 +5673,7 @@
   <p:cSld>
     <p:spTree>
       <p:nvGrpSpPr>
-        <p:cNvPr id="1" name="Shape 140"/>
+        <p:cNvPr id="1" name="Shape 194"/>
         <p:cNvGrpSpPr/>
         <p:nvPr/>
       </p:nvGrpSpPr>
@@ -5477,7 +5687,7 @@
       </p:grpSpPr>
       <p:sp>
         <p:nvSpPr>
-          <p:cNvPr id="141" name="Google Shape;141;g35f391192_017:notes"/>
+          <p:cNvPr id="195" name="Google Shape;195;g35f391192_085:notes"/>
           <p:cNvSpPr>
             <a:spLocks noGrp="1" noRot="1" noChangeAspect="1"/>
           </p:cNvSpPr>
@@ -5518,7 +5728,7 @@
       </p:sp>
       <p:sp>
         <p:nvSpPr>
-          <p:cNvPr id="142" name="Google Shape;142;g35f391192_017:notes"/>
+          <p:cNvPr id="196" name="Google Shape;196;g35f391192_085:notes"/>
           <p:cNvSpPr txBox="1">
             <a:spLocks noGrp="1"/>
           </p:cNvSpPr>
@@ -5551,44 +5761,99 @@
               <a:buNone/>
             </a:pPr>
             <a:r>
-              <a:rPr lang="ko-KR" altLang="en-US" dirty="0" err="1"/>
-              <a:t>레파지토리</a:t>
+              <a:rPr lang="ko-KR" altLang="en-US" b="0" i="0" dirty="0">
+                <a:effectLst/>
+                <a:latin typeface="Noto Sans KR"/>
+              </a:rPr>
+              <a:t>우선 </a:t>
+            </a:r>
+            <a:r>
+              <a:rPr lang="ko-KR" altLang="en-US" b="0" i="0" dirty="0" err="1">
+                <a:effectLst/>
+                <a:latin typeface="Noto Sans KR"/>
+              </a:rPr>
+              <a:t>깃허브에서</a:t>
+            </a:r>
+            <a:r>
+              <a:rPr lang="ko-KR" altLang="en-US" b="0" i="0" dirty="0">
+                <a:effectLst/>
+                <a:latin typeface="Noto Sans KR"/>
+              </a:rPr>
+              <a:t> 원격저장소를 만들고</a:t>
+            </a:r>
+            <a:r>
+              <a:rPr lang="en-US" altLang="ko-KR" b="0" i="0" dirty="0">
+                <a:effectLst/>
+                <a:latin typeface="Noto Sans KR"/>
+              </a:rPr>
+              <a:t>, </a:t>
+            </a:r>
+            <a:r>
+              <a:rPr lang="ko-KR" altLang="en-US" b="0" i="0" dirty="0">
+                <a:effectLst/>
+                <a:latin typeface="Noto Sans KR"/>
+              </a:rPr>
+              <a:t>저장소를 만들었다면 </a:t>
+            </a:r>
+            <a:r>
+              <a:rPr lang="en-US" altLang="ko-KR" b="0" i="0" dirty="0">
+                <a:effectLst/>
+                <a:latin typeface="Noto Sans KR"/>
+              </a:rPr>
+              <a:t>https</a:t>
+            </a:r>
+            <a:r>
+              <a:rPr lang="ko-KR" altLang="en-US" b="0" i="0" dirty="0">
+                <a:effectLst/>
+                <a:latin typeface="Noto Sans KR"/>
+              </a:rPr>
+              <a:t> 주소를 사용해서 </a:t>
+            </a:r>
+            <a:r>
+              <a:rPr lang="ko-KR" altLang="en-US" b="0" i="0" dirty="0" err="1">
+                <a:effectLst/>
+                <a:latin typeface="Noto Sans KR"/>
+              </a:rPr>
+              <a:t>깃허브</a:t>
+            </a:r>
+            <a:r>
+              <a:rPr lang="ko-KR" altLang="en-US" b="0" i="0" dirty="0">
+                <a:effectLst/>
+                <a:latin typeface="Noto Sans KR"/>
+              </a:rPr>
+              <a:t> 저장소에 접속 가능하고 파일을 </a:t>
+            </a:r>
+            <a:r>
+              <a:rPr lang="ko-KR" altLang="en-US" b="0" i="0" dirty="0" err="1">
+                <a:effectLst/>
+                <a:latin typeface="Noto Sans KR"/>
+              </a:rPr>
+              <a:t>올릴수도</a:t>
+            </a:r>
+            <a:r>
+              <a:rPr lang="ko-KR" altLang="en-US" b="0" i="0" dirty="0">
+                <a:effectLst/>
+                <a:latin typeface="Noto Sans KR"/>
+              </a:rPr>
+              <a:t> 있게 됩니다</a:t>
+            </a:r>
+            <a:r>
+              <a:rPr lang="en-US" altLang="ko-KR" b="0" i="0" dirty="0">
+                <a:effectLst/>
+                <a:latin typeface="Noto Sans KR"/>
+              </a:rPr>
+              <a:t>.</a:t>
             </a:r>
             <a:r>
               <a:rPr lang="ko-KR" altLang="en-US" dirty="0"/>
-              <a:t> 주소를 </a:t>
-            </a:r>
-            <a:r>
-              <a:rPr lang="en-US" altLang="ko-KR" dirty="0"/>
-              <a:t>clone</a:t>
-            </a:r>
-            <a:r>
+              <a:t> </a:t>
+            </a:r>
+            <a:br>
               <a:rPr lang="ko-KR" altLang="en-US" dirty="0"/>
-              <a:t>을 해주면 폴더에는 현재 </a:t>
-            </a:r>
-            <a:r>
-              <a:rPr lang="en-US" altLang="ko-KR" dirty="0"/>
-              <a:t>readme</a:t>
-            </a:r>
-            <a:r>
+            </a:br>
+            <a:br>
               <a:rPr lang="ko-KR" altLang="en-US" dirty="0"/>
-              <a:t>하나가 존재하는 것을 알 수 있습니다</a:t>
-            </a:r>
-            <a:r>
-              <a:rPr lang="en-US" altLang="ko-KR" dirty="0"/>
-              <a:t>.</a:t>
-            </a:r>
-          </a:p>
-          <a:p>
-            <a:pPr marL="0" lvl="0" indent="0" algn="l" rtl="0">
-              <a:spcBef>
-                <a:spcPts val="0"/>
-              </a:spcBef>
-              <a:spcAft>
-                <a:spcPts val="0"/>
-              </a:spcAft>
-              <a:buNone/>
-            </a:pPr>
+            </a:br>
             <a:endParaRPr dirty="0"/>
           </a:p>
         </p:txBody>
@@ -5596,7 +5861,7 @@
     </p:spTree>
     <p:extLst>
       <p:ext uri="{BB962C8B-B14F-4D97-AF65-F5344CB8AC3E}">
-        <p14:creationId xmlns:p14="http://schemas.microsoft.com/office/powerpoint/2010/main" val="3145790448"/>
+        <p14:creationId xmlns:p14="http://schemas.microsoft.com/office/powerpoint/2010/main" val="4048705672"/>
       </p:ext>
     </p:extLst>
   </p:cSld>
@@ -5611,7 +5876,7 @@
   <p:cSld>
     <p:spTree>
       <p:nvGrpSpPr>
-        <p:cNvPr id="1" name="Shape 140"/>
+        <p:cNvPr id="1" name="Shape 194"/>
         <p:cNvGrpSpPr/>
         <p:nvPr/>
       </p:nvGrpSpPr>
@@ -5625,7 +5890,7 @@
       </p:grpSpPr>
       <p:sp>
         <p:nvSpPr>
-          <p:cNvPr id="141" name="Google Shape;141;g35f391192_017:notes"/>
+          <p:cNvPr id="195" name="Google Shape;195;g35f391192_085:notes"/>
           <p:cNvSpPr>
             <a:spLocks noGrp="1" noRot="1" noChangeAspect="1"/>
           </p:cNvSpPr>
@@ -5666,7 +5931,7 @@
       </p:sp>
       <p:sp>
         <p:nvSpPr>
-          <p:cNvPr id="142" name="Google Shape;142;g35f391192_017:notes"/>
+          <p:cNvPr id="196" name="Google Shape;196;g35f391192_085:notes"/>
           <p:cNvSpPr txBox="1">
             <a:spLocks noGrp="1"/>
           </p:cNvSpPr>
@@ -5699,27 +5964,34 @@
               <a:buNone/>
             </a:pPr>
             <a:r>
-              <a:rPr lang="en-US" dirty="0"/>
-              <a:t>Clone</a:t>
-            </a:r>
-            <a:r>
               <a:rPr lang="ko-KR" altLang="en-US" dirty="0"/>
-              <a:t>을 한 폴더로 이동을 해서 </a:t>
-            </a:r>
-            <a:r>
-              <a:rPr lang="en-US" altLang="ko-KR" dirty="0" err="1"/>
-              <a:t>index,html</a:t>
-            </a:r>
-            <a:r>
-              <a:rPr lang="en-US" altLang="ko-KR" dirty="0"/>
-              <a:t> </a:t>
-            </a:r>
-            <a:r>
-              <a:rPr lang="ko-KR" altLang="en-US" dirty="0"/>
-              <a:t>파일을 하나 만들어줍니다</a:t>
-            </a:r>
-            <a:r>
-              <a:rPr lang="en-US" altLang="ko-KR" dirty="0"/>
+              <a:t>터미널 창에 </a:t>
+            </a:r>
+            <a:r>
+              <a:rPr lang="en-US" altLang="ko-KR" b="0" i="0" dirty="0">
+                <a:solidFill>
+                  <a:srgbClr val="666666"/>
+                </a:solidFill>
+                <a:effectLst/>
+              </a:rPr>
+              <a:t>$ git remote add origin </a:t>
+            </a:r>
+            <a:r>
+              <a:rPr lang="ko-KR" altLang="en-US" b="0" i="0" dirty="0">
+                <a:solidFill>
+                  <a:srgbClr val="666666"/>
+                </a:solidFill>
+                <a:effectLst/>
+              </a:rPr>
+              <a:t>복사한 주소의 명령어를 입력해줍니다</a:t>
+            </a:r>
+            <a:r>
+              <a:rPr lang="en-US" altLang="ko-KR" b="0" i="0" dirty="0">
+                <a:solidFill>
+                  <a:srgbClr val="666666"/>
+                </a:solidFill>
+                <a:effectLst/>
+              </a:rPr>
               <a:t>.</a:t>
             </a:r>
           </a:p>
@@ -5733,179 +6005,99 @@
               </a:spcAft>
               <a:buNone/>
             </a:pPr>
-            <a:endParaRPr lang="en-US" altLang="ko-KR" dirty="0"/>
-          </a:p>
-          <a:p>
-            <a:pPr marL="0" lvl="0" indent="0" algn="l" rtl="0">
-              <a:spcBef>
-                <a:spcPts val="0"/>
-              </a:spcBef>
-              <a:spcAft>
-                <a:spcPts val="0"/>
-              </a:spcAft>
-              <a:buNone/>
-            </a:pPr>
-            <a:r>
-              <a:rPr lang="en-US" dirty="0"/>
-              <a:t>Git status </a:t>
-            </a:r>
-            <a:r>
-              <a:rPr lang="ko-KR" altLang="en-US" dirty="0" err="1"/>
-              <a:t>명령어으로</a:t>
-            </a:r>
-            <a:r>
+            <a:r>
+              <a:rPr lang="ko-KR" altLang="en-US" b="0" i="0" dirty="0">
+                <a:solidFill>
+                  <a:srgbClr val="666666"/>
+                </a:solidFill>
+                <a:effectLst/>
+              </a:rPr>
+              <a:t>이는 원격저장소</a:t>
+            </a:r>
+            <a:r>
+              <a:rPr lang="en-US" altLang="ko-KR" b="0" i="0" dirty="0">
+                <a:solidFill>
+                  <a:srgbClr val="666666"/>
+                </a:solidFill>
+                <a:effectLst/>
+              </a:rPr>
+              <a:t>(remote)</a:t>
+            </a:r>
+            <a:r>
+              <a:rPr lang="ko-KR" altLang="en-US" b="0" i="0" dirty="0">
+                <a:solidFill>
+                  <a:srgbClr val="666666"/>
+                </a:solidFill>
+                <a:effectLst/>
+              </a:rPr>
+              <a:t>에 </a:t>
+            </a:r>
+            <a:r>
+              <a:rPr lang="en-US" altLang="ko-KR" b="0" i="0" dirty="0">
+                <a:solidFill>
+                  <a:srgbClr val="666666"/>
+                </a:solidFill>
+                <a:effectLst/>
+              </a:rPr>
+              <a:t>origin</a:t>
+            </a:r>
+            <a:r>
+              <a:rPr lang="ko-KR" altLang="en-US" b="0" i="0" dirty="0">
+                <a:solidFill>
+                  <a:srgbClr val="666666"/>
+                </a:solidFill>
+                <a:effectLst/>
+              </a:rPr>
+              <a:t>을 추가하겠다고 깃에게 알려주는 것입니다</a:t>
+            </a:r>
+            <a:r>
+              <a:rPr lang="en-US" altLang="ko-KR" b="0" i="0" dirty="0">
+                <a:solidFill>
+                  <a:srgbClr val="666666"/>
+                </a:solidFill>
+                <a:effectLst/>
+              </a:rPr>
+              <a:t>. Origin</a:t>
+            </a:r>
+            <a:r>
+              <a:rPr lang="ko-KR" altLang="en-US" b="0" i="0" dirty="0">
+                <a:solidFill>
+                  <a:srgbClr val="666666"/>
+                </a:solidFill>
+                <a:effectLst/>
+              </a:rPr>
+              <a:t>은 </a:t>
+            </a:r>
+            <a:r>
+              <a:rPr lang="ko-KR" altLang="en-US" b="0" i="0" dirty="0" err="1">
+                <a:solidFill>
+                  <a:srgbClr val="666666"/>
+                </a:solidFill>
+                <a:effectLst/>
+              </a:rPr>
+              <a:t>깃허브</a:t>
+            </a:r>
+            <a:r>
+              <a:rPr lang="ko-KR" altLang="en-US" b="0" i="0" dirty="0">
+                <a:solidFill>
+                  <a:srgbClr val="666666"/>
+                </a:solidFill>
+                <a:effectLst/>
+              </a:rPr>
+              <a:t> 저장소 주소를 가리키게 됩니다</a:t>
+            </a:r>
+            <a:r>
+              <a:rPr lang="en-US" altLang="ko-KR" b="0" i="0" dirty="0">
+                <a:solidFill>
+                  <a:srgbClr val="666666"/>
+                </a:solidFill>
+                <a:effectLst/>
+              </a:rPr>
+              <a:t>. </a:t>
+            </a:r>
+            <a:br>
               <a:rPr lang="ko-KR" altLang="en-US" dirty="0"/>
-              <a:t> 상태를 확인하면 아직 </a:t>
-            </a:r>
-            <a:r>
-              <a:rPr lang="en-US" altLang="ko-KR" dirty="0"/>
-              <a:t>index.html</a:t>
-            </a:r>
-            <a:r>
-              <a:rPr lang="ko-KR" altLang="en-US" dirty="0"/>
-              <a:t>은 </a:t>
-            </a:r>
-            <a:r>
-              <a:rPr lang="ko-KR" altLang="en-US" dirty="0" err="1"/>
-              <a:t>작업트리에</a:t>
-            </a:r>
-            <a:r>
-              <a:rPr lang="ko-KR" altLang="en-US" dirty="0"/>
-              <a:t> 존재함을 볼 수 있습니다</a:t>
-            </a:r>
-            <a:r>
-              <a:rPr lang="en-US" altLang="ko-KR" dirty="0"/>
-              <a:t>.</a:t>
-            </a:r>
-          </a:p>
-          <a:p>
-            <a:pPr marL="0" lvl="0" indent="0" algn="l" rtl="0">
-              <a:spcBef>
-                <a:spcPts val="0"/>
-              </a:spcBef>
-              <a:spcAft>
-                <a:spcPts val="0"/>
-              </a:spcAft>
-              <a:buNone/>
-            </a:pPr>
-            <a:r>
-              <a:rPr lang="en-US" dirty="0"/>
-              <a:t>Git add </a:t>
-            </a:r>
-            <a:r>
-              <a:rPr lang="ko-KR" altLang="en-US" dirty="0"/>
-              <a:t>명령으로 </a:t>
-            </a:r>
-            <a:r>
-              <a:rPr lang="ko-KR" altLang="en-US" dirty="0" err="1"/>
-              <a:t>스테이징</a:t>
-            </a:r>
-            <a:r>
-              <a:rPr lang="ko-KR" altLang="en-US" dirty="0"/>
-              <a:t> 해주고 </a:t>
-            </a:r>
-            <a:r>
-              <a:rPr lang="en-US" altLang="ko-KR" dirty="0"/>
-              <a:t>git commit </a:t>
-            </a:r>
-            <a:r>
-              <a:rPr lang="ko-KR" altLang="en-US" dirty="0"/>
-              <a:t>명령어로 파일을 저장소로 옮겨주게 됩니다</a:t>
-            </a:r>
-            <a:r>
-              <a:rPr lang="en-US" altLang="ko-KR" dirty="0"/>
-              <a:t>.</a:t>
-            </a:r>
-          </a:p>
-          <a:p>
-            <a:pPr marL="0" lvl="0" indent="0" algn="l" rtl="0">
-              <a:spcBef>
-                <a:spcPts val="0"/>
-              </a:spcBef>
-              <a:spcAft>
-                <a:spcPts val="0"/>
-              </a:spcAft>
-              <a:buNone/>
-            </a:pPr>
-            <a:r>
-              <a:rPr lang="en-US" dirty="0"/>
-              <a:t>Git push </a:t>
-            </a:r>
-            <a:r>
-              <a:rPr lang="ko-KR" altLang="en-US" dirty="0"/>
-              <a:t>명령으로 지역 저장소에서 원격 저장소로 보내주면</a:t>
-            </a:r>
-            <a:endParaRPr lang="en-US" altLang="ko-KR" dirty="0"/>
-          </a:p>
-          <a:p>
-            <a:pPr marL="0" lvl="0" indent="0" algn="l" rtl="0">
-              <a:spcBef>
-                <a:spcPts val="0"/>
-              </a:spcBef>
-              <a:spcAft>
-                <a:spcPts val="0"/>
-              </a:spcAft>
-              <a:buNone/>
-            </a:pPr>
-            <a:endParaRPr lang="en-US" dirty="0"/>
-          </a:p>
-          <a:p>
-            <a:pPr marL="0" lvl="0" indent="0" algn="l" rtl="0">
-              <a:spcBef>
-                <a:spcPts val="0"/>
-              </a:spcBef>
-              <a:spcAft>
-                <a:spcPts val="0"/>
-              </a:spcAft>
-              <a:buNone/>
-            </a:pPr>
-            <a:r>
-              <a:rPr lang="en-US" dirty="0"/>
-              <a:t>Index.html </a:t>
-            </a:r>
-            <a:r>
-              <a:rPr lang="ko-KR" altLang="en-US" dirty="0"/>
-              <a:t>까지 잘 </a:t>
-            </a:r>
-            <a:r>
-              <a:rPr lang="en-US" altLang="ko-KR" dirty="0"/>
-              <a:t>push </a:t>
-            </a:r>
-            <a:r>
-              <a:rPr lang="ko-KR" altLang="en-US" dirty="0"/>
-              <a:t>되었고</a:t>
-            </a:r>
-            <a:r>
-              <a:rPr lang="en-US" altLang="ko-KR" dirty="0"/>
-              <a:t>,  </a:t>
-            </a:r>
-            <a:r>
-              <a:rPr lang="ko-KR" altLang="en-US" dirty="0"/>
-              <a:t>브라우저 주소창에 </a:t>
-            </a:r>
-            <a:r>
-              <a:rPr lang="en-US" altLang="ko-KR" dirty="0"/>
-              <a:t>sh0204.github.io</a:t>
-            </a:r>
-            <a:r>
-              <a:rPr lang="ko-KR" altLang="en-US" dirty="0"/>
-              <a:t>를 입력해주면 다음과 같은 결과가 나옴을 알 수 있습니다</a:t>
-            </a:r>
-            <a:r>
-              <a:rPr lang="en-US" altLang="ko-KR" dirty="0"/>
-              <a:t>.</a:t>
-            </a:r>
-          </a:p>
-          <a:p>
-            <a:pPr marL="0" lvl="0" indent="0" algn="l" rtl="0">
-              <a:spcBef>
-                <a:spcPts val="0"/>
-              </a:spcBef>
-              <a:spcAft>
-                <a:spcPts val="0"/>
-              </a:spcAft>
-              <a:buNone/>
-            </a:pPr>
+            </a:br>
             <a:endParaRPr dirty="0"/>
           </a:p>
         </p:txBody>
@@ -5913,7 +6105,7 @@
     </p:spTree>
     <p:extLst>
       <p:ext uri="{BB962C8B-B14F-4D97-AF65-F5344CB8AC3E}">
-        <p14:creationId xmlns:p14="http://schemas.microsoft.com/office/powerpoint/2010/main" val="1829789387"/>
+        <p14:creationId xmlns:p14="http://schemas.microsoft.com/office/powerpoint/2010/main" val="1406594545"/>
       </p:ext>
     </p:extLst>
   </p:cSld>
@@ -6057,7 +6249,23 @@
             </a:r>
             <a:r>
               <a:rPr lang="ko-KR" altLang="en-US" dirty="0"/>
-              <a:t>마지막은 </a:t>
+              <a:t>세번째는 백업 과정 </a:t>
+            </a:r>
+            <a:endParaRPr lang="en-US" altLang="ko-KR" dirty="0"/>
+          </a:p>
+          <a:p>
+            <a:pPr marL="0" lvl="0" indent="0" algn="l" rtl="0">
+              <a:spcBef>
+                <a:spcPts val="0"/>
+              </a:spcBef>
+              <a:spcAft>
+                <a:spcPts val="0"/>
+              </a:spcAft>
+              <a:buNone/>
+            </a:pPr>
+            <a:r>
+              <a:rPr lang="ko-KR" altLang="en-US" dirty="0"/>
+              <a:t>약간의 보너스로 </a:t>
             </a:r>
             <a:r>
               <a:rPr lang="ko-KR" altLang="en-US" dirty="0" err="1"/>
@@ -6084,6 +6292,1657 @@
 </file>
 
 <file path=ppt/notesSlides/notesSlide20.xml><?xml version="1.0" encoding="utf-8"?>
+<p:notes xmlns:a="http://schemas.openxmlformats.org/drawingml/2006/main" xmlns:r="http://schemas.openxmlformats.org/officeDocument/2006/relationships" xmlns:p="http://schemas.openxmlformats.org/presentationml/2006/main" showMasterSp="0" showMasterPhAnim="0">
+  <p:cSld>
+    <p:spTree>
+      <p:nvGrpSpPr>
+        <p:cNvPr id="1" name="Shape 194"/>
+        <p:cNvGrpSpPr/>
+        <p:nvPr/>
+      </p:nvGrpSpPr>
+      <p:grpSpPr>
+        <a:xfrm>
+          <a:off x="0" y="0"/>
+          <a:ext cx="0" cy="0"/>
+          <a:chOff x="0" y="0"/>
+          <a:chExt cx="0" cy="0"/>
+        </a:xfrm>
+      </p:grpSpPr>
+      <p:sp>
+        <p:nvSpPr>
+          <p:cNvPr id="195" name="Google Shape;195;g35f391192_085:notes"/>
+          <p:cNvSpPr>
+            <a:spLocks noGrp="1" noRot="1" noChangeAspect="1"/>
+          </p:cNvSpPr>
+          <p:nvPr>
+            <p:ph type="sldImg" idx="2"/>
+          </p:nvPr>
+        </p:nvSpPr>
+        <p:spPr>
+          <a:xfrm>
+            <a:off x="381000" y="685800"/>
+            <a:ext cx="6096000" cy="3429000"/>
+          </a:xfrm>
+          <a:custGeom>
+            <a:avLst/>
+            <a:gdLst/>
+            <a:ahLst/>
+            <a:cxnLst/>
+            <a:rect l="l" t="t" r="r" b="b"/>
+            <a:pathLst>
+              <a:path w="120000" h="120000" extrusionOk="0">
+                <a:moveTo>
+                  <a:pt x="0" y="0"/>
+                </a:moveTo>
+                <a:lnTo>
+                  <a:pt x="120000" y="0"/>
+                </a:lnTo>
+                <a:lnTo>
+                  <a:pt x="120000" y="120000"/>
+                </a:lnTo>
+                <a:lnTo>
+                  <a:pt x="0" y="120000"/>
+                </a:lnTo>
+                <a:close/>
+              </a:path>
+            </a:pathLst>
+          </a:custGeom>
+        </p:spPr>
+      </p:sp>
+      <p:sp>
+        <p:nvSpPr>
+          <p:cNvPr id="196" name="Google Shape;196;g35f391192_085:notes"/>
+          <p:cNvSpPr txBox="1">
+            <a:spLocks noGrp="1"/>
+          </p:cNvSpPr>
+          <p:nvPr>
+            <p:ph type="body" idx="1"/>
+          </p:nvPr>
+        </p:nvSpPr>
+        <p:spPr>
+          <a:xfrm>
+            <a:off x="685800" y="4343400"/>
+            <a:ext cx="5486400" cy="4114800"/>
+          </a:xfrm>
+          <a:prstGeom prst="rect">
+            <a:avLst/>
+          </a:prstGeom>
+        </p:spPr>
+        <p:txBody>
+          <a:bodyPr spcFirstLastPara="1" wrap="square" lIns="91425" tIns="91425" rIns="91425" bIns="91425" anchor="t" anchorCtr="0">
+            <a:noAutofit/>
+          </a:bodyPr>
+          <a:lstStyle/>
+          <a:p>
+            <a:pPr marL="0" lvl="0" indent="0" algn="l" rtl="0">
+              <a:spcBef>
+                <a:spcPts val="0"/>
+              </a:spcBef>
+              <a:spcAft>
+                <a:spcPts val="0"/>
+              </a:spcAft>
+              <a:buNone/>
+            </a:pPr>
+            <a:r>
+              <a:rPr lang="ko-KR" altLang="en-US" b="0" i="0" dirty="0">
+                <a:solidFill>
+                  <a:srgbClr val="000000"/>
+                </a:solidFill>
+                <a:effectLst/>
+              </a:rPr>
+              <a:t>그 다음에 지역 저장소의 </a:t>
+            </a:r>
+            <a:r>
+              <a:rPr lang="ko-KR" altLang="en-US" b="0" i="0" dirty="0" err="1">
+                <a:solidFill>
+                  <a:srgbClr val="000000"/>
+                </a:solidFill>
+                <a:effectLst/>
+              </a:rPr>
+              <a:t>브랜치를</a:t>
+            </a:r>
+            <a:r>
+              <a:rPr lang="ko-KR" altLang="en-US" b="0" i="0" dirty="0">
+                <a:solidFill>
+                  <a:srgbClr val="000000"/>
+                </a:solidFill>
+                <a:effectLst/>
+              </a:rPr>
+              <a:t> </a:t>
+            </a:r>
+            <a:r>
+              <a:rPr lang="en-US" altLang="ko-KR" b="0" i="0" dirty="0">
+                <a:solidFill>
+                  <a:srgbClr val="000000"/>
+                </a:solidFill>
+                <a:effectLst/>
+              </a:rPr>
+              <a:t>origin </a:t>
+            </a:r>
+            <a:r>
+              <a:rPr lang="ko-KR" altLang="en-US" b="0" i="0" dirty="0">
+                <a:solidFill>
+                  <a:srgbClr val="000000"/>
+                </a:solidFill>
+                <a:effectLst/>
+              </a:rPr>
+              <a:t>즉</a:t>
+            </a:r>
+            <a:r>
+              <a:rPr lang="en-US" altLang="ko-KR" b="0" i="0" dirty="0">
+                <a:solidFill>
+                  <a:srgbClr val="000000"/>
+                </a:solidFill>
+                <a:effectLst/>
+              </a:rPr>
+              <a:t>, </a:t>
+            </a:r>
+            <a:r>
+              <a:rPr lang="ko-KR" altLang="en-US" b="0" i="0" dirty="0">
+                <a:solidFill>
+                  <a:srgbClr val="000000"/>
+                </a:solidFill>
+                <a:effectLst/>
+              </a:rPr>
+              <a:t>원격 저장소의 </a:t>
+            </a:r>
+            <a:r>
+              <a:rPr lang="en-US" altLang="ko-KR" b="0" i="0" dirty="0">
+                <a:solidFill>
+                  <a:srgbClr val="000000"/>
+                </a:solidFill>
+                <a:effectLst/>
+              </a:rPr>
+              <a:t>master </a:t>
+            </a:r>
+            <a:r>
+              <a:rPr lang="ko-KR" altLang="en-US" b="0" i="0" dirty="0" err="1">
+                <a:solidFill>
+                  <a:srgbClr val="000000"/>
+                </a:solidFill>
+                <a:effectLst/>
+              </a:rPr>
+              <a:t>브랜치로</a:t>
+            </a:r>
+            <a:r>
+              <a:rPr lang="ko-KR" altLang="en-US" b="0" i="0" dirty="0">
+                <a:solidFill>
+                  <a:srgbClr val="000000"/>
+                </a:solidFill>
+                <a:effectLst/>
+              </a:rPr>
+              <a:t> </a:t>
+            </a:r>
+            <a:r>
+              <a:rPr lang="ko-KR" altLang="en-US" b="0" i="0" dirty="0" err="1">
+                <a:solidFill>
+                  <a:srgbClr val="000000"/>
+                </a:solidFill>
+                <a:effectLst/>
+              </a:rPr>
+              <a:t>푸시하라는</a:t>
+            </a:r>
+            <a:r>
+              <a:rPr lang="ko-KR" altLang="en-US" b="0" i="0" dirty="0">
+                <a:solidFill>
+                  <a:srgbClr val="000000"/>
+                </a:solidFill>
+                <a:effectLst/>
+              </a:rPr>
+              <a:t> 명령을 입력해줍니다</a:t>
+            </a:r>
+            <a:r>
+              <a:rPr lang="en-US" altLang="ko-KR" b="0" i="0" dirty="0">
+                <a:solidFill>
+                  <a:srgbClr val="000000"/>
+                </a:solidFill>
+                <a:effectLst/>
+              </a:rPr>
+              <a:t>.</a:t>
+            </a:r>
+            <a:r>
+              <a:rPr lang="ko-KR" altLang="en-US" dirty="0"/>
+              <a:t> </a:t>
+            </a:r>
+            <a:br>
+              <a:rPr lang="ko-KR" altLang="en-US" dirty="0"/>
+            </a:br>
+            <a:endParaRPr lang="en-US" altLang="ko-KR" dirty="0"/>
+          </a:p>
+          <a:p>
+            <a:pPr marL="0" lvl="0" indent="0" algn="l" rtl="0">
+              <a:spcBef>
+                <a:spcPts val="0"/>
+              </a:spcBef>
+              <a:spcAft>
+                <a:spcPts val="0"/>
+              </a:spcAft>
+              <a:buNone/>
+            </a:pPr>
+            <a:r>
+              <a:rPr lang="ko-KR" altLang="en-US" dirty="0"/>
+              <a:t>그러면 다음과 같이 파일들이 </a:t>
+            </a:r>
+            <a:r>
+              <a:rPr lang="en-US" altLang="ko-KR" dirty="0"/>
+              <a:t>push </a:t>
+            </a:r>
+            <a:r>
+              <a:rPr lang="ko-KR" altLang="en-US" dirty="0"/>
+              <a:t>된 것을 확인 가능합니다</a:t>
+            </a:r>
+            <a:r>
+              <a:rPr lang="en-US" altLang="ko-KR" dirty="0"/>
+              <a:t>.</a:t>
+            </a:r>
+          </a:p>
+          <a:p>
+            <a:pPr marL="0" lvl="0" indent="0" algn="l" rtl="0">
+              <a:spcBef>
+                <a:spcPts val="0"/>
+              </a:spcBef>
+              <a:spcAft>
+                <a:spcPts val="0"/>
+              </a:spcAft>
+              <a:buNone/>
+            </a:pPr>
+            <a:br>
+              <a:rPr lang="ko-KR" altLang="en-US" dirty="0"/>
+            </a:br>
+            <a:br>
+              <a:rPr lang="ko-KR" altLang="en-US" dirty="0"/>
+            </a:br>
+            <a:endParaRPr dirty="0"/>
+          </a:p>
+        </p:txBody>
+      </p:sp>
+    </p:spTree>
+    <p:extLst>
+      <p:ext uri="{BB962C8B-B14F-4D97-AF65-F5344CB8AC3E}">
+        <p14:creationId xmlns:p14="http://schemas.microsoft.com/office/powerpoint/2010/main" val="4186751939"/>
+      </p:ext>
+    </p:extLst>
+  </p:cSld>
+  <p:clrMapOvr>
+    <a:masterClrMapping/>
+  </p:clrMapOvr>
+</p:notes>
+</file>
+
+<file path=ppt/notesSlides/notesSlide21.xml><?xml version="1.0" encoding="utf-8"?>
+<p:notes xmlns:a="http://schemas.openxmlformats.org/drawingml/2006/main" xmlns:r="http://schemas.openxmlformats.org/officeDocument/2006/relationships" xmlns:p="http://schemas.openxmlformats.org/presentationml/2006/main" showMasterSp="0" showMasterPhAnim="0">
+  <p:cSld>
+    <p:spTree>
+      <p:nvGrpSpPr>
+        <p:cNvPr id="1" name="Shape 194"/>
+        <p:cNvGrpSpPr/>
+        <p:nvPr/>
+      </p:nvGrpSpPr>
+      <p:grpSpPr>
+        <a:xfrm>
+          <a:off x="0" y="0"/>
+          <a:ext cx="0" cy="0"/>
+          <a:chOff x="0" y="0"/>
+          <a:chExt cx="0" cy="0"/>
+        </a:xfrm>
+      </p:grpSpPr>
+      <p:sp>
+        <p:nvSpPr>
+          <p:cNvPr id="195" name="Google Shape;195;g35f391192_085:notes"/>
+          <p:cNvSpPr>
+            <a:spLocks noGrp="1" noRot="1" noChangeAspect="1"/>
+          </p:cNvSpPr>
+          <p:nvPr>
+            <p:ph type="sldImg" idx="2"/>
+          </p:nvPr>
+        </p:nvSpPr>
+        <p:spPr>
+          <a:xfrm>
+            <a:off x="381000" y="685800"/>
+            <a:ext cx="6096000" cy="3429000"/>
+          </a:xfrm>
+          <a:custGeom>
+            <a:avLst/>
+            <a:gdLst/>
+            <a:ahLst/>
+            <a:cxnLst/>
+            <a:rect l="l" t="t" r="r" b="b"/>
+            <a:pathLst>
+              <a:path w="120000" h="120000" extrusionOk="0">
+                <a:moveTo>
+                  <a:pt x="0" y="0"/>
+                </a:moveTo>
+                <a:lnTo>
+                  <a:pt x="120000" y="0"/>
+                </a:lnTo>
+                <a:lnTo>
+                  <a:pt x="120000" y="120000"/>
+                </a:lnTo>
+                <a:lnTo>
+                  <a:pt x="0" y="120000"/>
+                </a:lnTo>
+                <a:close/>
+              </a:path>
+            </a:pathLst>
+          </a:custGeom>
+        </p:spPr>
+      </p:sp>
+      <p:sp>
+        <p:nvSpPr>
+          <p:cNvPr id="196" name="Google Shape;196;g35f391192_085:notes"/>
+          <p:cNvSpPr txBox="1">
+            <a:spLocks noGrp="1"/>
+          </p:cNvSpPr>
+          <p:nvPr>
+            <p:ph type="body" idx="1"/>
+          </p:nvPr>
+        </p:nvSpPr>
+        <p:spPr>
+          <a:xfrm>
+            <a:off x="685800" y="4343400"/>
+            <a:ext cx="5486400" cy="4114800"/>
+          </a:xfrm>
+          <a:prstGeom prst="rect">
+            <a:avLst/>
+          </a:prstGeom>
+        </p:spPr>
+        <p:txBody>
+          <a:bodyPr spcFirstLastPara="1" wrap="square" lIns="91425" tIns="91425" rIns="91425" bIns="91425" anchor="t" anchorCtr="0">
+            <a:noAutofit/>
+          </a:bodyPr>
+          <a:lstStyle/>
+          <a:p>
+            <a:pPr marL="0" lvl="0" indent="0" algn="l" rtl="0">
+              <a:spcBef>
+                <a:spcPts val="0"/>
+              </a:spcBef>
+              <a:spcAft>
+                <a:spcPts val="0"/>
+              </a:spcAft>
+              <a:buNone/>
+            </a:pPr>
+            <a:r>
+              <a:rPr lang="ko-KR" altLang="en-US" b="0" i="0" dirty="0">
+                <a:solidFill>
+                  <a:srgbClr val="000000"/>
+                </a:solidFill>
+                <a:effectLst/>
+              </a:rPr>
+              <a:t>지역 저장소에서 </a:t>
+            </a:r>
+            <a:r>
+              <a:rPr lang="en-US" altLang="ko-KR" b="0" i="0" dirty="0">
+                <a:solidFill>
+                  <a:srgbClr val="000000"/>
+                </a:solidFill>
+                <a:effectLst/>
+              </a:rPr>
+              <a:t>hello1.txt </a:t>
+            </a:r>
+            <a:r>
+              <a:rPr lang="ko-KR" altLang="en-US" b="0" i="0" dirty="0">
+                <a:solidFill>
+                  <a:srgbClr val="000000"/>
+                </a:solidFill>
+                <a:effectLst/>
+              </a:rPr>
+              <a:t>파일을 수정해서 새롭게 </a:t>
+            </a:r>
+            <a:r>
+              <a:rPr lang="ko-KR" altLang="en-US" b="0" i="0" dirty="0" err="1">
+                <a:solidFill>
+                  <a:srgbClr val="000000"/>
+                </a:solidFill>
+                <a:effectLst/>
+              </a:rPr>
+              <a:t>커밋을</a:t>
+            </a:r>
+            <a:r>
+              <a:rPr lang="ko-KR" altLang="en-US" b="0" i="0" dirty="0">
+                <a:solidFill>
+                  <a:srgbClr val="000000"/>
+                </a:solidFill>
+                <a:effectLst/>
+              </a:rPr>
+              <a:t> 만들고</a:t>
+            </a:r>
+            <a:r>
+              <a:rPr lang="en-US" altLang="ko-KR" b="0" i="0" dirty="0">
+                <a:solidFill>
+                  <a:srgbClr val="000000"/>
+                </a:solidFill>
+                <a:effectLst/>
+              </a:rPr>
+              <a:t> push</a:t>
+            </a:r>
+            <a:r>
+              <a:rPr lang="ko-KR" altLang="en-US" b="0" i="0" dirty="0">
+                <a:solidFill>
+                  <a:srgbClr val="000000"/>
+                </a:solidFill>
+                <a:effectLst/>
+              </a:rPr>
+              <a:t>를 해주게 되면 원격 저장소로 새로운 </a:t>
+            </a:r>
+            <a:r>
+              <a:rPr lang="ko-KR" altLang="en-US" b="0" i="0" dirty="0" err="1">
+                <a:solidFill>
+                  <a:srgbClr val="000000"/>
+                </a:solidFill>
+                <a:effectLst/>
+              </a:rPr>
+              <a:t>커밋이</a:t>
+            </a:r>
+            <a:r>
+              <a:rPr lang="ko-KR" altLang="en-US" b="0" i="0" dirty="0">
+                <a:solidFill>
+                  <a:srgbClr val="000000"/>
+                </a:solidFill>
+                <a:effectLst/>
+              </a:rPr>
+              <a:t> 푸시되는 것을 볼 수 있습니다</a:t>
+            </a:r>
+            <a:r>
+              <a:rPr lang="en-US" altLang="ko-KR" b="0" i="0" dirty="0">
+                <a:solidFill>
+                  <a:srgbClr val="000000"/>
+                </a:solidFill>
+                <a:effectLst/>
+              </a:rPr>
+              <a:t>.</a:t>
+            </a:r>
+            <a:br>
+              <a:rPr lang="ko-KR" altLang="en-US" dirty="0"/>
+            </a:br>
+            <a:br>
+              <a:rPr lang="ko-KR" altLang="en-US" dirty="0"/>
+            </a:br>
+            <a:endParaRPr dirty="0"/>
+          </a:p>
+        </p:txBody>
+      </p:sp>
+    </p:spTree>
+    <p:extLst>
+      <p:ext uri="{BB962C8B-B14F-4D97-AF65-F5344CB8AC3E}">
+        <p14:creationId xmlns:p14="http://schemas.microsoft.com/office/powerpoint/2010/main" val="803150545"/>
+      </p:ext>
+    </p:extLst>
+  </p:cSld>
+  <p:clrMapOvr>
+    <a:masterClrMapping/>
+  </p:clrMapOvr>
+</p:notes>
+</file>
+
+<file path=ppt/notesSlides/notesSlide22.xml><?xml version="1.0" encoding="utf-8"?>
+<p:notes xmlns:a="http://schemas.openxmlformats.org/drawingml/2006/main" xmlns:r="http://schemas.openxmlformats.org/officeDocument/2006/relationships" xmlns:p="http://schemas.openxmlformats.org/presentationml/2006/main" showMasterSp="0" showMasterPhAnim="0">
+  <p:cSld>
+    <p:spTree>
+      <p:nvGrpSpPr>
+        <p:cNvPr id="1" name="Shape 194"/>
+        <p:cNvGrpSpPr/>
+        <p:nvPr/>
+      </p:nvGrpSpPr>
+      <p:grpSpPr>
+        <a:xfrm>
+          <a:off x="0" y="0"/>
+          <a:ext cx="0" cy="0"/>
+          <a:chOff x="0" y="0"/>
+          <a:chExt cx="0" cy="0"/>
+        </a:xfrm>
+      </p:grpSpPr>
+      <p:sp>
+        <p:nvSpPr>
+          <p:cNvPr id="195" name="Google Shape;195;g35f391192_085:notes"/>
+          <p:cNvSpPr>
+            <a:spLocks noGrp="1" noRot="1" noChangeAspect="1"/>
+          </p:cNvSpPr>
+          <p:nvPr>
+            <p:ph type="sldImg" idx="2"/>
+          </p:nvPr>
+        </p:nvSpPr>
+        <p:spPr>
+          <a:xfrm>
+            <a:off x="381000" y="685800"/>
+            <a:ext cx="6096000" cy="3429000"/>
+          </a:xfrm>
+          <a:custGeom>
+            <a:avLst/>
+            <a:gdLst/>
+            <a:ahLst/>
+            <a:cxnLst/>
+            <a:rect l="l" t="t" r="r" b="b"/>
+            <a:pathLst>
+              <a:path w="120000" h="120000" extrusionOk="0">
+                <a:moveTo>
+                  <a:pt x="0" y="0"/>
+                </a:moveTo>
+                <a:lnTo>
+                  <a:pt x="120000" y="0"/>
+                </a:lnTo>
+                <a:lnTo>
+                  <a:pt x="120000" y="120000"/>
+                </a:lnTo>
+                <a:lnTo>
+                  <a:pt x="0" y="120000"/>
+                </a:lnTo>
+                <a:close/>
+              </a:path>
+            </a:pathLst>
+          </a:custGeom>
+        </p:spPr>
+      </p:sp>
+      <p:sp>
+        <p:nvSpPr>
+          <p:cNvPr id="196" name="Google Shape;196;g35f391192_085:notes"/>
+          <p:cNvSpPr txBox="1">
+            <a:spLocks noGrp="1"/>
+          </p:cNvSpPr>
+          <p:nvPr>
+            <p:ph type="body" idx="1"/>
+          </p:nvPr>
+        </p:nvSpPr>
+        <p:spPr>
+          <a:xfrm>
+            <a:off x="685800" y="4343400"/>
+            <a:ext cx="5486400" cy="4114800"/>
+          </a:xfrm>
+          <a:prstGeom prst="rect">
+            <a:avLst/>
+          </a:prstGeom>
+        </p:spPr>
+        <p:txBody>
+          <a:bodyPr spcFirstLastPara="1" wrap="square" lIns="91425" tIns="91425" rIns="91425" bIns="91425" anchor="t" anchorCtr="0">
+            <a:noAutofit/>
+          </a:bodyPr>
+          <a:lstStyle/>
+          <a:p>
+            <a:pPr marL="139700" indent="0" algn="l">
+              <a:buNone/>
+            </a:pPr>
+            <a:r>
+              <a:rPr lang="ko-KR" altLang="en-US" b="0" i="0" dirty="0">
+                <a:solidFill>
+                  <a:srgbClr val="333333"/>
+                </a:solidFill>
+                <a:effectLst/>
+              </a:rPr>
+              <a:t>원격 저장소에 있는 소스 파일을 다른 사용자가 수정했거나 </a:t>
+            </a:r>
+            <a:r>
+              <a:rPr lang="ko-KR" altLang="en-US" b="0" i="0" dirty="0" err="1">
+                <a:solidFill>
+                  <a:srgbClr val="333333"/>
+                </a:solidFill>
+                <a:effectLst/>
+              </a:rPr>
+              <a:t>깃허브</a:t>
+            </a:r>
+            <a:r>
+              <a:rPr lang="ko-KR" altLang="en-US" b="0" i="0" dirty="0">
+                <a:solidFill>
+                  <a:srgbClr val="333333"/>
+                </a:solidFill>
+                <a:effectLst/>
+              </a:rPr>
+              <a:t> 사이트에서 직접 </a:t>
+            </a:r>
+            <a:r>
+              <a:rPr lang="ko-KR" altLang="en-US" b="0" i="0" dirty="0" err="1">
+                <a:solidFill>
+                  <a:srgbClr val="333333"/>
+                </a:solidFill>
+                <a:effectLst/>
+              </a:rPr>
+              <a:t>커밋을</a:t>
+            </a:r>
+            <a:r>
+              <a:rPr lang="ko-KR" altLang="en-US" b="0" i="0" dirty="0">
+                <a:solidFill>
+                  <a:srgbClr val="333333"/>
+                </a:solidFill>
+                <a:effectLst/>
+              </a:rPr>
+              <a:t> 하게 되면 지역 저장소와는 차이가 발생하게 됩니다</a:t>
+            </a:r>
+            <a:r>
+              <a:rPr lang="en-US" altLang="ko-KR" b="0" i="0" dirty="0">
+                <a:solidFill>
+                  <a:srgbClr val="333333"/>
+                </a:solidFill>
+                <a:effectLst/>
+              </a:rPr>
+              <a:t>. </a:t>
+            </a:r>
+            <a:r>
+              <a:rPr lang="ko-KR" altLang="en-US" b="0" i="0" dirty="0">
+                <a:solidFill>
+                  <a:srgbClr val="333333"/>
+                </a:solidFill>
+                <a:effectLst/>
+              </a:rPr>
+              <a:t>따라서 원격 저장소와 지역 저장소의 상태를 같게 만들기 위해서 원격 저장소의 소스를 지역저장소로 가져오게 되는데 이것을 </a:t>
+            </a:r>
+            <a:r>
+              <a:rPr lang="en-US" altLang="ko-KR" b="0" i="0" dirty="0">
+                <a:solidFill>
+                  <a:srgbClr val="333333"/>
+                </a:solidFill>
+                <a:effectLst/>
+              </a:rPr>
+              <a:t>'pull(</a:t>
+            </a:r>
+            <a:r>
+              <a:rPr lang="ko-KR" altLang="en-US" b="0" i="0" dirty="0">
+                <a:solidFill>
+                  <a:srgbClr val="333333"/>
+                </a:solidFill>
+                <a:effectLst/>
+              </a:rPr>
+              <a:t>풀</a:t>
+            </a:r>
+            <a:r>
+              <a:rPr lang="en-US" altLang="ko-KR" b="0" i="0" dirty="0">
+                <a:solidFill>
+                  <a:srgbClr val="333333"/>
+                </a:solidFill>
+                <a:effectLst/>
+              </a:rPr>
+              <a:t>)'</a:t>
+            </a:r>
+            <a:r>
+              <a:rPr lang="ko-KR" altLang="en-US" b="0" i="0" dirty="0">
+                <a:solidFill>
+                  <a:srgbClr val="333333"/>
+                </a:solidFill>
+                <a:effectLst/>
+              </a:rPr>
+              <a:t>한다고 말합니다</a:t>
+            </a:r>
+            <a:r>
+              <a:rPr lang="en-US" altLang="ko-KR" b="0" i="0" dirty="0">
+                <a:solidFill>
+                  <a:srgbClr val="333333"/>
+                </a:solidFill>
+                <a:effectLst/>
+              </a:rPr>
+              <a:t>.</a:t>
+            </a:r>
+          </a:p>
+          <a:p>
+            <a:pPr marL="139700" indent="0" algn="l">
+              <a:buNone/>
+            </a:pPr>
+            <a:endParaRPr lang="en-US" altLang="ko-KR" b="0" i="0" dirty="0">
+              <a:solidFill>
+                <a:srgbClr val="333333"/>
+              </a:solidFill>
+              <a:effectLst/>
+            </a:endParaRPr>
+          </a:p>
+          <a:p>
+            <a:pPr marL="139700" indent="0" algn="l">
+              <a:buNone/>
+            </a:pPr>
+            <a:r>
+              <a:rPr lang="ko-KR" altLang="en-US" b="0" i="0" dirty="0">
+                <a:solidFill>
+                  <a:srgbClr val="333333"/>
+                </a:solidFill>
+                <a:effectLst/>
+              </a:rPr>
+              <a:t>원격저장소에 </a:t>
+            </a:r>
+            <a:r>
+              <a:rPr lang="en-US" altLang="ko-KR" b="0" i="0" dirty="0">
+                <a:solidFill>
+                  <a:srgbClr val="333333"/>
+                </a:solidFill>
+                <a:effectLst/>
+              </a:rPr>
+              <a:t>hello3.txt </a:t>
+            </a:r>
+            <a:r>
+              <a:rPr lang="ko-KR" altLang="en-US" b="0" i="0" dirty="0">
+                <a:solidFill>
+                  <a:srgbClr val="333333"/>
+                </a:solidFill>
+                <a:effectLst/>
+              </a:rPr>
+              <a:t>파일을 생성해줬는데 이는 현재 지역저장소에는 없는 파일입니다</a:t>
+            </a:r>
+            <a:r>
+              <a:rPr lang="en-US" altLang="ko-KR" b="0" i="0" dirty="0">
+                <a:solidFill>
+                  <a:srgbClr val="333333"/>
+                </a:solidFill>
+                <a:effectLst/>
+              </a:rPr>
+              <a:t>. </a:t>
+            </a:r>
+            <a:r>
+              <a:rPr lang="ko-KR" altLang="en-US" b="0" i="0" dirty="0">
+                <a:solidFill>
+                  <a:srgbClr val="333333"/>
+                </a:solidFill>
+                <a:effectLst/>
+              </a:rPr>
+              <a:t>따라서 </a:t>
+            </a:r>
+            <a:r>
+              <a:rPr lang="en-US" altLang="ko-KR" b="0" i="0" dirty="0">
+                <a:solidFill>
+                  <a:srgbClr val="333333"/>
+                </a:solidFill>
+                <a:effectLst/>
+              </a:rPr>
+              <a:t>git pull</a:t>
+            </a:r>
+            <a:r>
+              <a:rPr lang="ko-KR" altLang="en-US" b="0" i="0" dirty="0">
+                <a:solidFill>
+                  <a:srgbClr val="333333"/>
+                </a:solidFill>
+                <a:effectLst/>
+              </a:rPr>
+              <a:t>을 실시하여 원격 저장소에 지역 저장소를 소스 파일을 가져오게 되었습니다</a:t>
+            </a:r>
+            <a:r>
+              <a:rPr lang="en-US" altLang="ko-KR" b="0" i="0" dirty="0">
+                <a:solidFill>
+                  <a:srgbClr val="333333"/>
+                </a:solidFill>
+                <a:effectLst/>
+              </a:rPr>
+              <a:t>.</a:t>
+            </a:r>
+          </a:p>
+          <a:p>
+            <a:pPr marL="139700" indent="0">
+              <a:buNone/>
+            </a:pPr>
+            <a:br>
+              <a:rPr lang="ko-KR" altLang="en-US" dirty="0"/>
+            </a:br>
+            <a:br>
+              <a:rPr lang="ko-KR" altLang="en-US" dirty="0"/>
+            </a:br>
+            <a:endParaRPr dirty="0"/>
+          </a:p>
+        </p:txBody>
+      </p:sp>
+    </p:spTree>
+    <p:extLst>
+      <p:ext uri="{BB962C8B-B14F-4D97-AF65-F5344CB8AC3E}">
+        <p14:creationId xmlns:p14="http://schemas.microsoft.com/office/powerpoint/2010/main" val="2902089359"/>
+      </p:ext>
+    </p:extLst>
+  </p:cSld>
+  <p:clrMapOvr>
+    <a:masterClrMapping/>
+  </p:clrMapOvr>
+</p:notes>
+</file>
+
+<file path=ppt/notesSlides/notesSlide23.xml><?xml version="1.0" encoding="utf-8"?>
+<p:notes xmlns:a="http://schemas.openxmlformats.org/drawingml/2006/main" xmlns:r="http://schemas.openxmlformats.org/officeDocument/2006/relationships" xmlns:p="http://schemas.openxmlformats.org/presentationml/2006/main" showMasterSp="0" showMasterPhAnim="0">
+  <p:cSld>
+    <p:spTree>
+      <p:nvGrpSpPr>
+        <p:cNvPr id="1" name="Shape 107"/>
+        <p:cNvGrpSpPr/>
+        <p:nvPr/>
+      </p:nvGrpSpPr>
+      <p:grpSpPr>
+        <a:xfrm>
+          <a:off x="0" y="0"/>
+          <a:ext cx="0" cy="0"/>
+          <a:chOff x="0" y="0"/>
+          <a:chExt cx="0" cy="0"/>
+        </a:xfrm>
+      </p:grpSpPr>
+      <p:sp>
+        <p:nvSpPr>
+          <p:cNvPr id="108" name="Google Shape;108;g35f391192_029:notes"/>
+          <p:cNvSpPr>
+            <a:spLocks noGrp="1" noRot="1" noChangeAspect="1"/>
+          </p:cNvSpPr>
+          <p:nvPr>
+            <p:ph type="sldImg" idx="2"/>
+          </p:nvPr>
+        </p:nvSpPr>
+        <p:spPr>
+          <a:xfrm>
+            <a:off x="381000" y="685800"/>
+            <a:ext cx="6096000" cy="3429000"/>
+          </a:xfrm>
+          <a:custGeom>
+            <a:avLst/>
+            <a:gdLst/>
+            <a:ahLst/>
+            <a:cxnLst/>
+            <a:rect l="l" t="t" r="r" b="b"/>
+            <a:pathLst>
+              <a:path w="120000" h="120000" extrusionOk="0">
+                <a:moveTo>
+                  <a:pt x="0" y="0"/>
+                </a:moveTo>
+                <a:lnTo>
+                  <a:pt x="120000" y="0"/>
+                </a:lnTo>
+                <a:lnTo>
+                  <a:pt x="120000" y="120000"/>
+                </a:lnTo>
+                <a:lnTo>
+                  <a:pt x="0" y="120000"/>
+                </a:lnTo>
+                <a:close/>
+              </a:path>
+            </a:pathLst>
+          </a:custGeom>
+        </p:spPr>
+      </p:sp>
+      <p:sp>
+        <p:nvSpPr>
+          <p:cNvPr id="109" name="Google Shape;109;g35f391192_029:notes"/>
+          <p:cNvSpPr txBox="1">
+            <a:spLocks noGrp="1"/>
+          </p:cNvSpPr>
+          <p:nvPr>
+            <p:ph type="body" idx="1"/>
+          </p:nvPr>
+        </p:nvSpPr>
+        <p:spPr>
+          <a:xfrm>
+            <a:off x="685800" y="4343400"/>
+            <a:ext cx="5486400" cy="4114800"/>
+          </a:xfrm>
+          <a:prstGeom prst="rect">
+            <a:avLst/>
+          </a:prstGeom>
+        </p:spPr>
+        <p:txBody>
+          <a:bodyPr spcFirstLastPara="1" wrap="square" lIns="91425" tIns="91425" rIns="91425" bIns="91425" anchor="t" anchorCtr="0">
+            <a:noAutofit/>
+          </a:bodyPr>
+          <a:lstStyle/>
+          <a:p>
+            <a:pPr marL="0" lvl="0" indent="0" algn="l" rtl="0">
+              <a:spcBef>
+                <a:spcPts val="0"/>
+              </a:spcBef>
+              <a:spcAft>
+                <a:spcPts val="0"/>
+              </a:spcAft>
+              <a:buNone/>
+            </a:pPr>
+            <a:r>
+              <a:rPr lang="ko-KR" altLang="en-US" dirty="0"/>
+              <a:t>나머지 하나의 기능인 협업과정에 대해서는 좀 더 공부를 하고 발표를 진행하도록 </a:t>
+            </a:r>
+            <a:r>
+              <a:rPr lang="ko-KR" altLang="en-US" dirty="0" err="1"/>
+              <a:t>하겠구요</a:t>
+            </a:r>
+            <a:r>
+              <a:rPr lang="en-US" altLang="ko-KR" dirty="0"/>
+              <a:t>,</a:t>
+            </a:r>
+          </a:p>
+          <a:p>
+            <a:pPr marL="0" lvl="0" indent="0" algn="l" rtl="0">
+              <a:spcBef>
+                <a:spcPts val="0"/>
+              </a:spcBef>
+              <a:spcAft>
+                <a:spcPts val="0"/>
+              </a:spcAft>
+              <a:buNone/>
+            </a:pPr>
+            <a:r>
+              <a:rPr lang="ko-KR" altLang="en-US" dirty="0"/>
+              <a:t>잠깐 </a:t>
+            </a:r>
+            <a:r>
+              <a:rPr lang="en-US" dirty="0" err="1"/>
+              <a:t>Github</a:t>
+            </a:r>
+            <a:r>
+              <a:rPr lang="en-US" dirty="0"/>
+              <a:t> </a:t>
+            </a:r>
+            <a:r>
+              <a:rPr lang="ko-KR" altLang="en-US" dirty="0"/>
+              <a:t>페이지에 대해서 설명하고자 합니다</a:t>
+            </a:r>
+            <a:r>
+              <a:rPr lang="en-US" altLang="ko-KR" dirty="0"/>
+              <a:t>.</a:t>
+            </a:r>
+          </a:p>
+          <a:p>
+            <a:pPr marL="0" lvl="0" indent="0" algn="l" rtl="0">
+              <a:spcBef>
+                <a:spcPts val="0"/>
+              </a:spcBef>
+              <a:spcAft>
+                <a:spcPts val="0"/>
+              </a:spcAft>
+              <a:buNone/>
+            </a:pPr>
+            <a:r>
+              <a:rPr lang="ko-KR" altLang="en-US" dirty="0" err="1"/>
+              <a:t>깃허브</a:t>
+            </a:r>
+            <a:r>
+              <a:rPr lang="ko-KR" altLang="en-US" dirty="0"/>
+              <a:t> 페이지는 </a:t>
+            </a:r>
+            <a:r>
+              <a:rPr lang="ko-KR" altLang="en-US" dirty="0" err="1"/>
+              <a:t>깃허브에서</a:t>
+            </a:r>
+            <a:r>
+              <a:rPr lang="ko-KR" altLang="en-US" dirty="0"/>
+              <a:t> 운영하는 블로그 서비스라고 할 수 있습니다</a:t>
+            </a:r>
+            <a:r>
+              <a:rPr lang="en-US" altLang="ko-KR" dirty="0"/>
+              <a:t>. </a:t>
+            </a:r>
+            <a:r>
+              <a:rPr lang="ko-KR" altLang="en-US" dirty="0"/>
+              <a:t>저장공간도 무료로 제공되고</a:t>
+            </a:r>
+            <a:r>
+              <a:rPr lang="en-US" altLang="ko-KR" dirty="0"/>
+              <a:t>, </a:t>
+            </a:r>
+            <a:r>
+              <a:rPr lang="ko-KR" altLang="en-US" dirty="0"/>
+              <a:t>도메인 연결로 편리하게 할 수 있어서 많은 분들이 선택하고 있다고 하는데</a:t>
+            </a:r>
+            <a:r>
+              <a:rPr lang="en-US" altLang="ko-KR" dirty="0"/>
+              <a:t>,</a:t>
+            </a:r>
+          </a:p>
+          <a:p>
+            <a:pPr marL="0" lvl="0" indent="0" algn="l" rtl="0">
+              <a:spcBef>
+                <a:spcPts val="0"/>
+              </a:spcBef>
+              <a:spcAft>
+                <a:spcPts val="0"/>
+              </a:spcAft>
+              <a:buNone/>
+            </a:pPr>
+            <a:r>
+              <a:rPr lang="ko-KR" altLang="en-US" dirty="0"/>
+              <a:t>페이지 제작 프로그램은 </a:t>
+            </a:r>
+            <a:r>
+              <a:rPr lang="en-US" altLang="ko-KR" dirty="0" err="1"/>
+              <a:t>jekyll</a:t>
+            </a:r>
+            <a:r>
+              <a:rPr lang="ko-KR" altLang="en-US" dirty="0"/>
+              <a:t>를 많이 사용하시길래</a:t>
+            </a:r>
+            <a:r>
+              <a:rPr lang="en-US" altLang="ko-KR" dirty="0"/>
+              <a:t>, </a:t>
+            </a:r>
+            <a:r>
+              <a:rPr lang="ko-KR" altLang="en-US" dirty="0" err="1"/>
+              <a:t>지킬을</a:t>
+            </a:r>
+            <a:r>
+              <a:rPr lang="ko-KR" altLang="en-US" dirty="0"/>
+              <a:t> 이용해서 만들어보려고 했습니다</a:t>
+            </a:r>
+            <a:r>
+              <a:rPr lang="en-US" altLang="ko-KR" dirty="0"/>
+              <a:t>.</a:t>
+            </a:r>
+            <a:endParaRPr dirty="0"/>
+          </a:p>
+        </p:txBody>
+      </p:sp>
+    </p:spTree>
+    <p:extLst>
+      <p:ext uri="{BB962C8B-B14F-4D97-AF65-F5344CB8AC3E}">
+        <p14:creationId xmlns:p14="http://schemas.microsoft.com/office/powerpoint/2010/main" val="1426137024"/>
+      </p:ext>
+    </p:extLst>
+  </p:cSld>
+  <p:clrMapOvr>
+    <a:masterClrMapping/>
+  </p:clrMapOvr>
+</p:notes>
+</file>
+
+<file path=ppt/notesSlides/notesSlide24.xml><?xml version="1.0" encoding="utf-8"?>
+<p:notes xmlns:a="http://schemas.openxmlformats.org/drawingml/2006/main" xmlns:r="http://schemas.openxmlformats.org/officeDocument/2006/relationships" xmlns:p="http://schemas.openxmlformats.org/presentationml/2006/main" showMasterSp="0" showMasterPhAnim="0">
+  <p:cSld>
+    <p:spTree>
+      <p:nvGrpSpPr>
+        <p:cNvPr id="1" name="Shape 140"/>
+        <p:cNvGrpSpPr/>
+        <p:nvPr/>
+      </p:nvGrpSpPr>
+      <p:grpSpPr>
+        <a:xfrm>
+          <a:off x="0" y="0"/>
+          <a:ext cx="0" cy="0"/>
+          <a:chOff x="0" y="0"/>
+          <a:chExt cx="0" cy="0"/>
+        </a:xfrm>
+      </p:grpSpPr>
+      <p:sp>
+        <p:nvSpPr>
+          <p:cNvPr id="141" name="Google Shape;141;g35f391192_017:notes"/>
+          <p:cNvSpPr>
+            <a:spLocks noGrp="1" noRot="1" noChangeAspect="1"/>
+          </p:cNvSpPr>
+          <p:nvPr>
+            <p:ph type="sldImg" idx="2"/>
+          </p:nvPr>
+        </p:nvSpPr>
+        <p:spPr>
+          <a:xfrm>
+            <a:off x="381000" y="685800"/>
+            <a:ext cx="6096000" cy="3429000"/>
+          </a:xfrm>
+          <a:custGeom>
+            <a:avLst/>
+            <a:gdLst/>
+            <a:ahLst/>
+            <a:cxnLst/>
+            <a:rect l="l" t="t" r="r" b="b"/>
+            <a:pathLst>
+              <a:path w="120000" h="120000" extrusionOk="0">
+                <a:moveTo>
+                  <a:pt x="0" y="0"/>
+                </a:moveTo>
+                <a:lnTo>
+                  <a:pt x="120000" y="0"/>
+                </a:lnTo>
+                <a:lnTo>
+                  <a:pt x="120000" y="120000"/>
+                </a:lnTo>
+                <a:lnTo>
+                  <a:pt x="0" y="120000"/>
+                </a:lnTo>
+                <a:close/>
+              </a:path>
+            </a:pathLst>
+          </a:custGeom>
+        </p:spPr>
+      </p:sp>
+      <p:sp>
+        <p:nvSpPr>
+          <p:cNvPr id="142" name="Google Shape;142;g35f391192_017:notes"/>
+          <p:cNvSpPr txBox="1">
+            <a:spLocks noGrp="1"/>
+          </p:cNvSpPr>
+          <p:nvPr>
+            <p:ph type="body" idx="1"/>
+          </p:nvPr>
+        </p:nvSpPr>
+        <p:spPr>
+          <a:xfrm>
+            <a:off x="685800" y="4343400"/>
+            <a:ext cx="5486400" cy="4114800"/>
+          </a:xfrm>
+          <a:prstGeom prst="rect">
+            <a:avLst/>
+          </a:prstGeom>
+        </p:spPr>
+        <p:txBody>
+          <a:bodyPr spcFirstLastPara="1" wrap="square" lIns="91425" tIns="91425" rIns="91425" bIns="91425" anchor="t" anchorCtr="0">
+            <a:noAutofit/>
+          </a:bodyPr>
+          <a:lstStyle/>
+          <a:p>
+            <a:pPr marL="0" lvl="0" indent="0" algn="l" rtl="0">
+              <a:spcBef>
+                <a:spcPts val="0"/>
+              </a:spcBef>
+              <a:spcAft>
+                <a:spcPts val="0"/>
+              </a:spcAft>
+              <a:buNone/>
+            </a:pPr>
+            <a:r>
+              <a:rPr lang="ko-KR" altLang="en-US" dirty="0"/>
+              <a:t>우선 과정은 </a:t>
+            </a:r>
+            <a:r>
+              <a:rPr lang="ko-KR" altLang="en-US" dirty="0" err="1"/>
+              <a:t>레파지토리를</a:t>
+            </a:r>
+            <a:r>
+              <a:rPr lang="ko-KR" altLang="en-US" dirty="0"/>
+              <a:t> 생성하면서부터 시작됩니다</a:t>
+            </a:r>
+            <a:r>
+              <a:rPr lang="en-US" altLang="ko-KR" dirty="0"/>
+              <a:t>.</a:t>
+            </a:r>
+          </a:p>
+          <a:p>
+            <a:pPr marL="0" lvl="0" indent="0" algn="l" rtl="0">
+              <a:spcBef>
+                <a:spcPts val="0"/>
+              </a:spcBef>
+              <a:spcAft>
+                <a:spcPts val="0"/>
+              </a:spcAft>
+              <a:buNone/>
+            </a:pPr>
+            <a:r>
+              <a:rPr lang="ko-KR" altLang="en-US" dirty="0" err="1"/>
+              <a:t>레파지토리를</a:t>
+            </a:r>
+            <a:r>
+              <a:rPr lang="ko-KR" altLang="en-US" dirty="0"/>
+              <a:t> 명을 </a:t>
+            </a:r>
+            <a:r>
+              <a:rPr lang="ko-KR" altLang="en-US" dirty="0" err="1"/>
+              <a:t>본인아이디</a:t>
+            </a:r>
+            <a:r>
+              <a:rPr lang="en-US" altLang="ko-KR" dirty="0"/>
+              <a:t>.github.io </a:t>
+            </a:r>
+            <a:r>
+              <a:rPr lang="ko-KR" altLang="en-US" dirty="0"/>
+              <a:t>로 설정을 해주고</a:t>
+            </a:r>
+            <a:r>
+              <a:rPr lang="en-US" altLang="ko-KR" dirty="0"/>
+              <a:t>,</a:t>
+            </a:r>
+            <a:endParaRPr dirty="0"/>
+          </a:p>
+        </p:txBody>
+      </p:sp>
+    </p:spTree>
+  </p:cSld>
+  <p:clrMapOvr>
+    <a:masterClrMapping/>
+  </p:clrMapOvr>
+</p:notes>
+</file>
+
+<file path=ppt/notesSlides/notesSlide25.xml><?xml version="1.0" encoding="utf-8"?>
+<p:notes xmlns:a="http://schemas.openxmlformats.org/drawingml/2006/main" xmlns:r="http://schemas.openxmlformats.org/officeDocument/2006/relationships" xmlns:p="http://schemas.openxmlformats.org/presentationml/2006/main" showMasterSp="0" showMasterPhAnim="0">
+  <p:cSld>
+    <p:spTree>
+      <p:nvGrpSpPr>
+        <p:cNvPr id="1" name="Shape 140"/>
+        <p:cNvGrpSpPr/>
+        <p:nvPr/>
+      </p:nvGrpSpPr>
+      <p:grpSpPr>
+        <a:xfrm>
+          <a:off x="0" y="0"/>
+          <a:ext cx="0" cy="0"/>
+          <a:chOff x="0" y="0"/>
+          <a:chExt cx="0" cy="0"/>
+        </a:xfrm>
+      </p:grpSpPr>
+      <p:sp>
+        <p:nvSpPr>
+          <p:cNvPr id="141" name="Google Shape;141;g35f391192_017:notes"/>
+          <p:cNvSpPr>
+            <a:spLocks noGrp="1" noRot="1" noChangeAspect="1"/>
+          </p:cNvSpPr>
+          <p:nvPr>
+            <p:ph type="sldImg" idx="2"/>
+          </p:nvPr>
+        </p:nvSpPr>
+        <p:spPr>
+          <a:xfrm>
+            <a:off x="381000" y="685800"/>
+            <a:ext cx="6096000" cy="3429000"/>
+          </a:xfrm>
+          <a:custGeom>
+            <a:avLst/>
+            <a:gdLst/>
+            <a:ahLst/>
+            <a:cxnLst/>
+            <a:rect l="l" t="t" r="r" b="b"/>
+            <a:pathLst>
+              <a:path w="120000" h="120000" extrusionOk="0">
+                <a:moveTo>
+                  <a:pt x="0" y="0"/>
+                </a:moveTo>
+                <a:lnTo>
+                  <a:pt x="120000" y="0"/>
+                </a:lnTo>
+                <a:lnTo>
+                  <a:pt x="120000" y="120000"/>
+                </a:lnTo>
+                <a:lnTo>
+                  <a:pt x="0" y="120000"/>
+                </a:lnTo>
+                <a:close/>
+              </a:path>
+            </a:pathLst>
+          </a:custGeom>
+        </p:spPr>
+      </p:sp>
+      <p:sp>
+        <p:nvSpPr>
+          <p:cNvPr id="142" name="Google Shape;142;g35f391192_017:notes"/>
+          <p:cNvSpPr txBox="1">
+            <a:spLocks noGrp="1"/>
+          </p:cNvSpPr>
+          <p:nvPr>
+            <p:ph type="body" idx="1"/>
+          </p:nvPr>
+        </p:nvSpPr>
+        <p:spPr>
+          <a:xfrm>
+            <a:off x="685800" y="4343400"/>
+            <a:ext cx="5486400" cy="4114800"/>
+          </a:xfrm>
+          <a:prstGeom prst="rect">
+            <a:avLst/>
+          </a:prstGeom>
+        </p:spPr>
+        <p:txBody>
+          <a:bodyPr spcFirstLastPara="1" wrap="square" lIns="91425" tIns="91425" rIns="91425" bIns="91425" anchor="t" anchorCtr="0">
+            <a:noAutofit/>
+          </a:bodyPr>
+          <a:lstStyle/>
+          <a:p>
+            <a:pPr marL="0" lvl="0" indent="0" algn="l" rtl="0">
+              <a:spcBef>
+                <a:spcPts val="0"/>
+              </a:spcBef>
+              <a:spcAft>
+                <a:spcPts val="0"/>
+              </a:spcAft>
+              <a:buNone/>
+            </a:pPr>
+            <a:r>
+              <a:rPr lang="ko-KR" altLang="en-US" dirty="0" err="1"/>
+              <a:t>레파지토리</a:t>
+            </a:r>
+            <a:r>
+              <a:rPr lang="ko-KR" altLang="en-US" dirty="0"/>
+              <a:t> 주소를 </a:t>
+            </a:r>
+            <a:r>
+              <a:rPr lang="en-US" altLang="ko-KR" dirty="0"/>
+              <a:t>clone</a:t>
+            </a:r>
+            <a:r>
+              <a:rPr lang="ko-KR" altLang="en-US" dirty="0"/>
+              <a:t>을 해주면 폴더에는 현재 </a:t>
+            </a:r>
+            <a:r>
+              <a:rPr lang="en-US" altLang="ko-KR" dirty="0"/>
+              <a:t>readme</a:t>
+            </a:r>
+            <a:r>
+              <a:rPr lang="ko-KR" altLang="en-US" dirty="0"/>
+              <a:t>하나가 존재하는 것을 알 수 있습니다</a:t>
+            </a:r>
+            <a:r>
+              <a:rPr lang="en-US" altLang="ko-KR" dirty="0"/>
+              <a:t>.</a:t>
+            </a:r>
+          </a:p>
+          <a:p>
+            <a:pPr marL="0" lvl="0" indent="0" algn="l" rtl="0">
+              <a:spcBef>
+                <a:spcPts val="0"/>
+              </a:spcBef>
+              <a:spcAft>
+                <a:spcPts val="0"/>
+              </a:spcAft>
+              <a:buNone/>
+            </a:pPr>
+            <a:endParaRPr dirty="0"/>
+          </a:p>
+        </p:txBody>
+      </p:sp>
+    </p:spTree>
+    <p:extLst>
+      <p:ext uri="{BB962C8B-B14F-4D97-AF65-F5344CB8AC3E}">
+        <p14:creationId xmlns:p14="http://schemas.microsoft.com/office/powerpoint/2010/main" val="3145790448"/>
+      </p:ext>
+    </p:extLst>
+  </p:cSld>
+  <p:clrMapOvr>
+    <a:masterClrMapping/>
+  </p:clrMapOvr>
+</p:notes>
+</file>
+
+<file path=ppt/notesSlides/notesSlide26.xml><?xml version="1.0" encoding="utf-8"?>
+<p:notes xmlns:a="http://schemas.openxmlformats.org/drawingml/2006/main" xmlns:r="http://schemas.openxmlformats.org/officeDocument/2006/relationships" xmlns:p="http://schemas.openxmlformats.org/presentationml/2006/main" showMasterSp="0" showMasterPhAnim="0">
+  <p:cSld>
+    <p:spTree>
+      <p:nvGrpSpPr>
+        <p:cNvPr id="1" name="Shape 140"/>
+        <p:cNvGrpSpPr/>
+        <p:nvPr/>
+      </p:nvGrpSpPr>
+      <p:grpSpPr>
+        <a:xfrm>
+          <a:off x="0" y="0"/>
+          <a:ext cx="0" cy="0"/>
+          <a:chOff x="0" y="0"/>
+          <a:chExt cx="0" cy="0"/>
+        </a:xfrm>
+      </p:grpSpPr>
+      <p:sp>
+        <p:nvSpPr>
+          <p:cNvPr id="141" name="Google Shape;141;g35f391192_017:notes"/>
+          <p:cNvSpPr>
+            <a:spLocks noGrp="1" noRot="1" noChangeAspect="1"/>
+          </p:cNvSpPr>
+          <p:nvPr>
+            <p:ph type="sldImg" idx="2"/>
+          </p:nvPr>
+        </p:nvSpPr>
+        <p:spPr>
+          <a:xfrm>
+            <a:off x="381000" y="685800"/>
+            <a:ext cx="6096000" cy="3429000"/>
+          </a:xfrm>
+          <a:custGeom>
+            <a:avLst/>
+            <a:gdLst/>
+            <a:ahLst/>
+            <a:cxnLst/>
+            <a:rect l="l" t="t" r="r" b="b"/>
+            <a:pathLst>
+              <a:path w="120000" h="120000" extrusionOk="0">
+                <a:moveTo>
+                  <a:pt x="0" y="0"/>
+                </a:moveTo>
+                <a:lnTo>
+                  <a:pt x="120000" y="0"/>
+                </a:lnTo>
+                <a:lnTo>
+                  <a:pt x="120000" y="120000"/>
+                </a:lnTo>
+                <a:lnTo>
+                  <a:pt x="0" y="120000"/>
+                </a:lnTo>
+                <a:close/>
+              </a:path>
+            </a:pathLst>
+          </a:custGeom>
+        </p:spPr>
+      </p:sp>
+      <p:sp>
+        <p:nvSpPr>
+          <p:cNvPr id="142" name="Google Shape;142;g35f391192_017:notes"/>
+          <p:cNvSpPr txBox="1">
+            <a:spLocks noGrp="1"/>
+          </p:cNvSpPr>
+          <p:nvPr>
+            <p:ph type="body" idx="1"/>
+          </p:nvPr>
+        </p:nvSpPr>
+        <p:spPr>
+          <a:xfrm>
+            <a:off x="685800" y="4343400"/>
+            <a:ext cx="5486400" cy="4114800"/>
+          </a:xfrm>
+          <a:prstGeom prst="rect">
+            <a:avLst/>
+          </a:prstGeom>
+        </p:spPr>
+        <p:txBody>
+          <a:bodyPr spcFirstLastPara="1" wrap="square" lIns="91425" tIns="91425" rIns="91425" bIns="91425" anchor="t" anchorCtr="0">
+            <a:noAutofit/>
+          </a:bodyPr>
+          <a:lstStyle/>
+          <a:p>
+            <a:pPr marL="0" lvl="0" indent="0" algn="l" rtl="0">
+              <a:spcBef>
+                <a:spcPts val="0"/>
+              </a:spcBef>
+              <a:spcAft>
+                <a:spcPts val="0"/>
+              </a:spcAft>
+              <a:buNone/>
+            </a:pPr>
+            <a:r>
+              <a:rPr lang="en-US" dirty="0"/>
+              <a:t>Clone</a:t>
+            </a:r>
+            <a:r>
+              <a:rPr lang="ko-KR" altLang="en-US" dirty="0"/>
+              <a:t>을 한 폴더로 이동을 해서 </a:t>
+            </a:r>
+            <a:r>
+              <a:rPr lang="en-US" altLang="ko-KR" dirty="0" err="1"/>
+              <a:t>index,html</a:t>
+            </a:r>
+            <a:r>
+              <a:rPr lang="en-US" altLang="ko-KR" dirty="0"/>
+              <a:t> </a:t>
+            </a:r>
+            <a:r>
+              <a:rPr lang="ko-KR" altLang="en-US" dirty="0"/>
+              <a:t>파일을 하나 만들어줍니다</a:t>
+            </a:r>
+            <a:r>
+              <a:rPr lang="en-US" altLang="ko-KR" dirty="0"/>
+              <a:t>.</a:t>
+            </a:r>
+          </a:p>
+          <a:p>
+            <a:pPr marL="0" lvl="0" indent="0" algn="l" rtl="0">
+              <a:spcBef>
+                <a:spcPts val="0"/>
+              </a:spcBef>
+              <a:spcAft>
+                <a:spcPts val="0"/>
+              </a:spcAft>
+              <a:buNone/>
+            </a:pPr>
+            <a:endParaRPr lang="en-US" altLang="ko-KR" dirty="0"/>
+          </a:p>
+          <a:p>
+            <a:pPr marL="0" lvl="0" indent="0" algn="l" rtl="0">
+              <a:spcBef>
+                <a:spcPts val="0"/>
+              </a:spcBef>
+              <a:spcAft>
+                <a:spcPts val="0"/>
+              </a:spcAft>
+              <a:buNone/>
+            </a:pPr>
+            <a:r>
+              <a:rPr lang="en-US" dirty="0"/>
+              <a:t>Git status </a:t>
+            </a:r>
+            <a:r>
+              <a:rPr lang="ko-KR" altLang="en-US" dirty="0" err="1"/>
+              <a:t>명령어으로</a:t>
+            </a:r>
+            <a:r>
+              <a:rPr lang="ko-KR" altLang="en-US" dirty="0"/>
+              <a:t> 상태를 확인하면 아직 </a:t>
+            </a:r>
+            <a:r>
+              <a:rPr lang="en-US" altLang="ko-KR" dirty="0"/>
+              <a:t>index.html</a:t>
+            </a:r>
+            <a:r>
+              <a:rPr lang="ko-KR" altLang="en-US" dirty="0"/>
+              <a:t>은 </a:t>
+            </a:r>
+            <a:r>
+              <a:rPr lang="ko-KR" altLang="en-US" dirty="0" err="1"/>
+              <a:t>작업트리에</a:t>
+            </a:r>
+            <a:r>
+              <a:rPr lang="ko-KR" altLang="en-US" dirty="0"/>
+              <a:t> 존재함을 볼 수 있습니다</a:t>
+            </a:r>
+            <a:r>
+              <a:rPr lang="en-US" altLang="ko-KR" dirty="0"/>
+              <a:t>.</a:t>
+            </a:r>
+          </a:p>
+          <a:p>
+            <a:pPr marL="0" lvl="0" indent="0" algn="l" rtl="0">
+              <a:spcBef>
+                <a:spcPts val="0"/>
+              </a:spcBef>
+              <a:spcAft>
+                <a:spcPts val="0"/>
+              </a:spcAft>
+              <a:buNone/>
+            </a:pPr>
+            <a:r>
+              <a:rPr lang="en-US" dirty="0"/>
+              <a:t>Git add </a:t>
+            </a:r>
+            <a:r>
+              <a:rPr lang="ko-KR" altLang="en-US" dirty="0"/>
+              <a:t>명령으로 </a:t>
+            </a:r>
+            <a:r>
+              <a:rPr lang="ko-KR" altLang="en-US" dirty="0" err="1"/>
+              <a:t>스테이징</a:t>
+            </a:r>
+            <a:r>
+              <a:rPr lang="ko-KR" altLang="en-US" dirty="0"/>
+              <a:t> 해주고 </a:t>
+            </a:r>
+            <a:r>
+              <a:rPr lang="en-US" altLang="ko-KR" dirty="0"/>
+              <a:t>git commit </a:t>
+            </a:r>
+            <a:r>
+              <a:rPr lang="ko-KR" altLang="en-US" dirty="0"/>
+              <a:t>명령어로 파일을 저장소로 옮겨주게 됩니다</a:t>
+            </a:r>
+            <a:r>
+              <a:rPr lang="en-US" altLang="ko-KR" dirty="0"/>
+              <a:t>.</a:t>
+            </a:r>
+          </a:p>
+          <a:p>
+            <a:pPr marL="0" lvl="0" indent="0" algn="l" rtl="0">
+              <a:spcBef>
+                <a:spcPts val="0"/>
+              </a:spcBef>
+              <a:spcAft>
+                <a:spcPts val="0"/>
+              </a:spcAft>
+              <a:buNone/>
+            </a:pPr>
+            <a:r>
+              <a:rPr lang="en-US" dirty="0"/>
+              <a:t>Git push </a:t>
+            </a:r>
+            <a:r>
+              <a:rPr lang="ko-KR" altLang="en-US" dirty="0"/>
+              <a:t>명령으로 지역 저장소에서 원격 저장소로 보내주면</a:t>
+            </a:r>
+            <a:endParaRPr lang="en-US" altLang="ko-KR" dirty="0"/>
+          </a:p>
+          <a:p>
+            <a:pPr marL="0" lvl="0" indent="0" algn="l" rtl="0">
+              <a:spcBef>
+                <a:spcPts val="0"/>
+              </a:spcBef>
+              <a:spcAft>
+                <a:spcPts val="0"/>
+              </a:spcAft>
+              <a:buNone/>
+            </a:pPr>
+            <a:endParaRPr lang="en-US" dirty="0"/>
+          </a:p>
+          <a:p>
+            <a:pPr marL="0" lvl="0" indent="0" algn="l" rtl="0">
+              <a:spcBef>
+                <a:spcPts val="0"/>
+              </a:spcBef>
+              <a:spcAft>
+                <a:spcPts val="0"/>
+              </a:spcAft>
+              <a:buNone/>
+            </a:pPr>
+            <a:r>
+              <a:rPr lang="en-US" dirty="0"/>
+              <a:t>Index.html </a:t>
+            </a:r>
+            <a:r>
+              <a:rPr lang="ko-KR" altLang="en-US" dirty="0"/>
+              <a:t>까지 잘 </a:t>
+            </a:r>
+            <a:r>
+              <a:rPr lang="en-US" altLang="ko-KR" dirty="0"/>
+              <a:t>push </a:t>
+            </a:r>
+            <a:r>
+              <a:rPr lang="ko-KR" altLang="en-US" dirty="0"/>
+              <a:t>되었고</a:t>
+            </a:r>
+            <a:r>
+              <a:rPr lang="en-US" altLang="ko-KR" dirty="0"/>
+              <a:t>,  </a:t>
+            </a:r>
+            <a:r>
+              <a:rPr lang="ko-KR" altLang="en-US" dirty="0"/>
+              <a:t>브라우저 주소창에 </a:t>
+            </a:r>
+            <a:r>
+              <a:rPr lang="en-US" altLang="ko-KR" dirty="0"/>
+              <a:t>sh0204.github.io</a:t>
+            </a:r>
+            <a:r>
+              <a:rPr lang="ko-KR" altLang="en-US" dirty="0"/>
+              <a:t>를 입력해주면 다음과 같은 결과가 나옴을 알 수 있습니다</a:t>
+            </a:r>
+            <a:r>
+              <a:rPr lang="en-US" altLang="ko-KR" dirty="0"/>
+              <a:t>.</a:t>
+            </a:r>
+          </a:p>
+          <a:p>
+            <a:pPr marL="0" lvl="0" indent="0" algn="l" rtl="0">
+              <a:spcBef>
+                <a:spcPts val="0"/>
+              </a:spcBef>
+              <a:spcAft>
+                <a:spcPts val="0"/>
+              </a:spcAft>
+              <a:buNone/>
+            </a:pPr>
+            <a:endParaRPr dirty="0"/>
+          </a:p>
+        </p:txBody>
+      </p:sp>
+    </p:spTree>
+    <p:extLst>
+      <p:ext uri="{BB962C8B-B14F-4D97-AF65-F5344CB8AC3E}">
+        <p14:creationId xmlns:p14="http://schemas.microsoft.com/office/powerpoint/2010/main" val="1829789387"/>
+      </p:ext>
+    </p:extLst>
+  </p:cSld>
+  <p:clrMapOvr>
+    <a:masterClrMapping/>
+  </p:clrMapOvr>
+</p:notes>
+</file>
+
+<file path=ppt/notesSlides/notesSlide27.xml><?xml version="1.0" encoding="utf-8"?>
 <p:notes xmlns:a="http://schemas.openxmlformats.org/drawingml/2006/main" xmlns:r="http://schemas.openxmlformats.org/officeDocument/2006/relationships" xmlns:p="http://schemas.openxmlformats.org/presentationml/2006/main" showMasterSp="0" showMasterPhAnim="0">
   <p:cSld>
     <p:spTree>
@@ -6531,64 +8390,24 @@
               <a:t>install </a:t>
             </a:r>
             <a:r>
-              <a:rPr lang="ko-KR" altLang="en-US" b="0" i="0" dirty="0" err="1">
+              <a:rPr lang="ko-KR" altLang="en-US" b="0" i="0" dirty="0">
                 <a:solidFill>
                   <a:srgbClr val="5E5E5E"/>
                 </a:solidFill>
                 <a:effectLst/>
                 <a:latin typeface="Roboto Condensed" panose="020B0604020202020204" pitchFamily="2" charset="0"/>
               </a:rPr>
-              <a:t>한다으메</a:t>
-            </a:r>
-            <a:r>
-              <a:rPr lang="en-US" altLang="ko-KR" b="0" i="0" dirty="0">
-                <a:solidFill>
-                  <a:srgbClr val="5E5E5E"/>
-                </a:solidFill>
-                <a:effectLst/>
-                <a:latin typeface="Roboto Condensed" panose="020B0604020202020204" pitchFamily="2" charset="0"/>
-              </a:rPr>
-              <a:t>,</a:t>
+              <a:t>한 다음에 </a:t>
             </a:r>
             <a:r>
               <a:rPr lang="ko-KR" altLang="en-US" b="0" i="0" dirty="0">
                 <a:solidFill>
-                  <a:srgbClr val="5E5E5E"/>
-                </a:solidFill>
-                <a:effectLst/>
-                <a:latin typeface="Roboto Condensed" panose="020B0604020202020204" pitchFamily="2" charset="0"/>
-              </a:rPr>
-              <a:t> 로컬 서버에 띄우게 되면 </a:t>
-            </a:r>
-            <a:r>
-              <a:rPr lang="en-US" altLang="ko-KR" b="1" i="0" dirty="0">
-                <a:solidFill>
                   <a:srgbClr val="000000"/>
                 </a:solidFill>
                 <a:effectLst/>
                 <a:latin typeface="Nanum Gothic"/>
               </a:rPr>
-              <a:t>http://127.0.0.1:4000/</a:t>
-            </a:r>
-            <a:r>
-              <a:rPr lang="en-US" altLang="ko-KR" b="0" i="0" dirty="0">
-                <a:solidFill>
-                  <a:srgbClr val="000000"/>
-                </a:solidFill>
-                <a:effectLst/>
-                <a:latin typeface="Nanum Gothic"/>
-              </a:rPr>
-              <a:t> </a:t>
-            </a:r>
-            <a:r>
-              <a:rPr lang="ko-KR" altLang="en-US" b="0" i="0" dirty="0">
-                <a:solidFill>
-                  <a:srgbClr val="000000"/>
-                </a:solidFill>
-                <a:effectLst/>
-                <a:latin typeface="Nanum Gothic"/>
-              </a:rPr>
-              <a:t>의 주소를 가지게 되고 브라우저 창에 치면 위와 같은 화면이 나오게 됩니다</a:t>
+              <a:t>브라우저 창에 치면 위와 같은 화면이 나오게 됩니다</a:t>
             </a:r>
             <a:r>
               <a:rPr lang="en-US" altLang="ko-KR" b="0" i="0" dirty="0">
@@ -6614,27 +8433,7 @@
                 <a:effectLst/>
                 <a:latin typeface="Nanum Gothic"/>
               </a:rPr>
-              <a:t>원격에 </a:t>
-            </a:r>
-            <a:r>
-              <a:rPr lang="en-US" altLang="ko-KR" b="0" i="0" dirty="0">
-                <a:solidFill>
-                  <a:srgbClr val="000000"/>
-                </a:solidFill>
-                <a:effectLst/>
-                <a:latin typeface="Nanum Gothic"/>
-              </a:rPr>
-              <a:t>push</a:t>
-            </a:r>
-            <a:r>
-              <a:rPr lang="ko-KR" altLang="en-US" b="0" i="0" dirty="0">
-                <a:solidFill>
-                  <a:srgbClr val="000000"/>
-                </a:solidFill>
-                <a:effectLst/>
-                <a:latin typeface="Nanum Gothic"/>
-              </a:rPr>
-              <a:t>를 해주면 주소창에 저의 깃 블로그 주소가 나오게 됩니다</a:t>
+              <a:t>주소창에 저의 깃 블로그 주소가 나오게 됩니다</a:t>
             </a:r>
             <a:r>
               <a:rPr lang="en-US" altLang="ko-KR" b="0" i="0" dirty="0">
@@ -6731,7 +8530,7 @@
 </p:notes>
 </file>
 
-<file path=ppt/notesSlides/notesSlide21.xml><?xml version="1.0" encoding="utf-8"?>
+<file path=ppt/notesSlides/notesSlide28.xml><?xml version="1.0" encoding="utf-8"?>
 <p:notes xmlns:a="http://schemas.openxmlformats.org/drawingml/2006/main" xmlns:r="http://schemas.openxmlformats.org/officeDocument/2006/relationships" xmlns:p="http://schemas.openxmlformats.org/presentationml/2006/main" showMasterSp="0" showMasterPhAnim="0">
   <p:cSld>
     <p:spTree>
@@ -7013,7 +8812,7 @@
 </p:notes>
 </file>
 
-<file path=ppt/notesSlides/notesSlide22.xml><?xml version="1.0" encoding="utf-8"?>
+<file path=ppt/notesSlides/notesSlide29.xml><?xml version="1.0" encoding="utf-8"?>
 <p:notes xmlns:a="http://schemas.openxmlformats.org/drawingml/2006/main" xmlns:r="http://schemas.openxmlformats.org/officeDocument/2006/relationships" xmlns:p="http://schemas.openxmlformats.org/presentationml/2006/main" showMasterSp="0" showMasterPhAnim="0">
   <p:cSld>
     <p:spTree>
@@ -7107,7 +8906,7 @@
             </a:pPr>
             <a:r>
               <a:rPr lang="ko-KR" altLang="en-US" dirty="0"/>
-              <a:t>다음 스터디에 더 공부를 해서 백업하고 협업하는 과정도 공부하고</a:t>
+              <a:t>협업하는 과정까지 공부를 더 해볼 예정이고</a:t>
             </a:r>
             <a:r>
               <a:rPr lang="en-US" altLang="ko-KR" dirty="0"/>
@@ -7115,15 +8914,11 @@
             </a:r>
             <a:r>
               <a:rPr lang="ko-KR" altLang="en-US" dirty="0"/>
-              <a:t>페이지 만드는 것도 좀 해서 발표를 할 </a:t>
-            </a:r>
-            <a:r>
-              <a:rPr lang="ko-KR" altLang="en-US" dirty="0" err="1"/>
-              <a:t>예정이였는데</a:t>
+              <a:t>페이지 만드는 것도 공부를 해서 완성을 시켜보고 싶습니다</a:t>
             </a:r>
             <a:r>
               <a:rPr lang="en-US" altLang="ko-KR" dirty="0"/>
-              <a:t>..</a:t>
+              <a:t>.</a:t>
             </a:r>
           </a:p>
           <a:p>
@@ -7136,82 +8931,6 @@
               </a:spcAft>
               <a:buNone/>
             </a:pPr>
-            <a:r>
-              <a:rPr lang="ko-KR" altLang="en-US" dirty="0"/>
-              <a:t>개강을 해서 과제가 나왔는데</a:t>
-            </a:r>
-            <a:r>
-              <a:rPr lang="en-US" altLang="ko-KR"/>
-              <a:t>, </a:t>
-            </a:r>
-            <a:r>
-              <a:rPr lang="ko-KR" altLang="en-US"/>
-              <a:t>다음주까지 </a:t>
-            </a:r>
-            <a:r>
-              <a:rPr lang="ko-KR" altLang="en-US" dirty="0"/>
-              <a:t>회원관리 웹 애플리케이션을 제작을 </a:t>
-            </a:r>
-            <a:r>
-              <a:rPr lang="ko-KR" altLang="en-US" dirty="0" err="1"/>
-              <a:t>해야하는</a:t>
-            </a:r>
-            <a:r>
-              <a:rPr lang="ko-KR" altLang="en-US" dirty="0"/>
-              <a:t> 관계로</a:t>
-            </a:r>
-            <a:endParaRPr lang="en-US" altLang="ko-KR" dirty="0"/>
-          </a:p>
-          <a:p>
-            <a:pPr marL="0" lvl="0" indent="0" algn="l" rtl="0">
-              <a:spcBef>
-                <a:spcPts val="0"/>
-              </a:spcBef>
-              <a:spcAft>
-                <a:spcPts val="0"/>
-              </a:spcAft>
-              <a:buNone/>
-            </a:pPr>
-            <a:r>
-              <a:rPr lang="en-US" dirty="0" err="1"/>
-              <a:t>Jsp</a:t>
-            </a:r>
-            <a:r>
-              <a:rPr lang="en-US" dirty="0"/>
-              <a:t> </a:t>
-            </a:r>
-            <a:r>
-              <a:rPr lang="ko-KR" altLang="en-US" dirty="0"/>
-              <a:t>공부를 좀 </a:t>
-            </a:r>
-            <a:r>
-              <a:rPr lang="ko-KR" altLang="en-US" dirty="0" err="1"/>
-              <a:t>해야할</a:t>
-            </a:r>
-            <a:r>
-              <a:rPr lang="ko-KR" altLang="en-US" dirty="0"/>
-              <a:t> 것 같아서</a:t>
-            </a:r>
-            <a:r>
-              <a:rPr lang="en-US" altLang="ko-KR" dirty="0"/>
-              <a:t>,, </a:t>
-            </a:r>
-            <a:r>
-              <a:rPr lang="ko-KR" altLang="en-US" dirty="0"/>
-              <a:t>계획을 수정해서 다음주에는 </a:t>
-            </a:r>
-            <a:r>
-              <a:rPr lang="en-US" altLang="ko-KR" dirty="0" err="1"/>
-              <a:t>jsp</a:t>
-            </a:r>
-            <a:r>
-              <a:rPr lang="ko-KR" altLang="en-US" dirty="0"/>
-              <a:t>에 대해서 공부를 해가지고 오겠습니다</a:t>
-            </a:r>
-            <a:r>
-              <a:rPr lang="en-US" altLang="ko-KR" dirty="0"/>
-              <a:t>…</a:t>
-            </a:r>
             <a:endParaRPr dirty="0"/>
           </a:p>
         </p:txBody>
@@ -7318,20 +9037,23 @@
             </a:pPr>
             <a:r>
               <a:rPr lang="ko-KR" altLang="en-US" dirty="0"/>
-              <a:t>깃에 대해서는 저번에 지아님도 발표를 </a:t>
-            </a:r>
-            <a:r>
-              <a:rPr lang="ko-KR" altLang="en-US" dirty="0" err="1"/>
-              <a:t>해주셔서</a:t>
-            </a:r>
-            <a:r>
-              <a:rPr lang="ko-KR" altLang="en-US" dirty="0"/>
-              <a:t> 너무 기본적인 내용은 빼려고 했습니다</a:t>
+              <a:t>처음은 깃에 대해서 간략하게 발표를 하겠습니다</a:t>
             </a:r>
             <a:r>
               <a:rPr lang="en-US" altLang="ko-KR" dirty="0"/>
               <a:t>.</a:t>
             </a:r>
+          </a:p>
+          <a:p>
+            <a:pPr marL="0" lvl="0" indent="0" algn="l" rtl="0">
+              <a:spcBef>
+                <a:spcPts val="0"/>
+              </a:spcBef>
+              <a:spcAft>
+                <a:spcPts val="0"/>
+              </a:spcAft>
+              <a:buNone/>
+            </a:pPr>
             <a:endParaRPr dirty="0"/>
           </a:p>
         </p:txBody>
@@ -7450,8 +9172,35 @@
             </a:r>
             <a:r>
               <a:rPr lang="en-US" altLang="ko-KR" dirty="0"/>
+              <a:t>. </a:t>
+            </a:r>
+            <a:r>
+              <a:rPr lang="ko-KR" altLang="en-US" dirty="0"/>
+              <a:t>오늘 제가 발표할 부분은 버전관리와 백업에 대해서 설명을 할 예정이고</a:t>
+            </a:r>
+            <a:r>
+              <a:rPr lang="en-US" altLang="ko-KR" dirty="0"/>
+              <a:t>, </a:t>
+            </a:r>
+            <a:r>
+              <a:rPr lang="ko-KR" altLang="en-US" dirty="0"/>
+              <a:t>협업 부분은 공부가 더 필요할 것 같아서 나중에 추가적으로 발표하려고 합니다</a:t>
+            </a:r>
+            <a:r>
+              <a:rPr lang="en-US" altLang="ko-KR" dirty="0"/>
               <a:t>.</a:t>
             </a:r>
+          </a:p>
+          <a:p>
+            <a:pPr marL="0" lvl="0" indent="0" algn="l" rtl="0">
+              <a:spcBef>
+                <a:spcPts val="0"/>
+              </a:spcBef>
+              <a:spcAft>
+                <a:spcPts val="0"/>
+              </a:spcAft>
+              <a:buNone/>
+            </a:pPr>
             <a:endParaRPr dirty="0"/>
           </a:p>
         </p:txBody>
@@ -7620,43 +9369,7 @@
             </a:pPr>
             <a:r>
               <a:rPr lang="ko-KR" altLang="en-US" dirty="0"/>
-              <a:t>마지막으로 예를 들어 팀원이 둘이 일을 하고 있을 때</a:t>
-            </a:r>
-            <a:r>
-              <a:rPr lang="en-US" altLang="ko-KR" dirty="0"/>
-              <a:t>, A</a:t>
-            </a:r>
-            <a:r>
-              <a:rPr lang="ko-KR" altLang="en-US" dirty="0"/>
-              <a:t>가 작업을 해서 저장소에 올리면 그 저장소에 있는 문서를 </a:t>
-            </a:r>
-            <a:r>
-              <a:rPr lang="en-US" altLang="ko-KR" dirty="0"/>
-              <a:t>B</a:t>
-            </a:r>
-            <a:r>
-              <a:rPr lang="ko-KR" altLang="en-US" dirty="0"/>
-              <a:t>가 </a:t>
-            </a:r>
-            <a:r>
-              <a:rPr lang="ko-KR" altLang="en-US" dirty="0" err="1"/>
-              <a:t>내려받아</a:t>
-            </a:r>
-            <a:r>
-              <a:rPr lang="ko-KR" altLang="en-US" dirty="0"/>
-              <a:t> 작업을 </a:t>
-            </a:r>
-            <a:r>
-              <a:rPr lang="ko-KR" altLang="en-US" dirty="0" err="1"/>
-              <a:t>할수있고</a:t>
-            </a:r>
-            <a:r>
-              <a:rPr lang="en-US" altLang="ko-KR" dirty="0"/>
-              <a:t>, </a:t>
-            </a:r>
-            <a:r>
-              <a:rPr lang="ko-KR" altLang="en-US" dirty="0"/>
-              <a:t>그것을 또 저장소에 올림에 따라 편하게 파일을 주고 받으며 일할 수 있고</a:t>
+              <a:t>팀원간 편하게 파일을 주고 받으며 일할 수 있고</a:t>
             </a:r>
             <a:r>
               <a:rPr lang="en-US" altLang="ko-KR" dirty="0"/>
@@ -15808,7 +17521,7 @@
         </p:nvSpPr>
         <p:spPr>
           <a:xfrm>
-            <a:off x="170688" y="0"/>
+            <a:off x="0" y="-95405"/>
             <a:ext cx="6462600" cy="857400"/>
           </a:xfrm>
           <a:prstGeom prst="rect">
@@ -16608,11 +18321,22 @@
               </a:spcAft>
               <a:buNone/>
             </a:pPr>
-            <a:r>
+            <a:br>
               <a:rPr lang="en" sz="7200" dirty="0">
                 <a:solidFill>
                   <a:schemeClr val="accent2"/>
                 </a:solidFill>
+                <a:latin typeface="마루 부리 Beta" panose="020B0600000101010101" pitchFamily="50" charset="-127"/>
+                <a:ea typeface="마루 부리 Beta" panose="020B0600000101010101" pitchFamily="50" charset="-127"/>
+              </a:rPr>
+            </a:br>
+            <a:r>
+              <a:rPr lang="en" sz="7200" dirty="0">
+                <a:solidFill>
+                  <a:schemeClr val="accent2"/>
+                </a:solidFill>
+                <a:latin typeface="마루 부리 Beta" panose="020B0600000101010101" pitchFamily="50" charset="-127"/>
+                <a:ea typeface="마루 부리 Beta" panose="020B0600000101010101" pitchFamily="50" charset="-127"/>
               </a:rPr>
               <a:t>3.</a:t>
             </a:r>
@@ -16620,6 +18344,8 @@
               <a:solidFill>
                 <a:schemeClr val="accent2"/>
               </a:solidFill>
+              <a:latin typeface="마루 부리 Beta" panose="020B0600000101010101" pitchFamily="50" charset="-127"/>
+              <a:ea typeface="마루 부리 Beta" panose="020B0600000101010101" pitchFamily="50" charset="-127"/>
             </a:endParaRPr>
           </a:p>
           <a:p>
@@ -16633,14 +18359,16 @@
               <a:buNone/>
             </a:pPr>
             <a:r>
-              <a:rPr lang="en-US" altLang="ko-KR" sz="4800" dirty="0"/>
-              <a:t>GitHub Pages</a:t>
-            </a:r>
-            <a:r>
-              <a:rPr lang="ko-KR" altLang="en-US" sz="4800" dirty="0" err="1"/>
-              <a:t>ㅠ</a:t>
-            </a:r>
-            <a:endParaRPr lang="en-US" altLang="ko-KR" sz="4800" dirty="0"/>
+              <a:rPr lang="en-US" altLang="ko-KR" dirty="0">
+                <a:latin typeface="마루 부리 Beta" panose="020B0600000101010101" pitchFamily="50" charset="-127"/>
+                <a:ea typeface="마루 부리 Beta" panose="020B0600000101010101" pitchFamily="50" charset="-127"/>
+              </a:rPr>
+              <a:t>Backup</a:t>
+            </a:r>
+            <a:endParaRPr lang="en-US" altLang="ko-KR" sz="4800" dirty="0">
+              <a:latin typeface="마루 부리 Beta" panose="020B0600000101010101" pitchFamily="50" charset="-127"/>
+              <a:ea typeface="마루 부리 Beta" panose="020B0600000101010101" pitchFamily="50" charset="-127"/>
+            </a:endParaRPr>
           </a:p>
         </p:txBody>
       </p:sp>
@@ -16689,6 +18417,2396 @@
     </p:spTree>
     <p:extLst>
       <p:ext uri="{BB962C8B-B14F-4D97-AF65-F5344CB8AC3E}">
+        <p14:creationId xmlns:p14="http://schemas.microsoft.com/office/powerpoint/2010/main" val="573660461"/>
+      </p:ext>
+    </p:extLst>
+  </p:cSld>
+  <p:clrMapOvr>
+    <a:masterClrMapping/>
+  </p:clrMapOvr>
+</p:sld>
+</file>
+
+<file path=ppt/slides/slide17.xml><?xml version="1.0" encoding="utf-8"?>
+<p:sld xmlns:a="http://schemas.openxmlformats.org/drawingml/2006/main" xmlns:r="http://schemas.openxmlformats.org/officeDocument/2006/relationships" xmlns:p="http://schemas.openxmlformats.org/presentationml/2006/main">
+  <p:cSld>
+    <p:spTree>
+      <p:nvGrpSpPr>
+        <p:cNvPr id="1" name="Shape 197"/>
+        <p:cNvGrpSpPr/>
+        <p:nvPr/>
+      </p:nvGrpSpPr>
+      <p:grpSpPr>
+        <a:xfrm>
+          <a:off x="0" y="0"/>
+          <a:ext cx="0" cy="0"/>
+          <a:chOff x="0" y="0"/>
+          <a:chExt cx="0" cy="0"/>
+        </a:xfrm>
+      </p:grpSpPr>
+      <p:sp>
+        <p:nvSpPr>
+          <p:cNvPr id="198" name="Google Shape;198;p24"/>
+          <p:cNvSpPr txBox="1">
+            <a:spLocks noGrp="1"/>
+          </p:cNvSpPr>
+          <p:nvPr>
+            <p:ph type="title"/>
+          </p:nvPr>
+        </p:nvSpPr>
+        <p:spPr>
+          <a:xfrm>
+            <a:off x="170688" y="0"/>
+            <a:ext cx="6462600" cy="857400"/>
+          </a:xfrm>
+          <a:prstGeom prst="rect">
+            <a:avLst/>
+          </a:prstGeom>
+        </p:spPr>
+        <p:txBody>
+          <a:bodyPr spcFirstLastPara="1" wrap="square" lIns="91425" tIns="91425" rIns="91425" bIns="91425" anchor="b" anchorCtr="0">
+            <a:noAutofit/>
+          </a:bodyPr>
+          <a:lstStyle/>
+          <a:p>
+            <a:pPr marL="0" lvl="0" indent="0" algn="l" rtl="0">
+              <a:spcBef>
+                <a:spcPts val="0"/>
+              </a:spcBef>
+              <a:spcAft>
+                <a:spcPts val="0"/>
+              </a:spcAft>
+              <a:buNone/>
+            </a:pPr>
+            <a:r>
+              <a:rPr lang="ko-KR" altLang="en-US" dirty="0">
+                <a:latin typeface="마루 부리 Beta" panose="020B0600000101010101" pitchFamily="50" charset="-127"/>
+                <a:ea typeface="마루 부리 Beta" panose="020B0600000101010101" pitchFamily="50" charset="-127"/>
+              </a:rPr>
+              <a:t>원격 저장소란</a:t>
+            </a:r>
+            <a:r>
+              <a:rPr lang="en-US" altLang="ko-KR" dirty="0">
+                <a:latin typeface="마루 부리 Beta" panose="020B0600000101010101" pitchFamily="50" charset="-127"/>
+                <a:ea typeface="마루 부리 Beta" panose="020B0600000101010101" pitchFamily="50" charset="-127"/>
+              </a:rPr>
+              <a:t>?</a:t>
+            </a:r>
+            <a:endParaRPr dirty="0">
+              <a:latin typeface="마루 부리 Beta" panose="020B0600000101010101" pitchFamily="50" charset="-127"/>
+              <a:ea typeface="마루 부리 Beta" panose="020B0600000101010101" pitchFamily="50" charset="-127"/>
+            </a:endParaRPr>
+          </a:p>
+        </p:txBody>
+      </p:sp>
+      <p:sp>
+        <p:nvSpPr>
+          <p:cNvPr id="200" name="Google Shape;200;p24"/>
+          <p:cNvSpPr txBox="1">
+            <a:spLocks noGrp="1"/>
+          </p:cNvSpPr>
+          <p:nvPr>
+            <p:ph type="sldNum" idx="12"/>
+          </p:nvPr>
+        </p:nvSpPr>
+        <p:spPr>
+          <a:xfrm>
+            <a:off x="8480575" y="4696933"/>
+            <a:ext cx="548700" cy="313500"/>
+          </a:xfrm>
+          <a:prstGeom prst="rect">
+            <a:avLst/>
+          </a:prstGeom>
+        </p:spPr>
+        <p:txBody>
+          <a:bodyPr spcFirstLastPara="1" wrap="square" lIns="91425" tIns="91425" rIns="91425" bIns="91425" anchor="t" anchorCtr="0">
+            <a:noAutofit/>
+          </a:bodyPr>
+          <a:lstStyle/>
+          <a:p>
+            <a:pPr marL="0" lvl="0" indent="0" algn="r" rtl="0">
+              <a:spcBef>
+                <a:spcPts val="0"/>
+              </a:spcBef>
+              <a:spcAft>
+                <a:spcPts val="0"/>
+              </a:spcAft>
+              <a:buNone/>
+            </a:pPr>
+            <a:fld id="{00000000-1234-1234-1234-123412341234}" type="slidenum">
+              <a:rPr lang="en"/>
+              <a:t>17</a:t>
+            </a:fld>
+            <a:endParaRPr/>
+          </a:p>
+        </p:txBody>
+      </p:sp>
+      <p:pic>
+        <p:nvPicPr>
+          <p:cNvPr id="1026" name="Picture 2">
+            <a:extLst>
+              <a:ext uri="{FF2B5EF4-FFF2-40B4-BE49-F238E27FC236}">
+                <a16:creationId xmlns:a16="http://schemas.microsoft.com/office/drawing/2014/main" id="{6DCDDE4B-6DB5-45F1-8AAC-1BBD66D9715C}"/>
+              </a:ext>
+            </a:extLst>
+          </p:cNvPr>
+          <p:cNvPicPr>
+            <a:picLocks noChangeAspect="1" noChangeArrowheads="1"/>
+          </p:cNvPicPr>
+          <p:nvPr/>
+        </p:nvPicPr>
+        <p:blipFill>
+          <a:blip r:embed="rId3">
+            <a:extLst>
+              <a:ext uri="{28A0092B-C50C-407E-A947-70E740481C1C}">
+                <a14:useLocalDpi xmlns:a14="http://schemas.microsoft.com/office/drawing/2010/main" val="0"/>
+              </a:ext>
+            </a:extLst>
+          </a:blip>
+          <a:srcRect/>
+          <a:stretch>
+            <a:fillRect/>
+          </a:stretch>
+        </p:blipFill>
+        <p:spPr bwMode="auto">
+          <a:xfrm>
+            <a:off x="1733936" y="857400"/>
+            <a:ext cx="5676127" cy="4153033"/>
+          </a:xfrm>
+          <a:prstGeom prst="rect">
+            <a:avLst/>
+          </a:prstGeom>
+          <a:noFill/>
+          <a:extLst>
+            <a:ext uri="{909E8E84-426E-40DD-AFC4-6F175D3DCCD1}">
+              <a14:hiddenFill xmlns:a14="http://schemas.microsoft.com/office/drawing/2010/main">
+                <a:solidFill>
+                  <a:srgbClr val="FFFFFF"/>
+                </a:solidFill>
+              </a14:hiddenFill>
+            </a:ext>
+          </a:extLst>
+        </p:spPr>
+      </p:pic>
+    </p:spTree>
+    <p:extLst>
+      <p:ext uri="{BB962C8B-B14F-4D97-AF65-F5344CB8AC3E}">
+        <p14:creationId xmlns:p14="http://schemas.microsoft.com/office/powerpoint/2010/main" val="738896422"/>
+      </p:ext>
+    </p:extLst>
+  </p:cSld>
+  <p:clrMapOvr>
+    <a:masterClrMapping/>
+  </p:clrMapOvr>
+</p:sld>
+</file>
+
+<file path=ppt/slides/slide18.xml><?xml version="1.0" encoding="utf-8"?>
+<p:sld xmlns:a="http://schemas.openxmlformats.org/drawingml/2006/main" xmlns:r="http://schemas.openxmlformats.org/officeDocument/2006/relationships" xmlns:p="http://schemas.openxmlformats.org/presentationml/2006/main">
+  <p:cSld>
+    <p:spTree>
+      <p:nvGrpSpPr>
+        <p:cNvPr id="1" name="Shape 197"/>
+        <p:cNvGrpSpPr/>
+        <p:nvPr/>
+      </p:nvGrpSpPr>
+      <p:grpSpPr>
+        <a:xfrm>
+          <a:off x="0" y="0"/>
+          <a:ext cx="0" cy="0"/>
+          <a:chOff x="0" y="0"/>
+          <a:chExt cx="0" cy="0"/>
+        </a:xfrm>
+      </p:grpSpPr>
+      <p:sp>
+        <p:nvSpPr>
+          <p:cNvPr id="198" name="Google Shape;198;p24"/>
+          <p:cNvSpPr txBox="1">
+            <a:spLocks noGrp="1"/>
+          </p:cNvSpPr>
+          <p:nvPr>
+            <p:ph type="title"/>
+          </p:nvPr>
+        </p:nvSpPr>
+        <p:spPr>
+          <a:xfrm>
+            <a:off x="90678" y="133067"/>
+            <a:ext cx="6462600" cy="480210"/>
+          </a:xfrm>
+          <a:prstGeom prst="rect">
+            <a:avLst/>
+          </a:prstGeom>
+        </p:spPr>
+        <p:txBody>
+          <a:bodyPr spcFirstLastPara="1" wrap="square" lIns="91425" tIns="91425" rIns="91425" bIns="91425" anchor="b" anchorCtr="0">
+            <a:noAutofit/>
+          </a:bodyPr>
+          <a:lstStyle/>
+          <a:p>
+            <a:pPr marL="0" lvl="0" indent="0" algn="l" rtl="0">
+              <a:spcBef>
+                <a:spcPts val="0"/>
+              </a:spcBef>
+              <a:spcAft>
+                <a:spcPts val="0"/>
+              </a:spcAft>
+              <a:buNone/>
+            </a:pPr>
+            <a:r>
+              <a:rPr lang="ko-KR" altLang="en-US" sz="2400" dirty="0">
+                <a:latin typeface="마루 부리 Beta" panose="020B0600000101010101" pitchFamily="50" charset="-127"/>
+                <a:ea typeface="마루 부리 Beta" panose="020B0600000101010101" pitchFamily="50" charset="-127"/>
+              </a:rPr>
+              <a:t>원격 저장소 만들기</a:t>
+            </a:r>
+            <a:endParaRPr sz="2400" dirty="0">
+              <a:latin typeface="마루 부리 Beta" panose="020B0600000101010101" pitchFamily="50" charset="-127"/>
+              <a:ea typeface="마루 부리 Beta" panose="020B0600000101010101" pitchFamily="50" charset="-127"/>
+            </a:endParaRPr>
+          </a:p>
+        </p:txBody>
+      </p:sp>
+      <p:sp>
+        <p:nvSpPr>
+          <p:cNvPr id="200" name="Google Shape;200;p24"/>
+          <p:cNvSpPr txBox="1">
+            <a:spLocks noGrp="1"/>
+          </p:cNvSpPr>
+          <p:nvPr>
+            <p:ph type="sldNum" idx="12"/>
+          </p:nvPr>
+        </p:nvSpPr>
+        <p:spPr>
+          <a:xfrm>
+            <a:off x="8480575" y="4696933"/>
+            <a:ext cx="548700" cy="313500"/>
+          </a:xfrm>
+          <a:prstGeom prst="rect">
+            <a:avLst/>
+          </a:prstGeom>
+        </p:spPr>
+        <p:txBody>
+          <a:bodyPr spcFirstLastPara="1" wrap="square" lIns="91425" tIns="91425" rIns="91425" bIns="91425" anchor="t" anchorCtr="0">
+            <a:noAutofit/>
+          </a:bodyPr>
+          <a:lstStyle/>
+          <a:p>
+            <a:pPr marL="0" lvl="0" indent="0" algn="r" rtl="0">
+              <a:spcBef>
+                <a:spcPts val="0"/>
+              </a:spcBef>
+              <a:spcAft>
+                <a:spcPts val="0"/>
+              </a:spcAft>
+              <a:buNone/>
+            </a:pPr>
+            <a:fld id="{00000000-1234-1234-1234-123412341234}" type="slidenum">
+              <a:rPr lang="en"/>
+              <a:t>18</a:t>
+            </a:fld>
+            <a:endParaRPr/>
+          </a:p>
+        </p:txBody>
+      </p:sp>
+      <p:pic>
+        <p:nvPicPr>
+          <p:cNvPr id="2050" name="Picture 2">
+            <a:extLst>
+              <a:ext uri="{FF2B5EF4-FFF2-40B4-BE49-F238E27FC236}">
+                <a16:creationId xmlns:a16="http://schemas.microsoft.com/office/drawing/2014/main" id="{CAB72240-719A-4E64-9403-3B9E5B3D9C7F}"/>
+              </a:ext>
+            </a:extLst>
+          </p:cNvPr>
+          <p:cNvPicPr>
+            <a:picLocks noChangeAspect="1" noChangeArrowheads="1"/>
+          </p:cNvPicPr>
+          <p:nvPr/>
+        </p:nvPicPr>
+        <p:blipFill>
+          <a:blip r:embed="rId3">
+            <a:extLst>
+              <a:ext uri="{28A0092B-C50C-407E-A947-70E740481C1C}">
+                <a14:useLocalDpi xmlns:a14="http://schemas.microsoft.com/office/drawing/2010/main" val="0"/>
+              </a:ext>
+            </a:extLst>
+          </a:blip>
+          <a:srcRect/>
+          <a:stretch>
+            <a:fillRect/>
+          </a:stretch>
+        </p:blipFill>
+        <p:spPr bwMode="auto">
+          <a:xfrm>
+            <a:off x="411480" y="712817"/>
+            <a:ext cx="8069095" cy="3984116"/>
+          </a:xfrm>
+          <a:prstGeom prst="rect">
+            <a:avLst/>
+          </a:prstGeom>
+          <a:noFill/>
+          <a:extLst>
+            <a:ext uri="{909E8E84-426E-40DD-AFC4-6F175D3DCCD1}">
+              <a14:hiddenFill xmlns:a14="http://schemas.microsoft.com/office/drawing/2010/main">
+                <a:solidFill>
+                  <a:srgbClr val="FFFFFF"/>
+                </a:solidFill>
+              </a14:hiddenFill>
+            </a:ext>
+          </a:extLst>
+        </p:spPr>
+      </p:pic>
+      <p:pic>
+        <p:nvPicPr>
+          <p:cNvPr id="2052" name="Picture 4">
+            <a:extLst>
+              <a:ext uri="{FF2B5EF4-FFF2-40B4-BE49-F238E27FC236}">
+                <a16:creationId xmlns:a16="http://schemas.microsoft.com/office/drawing/2014/main" id="{EC930E61-A9AC-408C-B58C-4D27870BE908}"/>
+              </a:ext>
+            </a:extLst>
+          </p:cNvPr>
+          <p:cNvPicPr>
+            <a:picLocks noChangeAspect="1" noChangeArrowheads="1"/>
+          </p:cNvPicPr>
+          <p:nvPr/>
+        </p:nvPicPr>
+        <p:blipFill>
+          <a:blip r:embed="rId4">
+            <a:extLst>
+              <a:ext uri="{28A0092B-C50C-407E-A947-70E740481C1C}">
+                <a14:useLocalDpi xmlns:a14="http://schemas.microsoft.com/office/drawing/2010/main" val="0"/>
+              </a:ext>
+            </a:extLst>
+          </a:blip>
+          <a:srcRect/>
+          <a:stretch>
+            <a:fillRect/>
+          </a:stretch>
+        </p:blipFill>
+        <p:spPr bwMode="auto">
+          <a:xfrm>
+            <a:off x="537452" y="887326"/>
+            <a:ext cx="8069095" cy="3368847"/>
+          </a:xfrm>
+          <a:prstGeom prst="rect">
+            <a:avLst/>
+          </a:prstGeom>
+          <a:noFill/>
+          <a:extLst>
+            <a:ext uri="{909E8E84-426E-40DD-AFC4-6F175D3DCCD1}">
+              <a14:hiddenFill xmlns:a14="http://schemas.microsoft.com/office/drawing/2010/main">
+                <a:solidFill>
+                  <a:srgbClr val="FFFFFF"/>
+                </a:solidFill>
+              </a14:hiddenFill>
+            </a:ext>
+          </a:extLst>
+        </p:spPr>
+      </p:pic>
+    </p:spTree>
+    <p:extLst>
+      <p:ext uri="{BB962C8B-B14F-4D97-AF65-F5344CB8AC3E}">
+        <p14:creationId xmlns:p14="http://schemas.microsoft.com/office/powerpoint/2010/main" val="3434263946"/>
+      </p:ext>
+    </p:extLst>
+  </p:cSld>
+  <p:clrMapOvr>
+    <a:masterClrMapping/>
+  </p:clrMapOvr>
+  <p:timing>
+    <p:tnLst>
+      <p:par>
+        <p:cTn id="1" dur="indefinite" restart="never" nodeType="tmRoot">
+          <p:childTnLst>
+            <p:seq concurrent="1" nextAc="seek">
+              <p:cTn id="2" dur="indefinite" nodeType="mainSeq">
+                <p:childTnLst>
+                  <p:par>
+                    <p:cTn id="3" fill="hold">
+                      <p:stCondLst>
+                        <p:cond delay="indefinite"/>
+                      </p:stCondLst>
+                      <p:childTnLst>
+                        <p:par>
+                          <p:cTn id="4" fill="hold">
+                            <p:stCondLst>
+                              <p:cond delay="0"/>
+                            </p:stCondLst>
+                            <p:childTnLst>
+                              <p:par>
+                                <p:cTn id="5" presetID="1" presetClass="entr" presetSubtype="0" fill="hold" nodeType="clickEffect">
+                                  <p:stCondLst>
+                                    <p:cond delay="0"/>
+                                  </p:stCondLst>
+                                  <p:childTnLst>
+                                    <p:set>
+                                      <p:cBhvr>
+                                        <p:cTn id="6" dur="1" fill="hold">
+                                          <p:stCondLst>
+                                            <p:cond delay="0"/>
+                                          </p:stCondLst>
+                                        </p:cTn>
+                                        <p:tgtEl>
+                                          <p:spTgt spid="2050"/>
+                                        </p:tgtEl>
+                                        <p:attrNameLst>
+                                          <p:attrName>style.visibility</p:attrName>
+                                        </p:attrNameLst>
+                                      </p:cBhvr>
+                                      <p:to>
+                                        <p:strVal val="visible"/>
+                                      </p:to>
+                                    </p:set>
+                                  </p:childTnLst>
+                                </p:cTn>
+                              </p:par>
+                            </p:childTnLst>
+                          </p:cTn>
+                        </p:par>
+                      </p:childTnLst>
+                    </p:cTn>
+                  </p:par>
+                  <p:par>
+                    <p:cTn id="7" fill="hold">
+                      <p:stCondLst>
+                        <p:cond delay="indefinite"/>
+                      </p:stCondLst>
+                      <p:childTnLst>
+                        <p:par>
+                          <p:cTn id="8" fill="hold">
+                            <p:stCondLst>
+                              <p:cond delay="0"/>
+                            </p:stCondLst>
+                            <p:childTnLst>
+                              <p:par>
+                                <p:cTn id="9" presetID="1" presetClass="exit" presetSubtype="0" fill="hold" nodeType="clickEffect">
+                                  <p:stCondLst>
+                                    <p:cond delay="0"/>
+                                  </p:stCondLst>
+                                  <p:childTnLst>
+                                    <p:set>
+                                      <p:cBhvr>
+                                        <p:cTn id="10" dur="1" fill="hold">
+                                          <p:stCondLst>
+                                            <p:cond delay="0"/>
+                                          </p:stCondLst>
+                                        </p:cTn>
+                                        <p:tgtEl>
+                                          <p:spTgt spid="2050"/>
+                                        </p:tgtEl>
+                                        <p:attrNameLst>
+                                          <p:attrName>style.visibility</p:attrName>
+                                        </p:attrNameLst>
+                                      </p:cBhvr>
+                                      <p:to>
+                                        <p:strVal val="hidden"/>
+                                      </p:to>
+                                    </p:set>
+                                  </p:childTnLst>
+                                </p:cTn>
+                              </p:par>
+                            </p:childTnLst>
+                          </p:cTn>
+                        </p:par>
+                      </p:childTnLst>
+                    </p:cTn>
+                  </p:par>
+                  <p:par>
+                    <p:cTn id="11" fill="hold">
+                      <p:stCondLst>
+                        <p:cond delay="indefinite"/>
+                      </p:stCondLst>
+                      <p:childTnLst>
+                        <p:par>
+                          <p:cTn id="12" fill="hold">
+                            <p:stCondLst>
+                              <p:cond delay="0"/>
+                            </p:stCondLst>
+                            <p:childTnLst>
+                              <p:par>
+                                <p:cTn id="13" presetID="1" presetClass="entr" presetSubtype="0" fill="hold" nodeType="clickEffect">
+                                  <p:stCondLst>
+                                    <p:cond delay="0"/>
+                                  </p:stCondLst>
+                                  <p:childTnLst>
+                                    <p:set>
+                                      <p:cBhvr>
+                                        <p:cTn id="14" dur="1" fill="hold">
+                                          <p:stCondLst>
+                                            <p:cond delay="0"/>
+                                          </p:stCondLst>
+                                        </p:cTn>
+                                        <p:tgtEl>
+                                          <p:spTgt spid="2052"/>
+                                        </p:tgtEl>
+                                        <p:attrNameLst>
+                                          <p:attrName>style.visibility</p:attrName>
+                                        </p:attrNameLst>
+                                      </p:cBhvr>
+                                      <p:to>
+                                        <p:strVal val="visible"/>
+                                      </p:to>
+                                    </p:set>
+                                  </p:childTnLst>
+                                </p:cTn>
+                              </p:par>
+                            </p:childTnLst>
+                          </p:cTn>
+                        </p:par>
+                      </p:childTnLst>
+                    </p:cTn>
+                  </p:par>
+                </p:childTnLst>
+              </p:cTn>
+              <p:prevCondLst>
+                <p:cond evt="onPrev" delay="0">
+                  <p:tgtEl>
+                    <p:sldTgt/>
+                  </p:tgtEl>
+                </p:cond>
+              </p:prevCondLst>
+              <p:nextCondLst>
+                <p:cond evt="onNext" delay="0">
+                  <p:tgtEl>
+                    <p:sldTgt/>
+                  </p:tgtEl>
+                </p:cond>
+              </p:nextCondLst>
+            </p:seq>
+          </p:childTnLst>
+        </p:cTn>
+      </p:par>
+    </p:tnLst>
+  </p:timing>
+</p:sld>
+</file>
+
+<file path=ppt/slides/slide19.xml><?xml version="1.0" encoding="utf-8"?>
+<p:sld xmlns:a="http://schemas.openxmlformats.org/drawingml/2006/main" xmlns:r="http://schemas.openxmlformats.org/officeDocument/2006/relationships" xmlns:p="http://schemas.openxmlformats.org/presentationml/2006/main">
+  <p:cSld>
+    <p:spTree>
+      <p:nvGrpSpPr>
+        <p:cNvPr id="1" name="Shape 197"/>
+        <p:cNvGrpSpPr/>
+        <p:nvPr/>
+      </p:nvGrpSpPr>
+      <p:grpSpPr>
+        <a:xfrm>
+          <a:off x="0" y="0"/>
+          <a:ext cx="0" cy="0"/>
+          <a:chOff x="0" y="0"/>
+          <a:chExt cx="0" cy="0"/>
+        </a:xfrm>
+      </p:grpSpPr>
+      <p:sp>
+        <p:nvSpPr>
+          <p:cNvPr id="198" name="Google Shape;198;p24"/>
+          <p:cNvSpPr txBox="1">
+            <a:spLocks noGrp="1"/>
+          </p:cNvSpPr>
+          <p:nvPr>
+            <p:ph type="title"/>
+          </p:nvPr>
+        </p:nvSpPr>
+        <p:spPr>
+          <a:xfrm>
+            <a:off x="90677" y="133067"/>
+            <a:ext cx="8389897" cy="480210"/>
+          </a:xfrm>
+          <a:prstGeom prst="rect">
+            <a:avLst/>
+          </a:prstGeom>
+        </p:spPr>
+        <p:txBody>
+          <a:bodyPr spcFirstLastPara="1" wrap="square" lIns="91425" tIns="91425" rIns="91425" bIns="91425" anchor="b" anchorCtr="0">
+            <a:noAutofit/>
+          </a:bodyPr>
+          <a:lstStyle/>
+          <a:p>
+            <a:pPr marL="0" lvl="0" indent="0" algn="l" rtl="0">
+              <a:spcBef>
+                <a:spcPts val="0"/>
+              </a:spcBef>
+              <a:spcAft>
+                <a:spcPts val="0"/>
+              </a:spcAft>
+              <a:buNone/>
+            </a:pPr>
+            <a:r>
+              <a:rPr lang="ko-KR" altLang="en-US" sz="2400" dirty="0">
+                <a:latin typeface="마루 부리 Beta" panose="020B0600000101010101" pitchFamily="50" charset="-127"/>
+                <a:ea typeface="마루 부리 Beta" panose="020B0600000101010101" pitchFamily="50" charset="-127"/>
+              </a:rPr>
+              <a:t>지역 저장소를 원격 저장소에 연결</a:t>
+            </a:r>
+            <a:endParaRPr sz="2400" dirty="0">
+              <a:latin typeface="마루 부리 Beta" panose="020B0600000101010101" pitchFamily="50" charset="-127"/>
+              <a:ea typeface="마루 부리 Beta" panose="020B0600000101010101" pitchFamily="50" charset="-127"/>
+            </a:endParaRPr>
+          </a:p>
+        </p:txBody>
+      </p:sp>
+      <p:sp>
+        <p:nvSpPr>
+          <p:cNvPr id="200" name="Google Shape;200;p24"/>
+          <p:cNvSpPr txBox="1">
+            <a:spLocks noGrp="1"/>
+          </p:cNvSpPr>
+          <p:nvPr>
+            <p:ph type="sldNum" idx="12"/>
+          </p:nvPr>
+        </p:nvSpPr>
+        <p:spPr>
+          <a:xfrm>
+            <a:off x="8480575" y="4696933"/>
+            <a:ext cx="548700" cy="313500"/>
+          </a:xfrm>
+          <a:prstGeom prst="rect">
+            <a:avLst/>
+          </a:prstGeom>
+        </p:spPr>
+        <p:txBody>
+          <a:bodyPr spcFirstLastPara="1" wrap="square" lIns="91425" tIns="91425" rIns="91425" bIns="91425" anchor="t" anchorCtr="0">
+            <a:noAutofit/>
+          </a:bodyPr>
+          <a:lstStyle/>
+          <a:p>
+            <a:pPr marL="0" lvl="0" indent="0" algn="r" rtl="0">
+              <a:spcBef>
+                <a:spcPts val="0"/>
+              </a:spcBef>
+              <a:spcAft>
+                <a:spcPts val="0"/>
+              </a:spcAft>
+              <a:buNone/>
+            </a:pPr>
+            <a:fld id="{00000000-1234-1234-1234-123412341234}" type="slidenum">
+              <a:rPr lang="en"/>
+              <a:t>19</a:t>
+            </a:fld>
+            <a:endParaRPr/>
+          </a:p>
+        </p:txBody>
+      </p:sp>
+      <p:pic>
+        <p:nvPicPr>
+          <p:cNvPr id="3074" name="Picture 2">
+            <a:extLst>
+              <a:ext uri="{FF2B5EF4-FFF2-40B4-BE49-F238E27FC236}">
+                <a16:creationId xmlns:a16="http://schemas.microsoft.com/office/drawing/2014/main" id="{3BF3E8D8-1B67-44E3-A969-116D63EFA0FC}"/>
+              </a:ext>
+            </a:extLst>
+          </p:cNvPr>
+          <p:cNvPicPr>
+            <a:picLocks noChangeAspect="1" noChangeArrowheads="1"/>
+          </p:cNvPicPr>
+          <p:nvPr/>
+        </p:nvPicPr>
+        <p:blipFill>
+          <a:blip r:embed="rId3">
+            <a:extLst>
+              <a:ext uri="{28A0092B-C50C-407E-A947-70E740481C1C}">
+                <a14:useLocalDpi xmlns:a14="http://schemas.microsoft.com/office/drawing/2010/main" val="0"/>
+              </a:ext>
+            </a:extLst>
+          </a:blip>
+          <a:srcRect/>
+          <a:stretch>
+            <a:fillRect/>
+          </a:stretch>
+        </p:blipFill>
+        <p:spPr bwMode="auto">
+          <a:xfrm>
+            <a:off x="1300162" y="2388870"/>
+            <a:ext cx="6543675" cy="1257300"/>
+          </a:xfrm>
+          <a:prstGeom prst="rect">
+            <a:avLst/>
+          </a:prstGeom>
+          <a:noFill/>
+          <a:extLst>
+            <a:ext uri="{909E8E84-426E-40DD-AFC4-6F175D3DCCD1}">
+              <a14:hiddenFill xmlns:a14="http://schemas.microsoft.com/office/drawing/2010/main">
+                <a:solidFill>
+                  <a:srgbClr val="FFFFFF"/>
+                </a:solidFill>
+              </a14:hiddenFill>
+            </a:ext>
+          </a:extLst>
+        </p:spPr>
+      </p:pic>
+      <p:sp>
+        <p:nvSpPr>
+          <p:cNvPr id="8" name="TextBox 7">
+            <a:extLst>
+              <a:ext uri="{FF2B5EF4-FFF2-40B4-BE49-F238E27FC236}">
+                <a16:creationId xmlns:a16="http://schemas.microsoft.com/office/drawing/2014/main" id="{80682E7D-D082-4F67-A37D-2B25B6AD19E4}"/>
+              </a:ext>
+            </a:extLst>
+          </p:cNvPr>
+          <p:cNvSpPr txBox="1"/>
+          <p:nvPr/>
+        </p:nvSpPr>
+        <p:spPr>
+          <a:xfrm>
+            <a:off x="1665298" y="1412022"/>
+            <a:ext cx="5524172" cy="461665"/>
+          </a:xfrm>
+          <a:prstGeom prst="rect">
+            <a:avLst/>
+          </a:prstGeom>
+          <a:noFill/>
+        </p:spPr>
+        <p:txBody>
+          <a:bodyPr wrap="square">
+            <a:spAutoFit/>
+          </a:bodyPr>
+          <a:lstStyle/>
+          <a:p>
+            <a:r>
+              <a:rPr lang="en-US" altLang="ko-KR" sz="2400" b="0" i="0" dirty="0">
+                <a:solidFill>
+                  <a:srgbClr val="666666"/>
+                </a:solidFill>
+                <a:effectLst/>
+                <a:latin typeface="마루 부리 Beta" panose="020B0600000101010101" pitchFamily="50" charset="-127"/>
+                <a:ea typeface="마루 부리 Beta" panose="020B0600000101010101" pitchFamily="50" charset="-127"/>
+              </a:rPr>
+              <a:t>$ git remote add origin </a:t>
+            </a:r>
+            <a:r>
+              <a:rPr lang="ko-KR" altLang="en-US" sz="2400" b="0" i="0" dirty="0">
+                <a:solidFill>
+                  <a:srgbClr val="666666"/>
+                </a:solidFill>
+                <a:effectLst/>
+                <a:latin typeface="마루 부리 Beta" panose="020B0600000101010101" pitchFamily="50" charset="-127"/>
+                <a:ea typeface="마루 부리 Beta" panose="020B0600000101010101" pitchFamily="50" charset="-127"/>
+              </a:rPr>
+              <a:t>복사한 주소 </a:t>
+            </a:r>
+            <a:endParaRPr lang="ko-KR" altLang="en-US" sz="2400" dirty="0">
+              <a:latin typeface="마루 부리 Beta" panose="020B0600000101010101" pitchFamily="50" charset="-127"/>
+              <a:ea typeface="마루 부리 Beta" panose="020B0600000101010101" pitchFamily="50" charset="-127"/>
+            </a:endParaRPr>
+          </a:p>
+        </p:txBody>
+      </p:sp>
+    </p:spTree>
+    <p:extLst>
+      <p:ext uri="{BB962C8B-B14F-4D97-AF65-F5344CB8AC3E}">
+        <p14:creationId xmlns:p14="http://schemas.microsoft.com/office/powerpoint/2010/main" val="2706729570"/>
+      </p:ext>
+    </p:extLst>
+  </p:cSld>
+  <p:clrMapOvr>
+    <a:masterClrMapping/>
+  </p:clrMapOvr>
+</p:sld>
+</file>
+
+<file path=ppt/slides/slide2.xml><?xml version="1.0" encoding="utf-8"?>
+<p:sld xmlns:a="http://schemas.openxmlformats.org/drawingml/2006/main" xmlns:r="http://schemas.openxmlformats.org/officeDocument/2006/relationships" xmlns:p="http://schemas.openxmlformats.org/presentationml/2006/main">
+  <p:cSld>
+    <p:spTree>
+      <p:nvGrpSpPr>
+        <p:cNvPr id="1" name="Shape 151"/>
+        <p:cNvGrpSpPr/>
+        <p:nvPr/>
+      </p:nvGrpSpPr>
+      <p:grpSpPr>
+        <a:xfrm>
+          <a:off x="0" y="0"/>
+          <a:ext cx="0" cy="0"/>
+          <a:chOff x="0" y="0"/>
+          <a:chExt cx="0" cy="0"/>
+        </a:xfrm>
+      </p:grpSpPr>
+      <p:sp>
+        <p:nvSpPr>
+          <p:cNvPr id="152" name="Google Shape;152;p20"/>
+          <p:cNvSpPr txBox="1">
+            <a:spLocks noGrp="1"/>
+          </p:cNvSpPr>
+          <p:nvPr>
+            <p:ph type="title"/>
+          </p:nvPr>
+        </p:nvSpPr>
+        <p:spPr>
+          <a:xfrm>
+            <a:off x="893700" y="434588"/>
+            <a:ext cx="6462600" cy="857400"/>
+          </a:xfrm>
+          <a:prstGeom prst="rect">
+            <a:avLst/>
+          </a:prstGeom>
+        </p:spPr>
+        <p:txBody>
+          <a:bodyPr spcFirstLastPara="1" wrap="square" lIns="91425" tIns="91425" rIns="91425" bIns="91425" anchor="b" anchorCtr="0">
+            <a:noAutofit/>
+          </a:bodyPr>
+          <a:lstStyle/>
+          <a:p>
+            <a:pPr marL="0" lvl="0" indent="0" algn="l" rtl="0">
+              <a:spcBef>
+                <a:spcPts val="0"/>
+              </a:spcBef>
+              <a:spcAft>
+                <a:spcPts val="0"/>
+              </a:spcAft>
+              <a:buNone/>
+            </a:pPr>
+            <a:r>
+              <a:rPr lang="en" sz="3600" b="1" dirty="0">
+                <a:latin typeface="마루 부리 Beta" panose="020B0600000101010101" pitchFamily="50" charset="-127"/>
+                <a:ea typeface="마루 부리 Beta" panose="020B0600000101010101" pitchFamily="50" charset="-127"/>
+              </a:rPr>
+              <a:t>INDEX</a:t>
+            </a:r>
+            <a:endParaRPr sz="3600" b="1" dirty="0">
+              <a:latin typeface="마루 부리 Beta" panose="020B0600000101010101" pitchFamily="50" charset="-127"/>
+              <a:ea typeface="마루 부리 Beta" panose="020B0600000101010101" pitchFamily="50" charset="-127"/>
+            </a:endParaRPr>
+          </a:p>
+        </p:txBody>
+      </p:sp>
+      <p:sp>
+        <p:nvSpPr>
+          <p:cNvPr id="153" name="Google Shape;153;p20"/>
+          <p:cNvSpPr txBox="1">
+            <a:spLocks noGrp="1"/>
+          </p:cNvSpPr>
+          <p:nvPr>
+            <p:ph type="body" idx="1"/>
+          </p:nvPr>
+        </p:nvSpPr>
+        <p:spPr>
+          <a:xfrm>
+            <a:off x="943706" y="2050256"/>
+            <a:ext cx="2371200" cy="1389900"/>
+          </a:xfrm>
+          <a:prstGeom prst="rect">
+            <a:avLst/>
+          </a:prstGeom>
+        </p:spPr>
+        <p:txBody>
+          <a:bodyPr spcFirstLastPara="1" wrap="square" lIns="91425" tIns="91425" rIns="91425" bIns="91425" anchor="t" anchorCtr="0">
+            <a:noAutofit/>
+          </a:bodyPr>
+          <a:lstStyle/>
+          <a:p>
+            <a:pPr marL="0" lvl="0" indent="0" algn="l" rtl="0">
+              <a:spcBef>
+                <a:spcPts val="600"/>
+              </a:spcBef>
+              <a:spcAft>
+                <a:spcPts val="0"/>
+              </a:spcAft>
+              <a:buNone/>
+            </a:pPr>
+            <a:r>
+              <a:rPr lang="en-US" sz="2800" b="1" dirty="0">
+                <a:solidFill>
+                  <a:srgbClr val="2185C5"/>
+                </a:solidFill>
+                <a:latin typeface="마루 부리 Beta" panose="020B0600000101010101" pitchFamily="50" charset="-127"/>
+                <a:ea typeface="마루 부리 Beta" panose="020B0600000101010101" pitchFamily="50" charset="-127"/>
+              </a:rPr>
+              <a:t>First.</a:t>
+            </a:r>
+            <a:endParaRPr sz="2800" b="1" dirty="0">
+              <a:solidFill>
+                <a:srgbClr val="2185C5"/>
+              </a:solidFill>
+              <a:latin typeface="마루 부리 Beta" panose="020B0600000101010101" pitchFamily="50" charset="-127"/>
+              <a:ea typeface="마루 부리 Beta" panose="020B0600000101010101" pitchFamily="50" charset="-127"/>
+            </a:endParaRPr>
+          </a:p>
+          <a:p>
+            <a:pPr marL="0" lvl="0" indent="0" algn="l" rtl="0">
+              <a:spcBef>
+                <a:spcPts val="600"/>
+              </a:spcBef>
+              <a:spcAft>
+                <a:spcPts val="0"/>
+              </a:spcAft>
+              <a:buNone/>
+            </a:pPr>
+            <a:r>
+              <a:rPr lang="en" sz="2000" b="1" dirty="0">
+                <a:latin typeface="마루 부리 Beta" panose="020B0600000101010101" pitchFamily="50" charset="-127"/>
+                <a:ea typeface="마루 부리 Beta" panose="020B0600000101010101" pitchFamily="50" charset="-127"/>
+              </a:rPr>
+              <a:t>Git </a:t>
+            </a:r>
+            <a:endParaRPr sz="2000" b="1" dirty="0">
+              <a:latin typeface="마루 부리 Beta" panose="020B0600000101010101" pitchFamily="50" charset="-127"/>
+              <a:ea typeface="마루 부리 Beta" panose="020B0600000101010101" pitchFamily="50" charset="-127"/>
+            </a:endParaRPr>
+          </a:p>
+        </p:txBody>
+      </p:sp>
+      <p:sp>
+        <p:nvSpPr>
+          <p:cNvPr id="154" name="Google Shape;154;p20"/>
+          <p:cNvSpPr txBox="1">
+            <a:spLocks noGrp="1"/>
+          </p:cNvSpPr>
+          <p:nvPr>
+            <p:ph type="body" idx="2"/>
+          </p:nvPr>
+        </p:nvSpPr>
+        <p:spPr>
+          <a:xfrm>
+            <a:off x="3216491" y="2050256"/>
+            <a:ext cx="2371200" cy="1389900"/>
+          </a:xfrm>
+          <a:prstGeom prst="rect">
+            <a:avLst/>
+          </a:prstGeom>
+        </p:spPr>
+        <p:txBody>
+          <a:bodyPr spcFirstLastPara="1" wrap="square" lIns="91425" tIns="91425" rIns="91425" bIns="91425" anchor="t" anchorCtr="0">
+            <a:noAutofit/>
+          </a:bodyPr>
+          <a:lstStyle/>
+          <a:p>
+            <a:pPr marL="0" lvl="0" indent="0" algn="l" rtl="0">
+              <a:spcBef>
+                <a:spcPts val="600"/>
+              </a:spcBef>
+              <a:spcAft>
+                <a:spcPts val="0"/>
+              </a:spcAft>
+              <a:buNone/>
+            </a:pPr>
+            <a:r>
+              <a:rPr lang="en-US" sz="2800" b="1" dirty="0">
+                <a:solidFill>
+                  <a:srgbClr val="2185C5"/>
+                </a:solidFill>
+                <a:latin typeface="마루 부리 Beta" panose="020B0600000101010101" pitchFamily="50" charset="-127"/>
+                <a:ea typeface="마루 부리 Beta" panose="020B0600000101010101" pitchFamily="50" charset="-127"/>
+              </a:rPr>
+              <a:t>Second.</a:t>
+            </a:r>
+            <a:endParaRPr sz="2800" b="1" dirty="0">
+              <a:solidFill>
+                <a:srgbClr val="2185C5"/>
+              </a:solidFill>
+              <a:latin typeface="마루 부리 Beta" panose="020B0600000101010101" pitchFamily="50" charset="-127"/>
+              <a:ea typeface="마루 부리 Beta" panose="020B0600000101010101" pitchFamily="50" charset="-127"/>
+            </a:endParaRPr>
+          </a:p>
+          <a:p>
+            <a:pPr marL="0" lvl="0" indent="0" algn="l" rtl="0">
+              <a:spcBef>
+                <a:spcPts val="600"/>
+              </a:spcBef>
+              <a:spcAft>
+                <a:spcPts val="0"/>
+              </a:spcAft>
+              <a:buNone/>
+            </a:pPr>
+            <a:r>
+              <a:rPr lang="en" sz="2000" b="1" dirty="0">
+                <a:latin typeface="마루 부리 Beta" panose="020B0600000101010101" pitchFamily="50" charset="-127"/>
+                <a:ea typeface="마루 부리 Beta" panose="020B0600000101010101" pitchFamily="50" charset="-127"/>
+              </a:rPr>
+              <a:t>Branch &amp; Merge</a:t>
+            </a:r>
+            <a:endParaRPr sz="2000" b="1" dirty="0">
+              <a:latin typeface="마루 부리 Beta" panose="020B0600000101010101" pitchFamily="50" charset="-127"/>
+              <a:ea typeface="마루 부리 Beta" panose="020B0600000101010101" pitchFamily="50" charset="-127"/>
+            </a:endParaRPr>
+          </a:p>
+        </p:txBody>
+      </p:sp>
+      <p:sp>
+        <p:nvSpPr>
+          <p:cNvPr id="155" name="Google Shape;155;p20"/>
+          <p:cNvSpPr txBox="1">
+            <a:spLocks noGrp="1"/>
+          </p:cNvSpPr>
+          <p:nvPr>
+            <p:ph type="body" idx="3"/>
+          </p:nvPr>
+        </p:nvSpPr>
+        <p:spPr>
+          <a:xfrm>
+            <a:off x="6241571" y="2050256"/>
+            <a:ext cx="2371200" cy="1389900"/>
+          </a:xfrm>
+          <a:prstGeom prst="rect">
+            <a:avLst/>
+          </a:prstGeom>
+        </p:spPr>
+        <p:txBody>
+          <a:bodyPr spcFirstLastPara="1" wrap="square" lIns="91425" tIns="91425" rIns="91425" bIns="91425" anchor="t" anchorCtr="0">
+            <a:noAutofit/>
+          </a:bodyPr>
+          <a:lstStyle/>
+          <a:p>
+            <a:pPr marL="0" lvl="0" indent="0" algn="l" rtl="0">
+              <a:spcBef>
+                <a:spcPts val="600"/>
+              </a:spcBef>
+              <a:spcAft>
+                <a:spcPts val="0"/>
+              </a:spcAft>
+              <a:buNone/>
+            </a:pPr>
+            <a:r>
+              <a:rPr lang="en-US" sz="2800" b="1" dirty="0">
+                <a:solidFill>
+                  <a:srgbClr val="2185C5"/>
+                </a:solidFill>
+                <a:latin typeface="마루 부리 Beta" panose="020B0600000101010101" pitchFamily="50" charset="-127"/>
+                <a:ea typeface="마루 부리 Beta" panose="020B0600000101010101" pitchFamily="50" charset="-127"/>
+              </a:rPr>
+              <a:t>Third.</a:t>
+            </a:r>
+            <a:endParaRPr sz="2800" b="1" dirty="0">
+              <a:solidFill>
+                <a:srgbClr val="2185C5"/>
+              </a:solidFill>
+              <a:latin typeface="마루 부리 Beta" panose="020B0600000101010101" pitchFamily="50" charset="-127"/>
+              <a:ea typeface="마루 부리 Beta" panose="020B0600000101010101" pitchFamily="50" charset="-127"/>
+            </a:endParaRPr>
+          </a:p>
+          <a:p>
+            <a:pPr marL="0" lvl="0" indent="0" algn="l" rtl="0">
+              <a:spcBef>
+                <a:spcPts val="600"/>
+              </a:spcBef>
+              <a:spcAft>
+                <a:spcPts val="0"/>
+              </a:spcAft>
+              <a:buNone/>
+            </a:pPr>
+            <a:r>
+              <a:rPr lang="en-US" sz="2000" b="1" dirty="0">
+                <a:latin typeface="마루 부리 Beta" panose="020B0600000101010101" pitchFamily="50" charset="-127"/>
+                <a:ea typeface="마루 부리 Beta" panose="020B0600000101010101" pitchFamily="50" charset="-127"/>
+              </a:rPr>
+              <a:t>Backup</a:t>
+            </a:r>
+            <a:endParaRPr sz="2000" b="1" dirty="0">
+              <a:latin typeface="마루 부리 Beta" panose="020B0600000101010101" pitchFamily="50" charset="-127"/>
+              <a:ea typeface="마루 부리 Beta" panose="020B0600000101010101" pitchFamily="50" charset="-127"/>
+            </a:endParaRPr>
+          </a:p>
+        </p:txBody>
+      </p:sp>
+      <p:sp>
+        <p:nvSpPr>
+          <p:cNvPr id="156" name="Google Shape;156;p20"/>
+          <p:cNvSpPr txBox="1">
+            <a:spLocks noGrp="1"/>
+          </p:cNvSpPr>
+          <p:nvPr>
+            <p:ph type="sldNum" idx="12"/>
+          </p:nvPr>
+        </p:nvSpPr>
+        <p:spPr>
+          <a:xfrm>
+            <a:off x="8480575" y="4696933"/>
+            <a:ext cx="548700" cy="313500"/>
+          </a:xfrm>
+          <a:prstGeom prst="rect">
+            <a:avLst/>
+          </a:prstGeom>
+        </p:spPr>
+        <p:txBody>
+          <a:bodyPr spcFirstLastPara="1" wrap="square" lIns="91425" tIns="91425" rIns="91425" bIns="91425" anchor="t" anchorCtr="0">
+            <a:noAutofit/>
+          </a:bodyPr>
+          <a:lstStyle/>
+          <a:p>
+            <a:pPr marL="0" lvl="0" indent="0" algn="r" rtl="0">
+              <a:spcBef>
+                <a:spcPts val="0"/>
+              </a:spcBef>
+              <a:spcAft>
+                <a:spcPts val="0"/>
+              </a:spcAft>
+              <a:buNone/>
+            </a:pPr>
+            <a:fld id="{00000000-1234-1234-1234-123412341234}" type="slidenum">
+              <a:rPr lang="en" sz="1400" b="1">
+                <a:latin typeface="마루 부리 Beta" panose="020B0600000101010101" pitchFamily="50" charset="-127"/>
+                <a:ea typeface="마루 부리 Beta" panose="020B0600000101010101" pitchFamily="50" charset="-127"/>
+              </a:rPr>
+              <a:t>2</a:t>
+            </a:fld>
+            <a:endParaRPr sz="1400" b="1">
+              <a:latin typeface="마루 부리 Beta" panose="020B0600000101010101" pitchFamily="50" charset="-127"/>
+              <a:ea typeface="마루 부리 Beta" panose="020B0600000101010101" pitchFamily="50" charset="-127"/>
+            </a:endParaRPr>
+          </a:p>
+        </p:txBody>
+      </p:sp>
+    </p:spTree>
+  </p:cSld>
+  <p:clrMapOvr>
+    <a:masterClrMapping/>
+  </p:clrMapOvr>
+</p:sld>
+</file>
+
+<file path=ppt/slides/slide20.xml><?xml version="1.0" encoding="utf-8"?>
+<p:sld xmlns:a="http://schemas.openxmlformats.org/drawingml/2006/main" xmlns:r="http://schemas.openxmlformats.org/officeDocument/2006/relationships" xmlns:p="http://schemas.openxmlformats.org/presentationml/2006/main">
+  <p:cSld>
+    <p:spTree>
+      <p:nvGrpSpPr>
+        <p:cNvPr id="1" name="Shape 197"/>
+        <p:cNvGrpSpPr/>
+        <p:nvPr/>
+      </p:nvGrpSpPr>
+      <p:grpSpPr>
+        <a:xfrm>
+          <a:off x="0" y="0"/>
+          <a:ext cx="0" cy="0"/>
+          <a:chOff x="0" y="0"/>
+          <a:chExt cx="0" cy="0"/>
+        </a:xfrm>
+      </p:grpSpPr>
+      <p:sp>
+        <p:nvSpPr>
+          <p:cNvPr id="198" name="Google Shape;198;p24"/>
+          <p:cNvSpPr txBox="1">
+            <a:spLocks noGrp="1"/>
+          </p:cNvSpPr>
+          <p:nvPr>
+            <p:ph type="title"/>
+          </p:nvPr>
+        </p:nvSpPr>
+        <p:spPr>
+          <a:xfrm>
+            <a:off x="90677" y="133067"/>
+            <a:ext cx="8389897" cy="480210"/>
+          </a:xfrm>
+          <a:prstGeom prst="rect">
+            <a:avLst/>
+          </a:prstGeom>
+        </p:spPr>
+        <p:txBody>
+          <a:bodyPr spcFirstLastPara="1" wrap="square" lIns="91425" tIns="91425" rIns="91425" bIns="91425" anchor="b" anchorCtr="0">
+            <a:noAutofit/>
+          </a:bodyPr>
+          <a:lstStyle/>
+          <a:p>
+            <a:pPr marL="0" lvl="0" indent="0" algn="l" rtl="0">
+              <a:spcBef>
+                <a:spcPts val="0"/>
+              </a:spcBef>
+              <a:spcAft>
+                <a:spcPts val="0"/>
+              </a:spcAft>
+              <a:buNone/>
+            </a:pPr>
+            <a:r>
+              <a:rPr lang="ko-KR" altLang="en-US" sz="2400" dirty="0">
+                <a:latin typeface="마루 부리 Beta" panose="020B0600000101010101" pitchFamily="50" charset="-127"/>
+                <a:ea typeface="마루 부리 Beta" panose="020B0600000101010101" pitchFamily="50" charset="-127"/>
+              </a:rPr>
+              <a:t>원격 저장소에 올리기</a:t>
+            </a:r>
+            <a:endParaRPr sz="2400" dirty="0">
+              <a:latin typeface="마루 부리 Beta" panose="020B0600000101010101" pitchFamily="50" charset="-127"/>
+              <a:ea typeface="마루 부리 Beta" panose="020B0600000101010101" pitchFamily="50" charset="-127"/>
+            </a:endParaRPr>
+          </a:p>
+        </p:txBody>
+      </p:sp>
+      <p:sp>
+        <p:nvSpPr>
+          <p:cNvPr id="200" name="Google Shape;200;p24"/>
+          <p:cNvSpPr txBox="1">
+            <a:spLocks noGrp="1"/>
+          </p:cNvSpPr>
+          <p:nvPr>
+            <p:ph type="sldNum" idx="12"/>
+          </p:nvPr>
+        </p:nvSpPr>
+        <p:spPr>
+          <a:xfrm>
+            <a:off x="8480575" y="4696933"/>
+            <a:ext cx="548700" cy="313500"/>
+          </a:xfrm>
+          <a:prstGeom prst="rect">
+            <a:avLst/>
+          </a:prstGeom>
+        </p:spPr>
+        <p:txBody>
+          <a:bodyPr spcFirstLastPara="1" wrap="square" lIns="91425" tIns="91425" rIns="91425" bIns="91425" anchor="t" anchorCtr="0">
+            <a:noAutofit/>
+          </a:bodyPr>
+          <a:lstStyle/>
+          <a:p>
+            <a:pPr marL="0" lvl="0" indent="0" algn="r" rtl="0">
+              <a:spcBef>
+                <a:spcPts val="0"/>
+              </a:spcBef>
+              <a:spcAft>
+                <a:spcPts val="0"/>
+              </a:spcAft>
+              <a:buNone/>
+            </a:pPr>
+            <a:fld id="{00000000-1234-1234-1234-123412341234}" type="slidenum">
+              <a:rPr lang="en"/>
+              <a:t>20</a:t>
+            </a:fld>
+            <a:endParaRPr/>
+          </a:p>
+        </p:txBody>
+      </p:sp>
+      <p:sp>
+        <p:nvSpPr>
+          <p:cNvPr id="8" name="TextBox 7">
+            <a:extLst>
+              <a:ext uri="{FF2B5EF4-FFF2-40B4-BE49-F238E27FC236}">
+                <a16:creationId xmlns:a16="http://schemas.microsoft.com/office/drawing/2014/main" id="{80682E7D-D082-4F67-A37D-2B25B6AD19E4}"/>
+              </a:ext>
+            </a:extLst>
+          </p:cNvPr>
+          <p:cNvSpPr txBox="1"/>
+          <p:nvPr/>
+        </p:nvSpPr>
+        <p:spPr>
+          <a:xfrm>
+            <a:off x="1809913" y="1421259"/>
+            <a:ext cx="5524172" cy="584775"/>
+          </a:xfrm>
+          <a:prstGeom prst="rect">
+            <a:avLst/>
+          </a:prstGeom>
+          <a:noFill/>
+        </p:spPr>
+        <p:txBody>
+          <a:bodyPr wrap="square">
+            <a:spAutoFit/>
+          </a:bodyPr>
+          <a:lstStyle/>
+          <a:p>
+            <a:r>
+              <a:rPr lang="en-US" altLang="ko-KR" sz="3200" b="0" i="0" dirty="0">
+                <a:solidFill>
+                  <a:srgbClr val="666666"/>
+                </a:solidFill>
+                <a:effectLst/>
+                <a:latin typeface="마루 부리 Beta" panose="020B0600000101010101" pitchFamily="50" charset="-127"/>
+                <a:ea typeface="마루 부리 Beta" panose="020B0600000101010101" pitchFamily="50" charset="-127"/>
+              </a:rPr>
+              <a:t>$ git push -u origin master</a:t>
+            </a:r>
+            <a:endParaRPr lang="ko-KR" altLang="en-US" sz="3200" dirty="0">
+              <a:latin typeface="마루 부리 Beta" panose="020B0600000101010101" pitchFamily="50" charset="-127"/>
+              <a:ea typeface="마루 부리 Beta" panose="020B0600000101010101" pitchFamily="50" charset="-127"/>
+            </a:endParaRPr>
+          </a:p>
+        </p:txBody>
+      </p:sp>
+      <p:pic>
+        <p:nvPicPr>
+          <p:cNvPr id="4098" name="Picture 2">
+            <a:extLst>
+              <a:ext uri="{FF2B5EF4-FFF2-40B4-BE49-F238E27FC236}">
+                <a16:creationId xmlns:a16="http://schemas.microsoft.com/office/drawing/2014/main" id="{8F7BD541-08A0-4CB8-8F06-809D057690F2}"/>
+              </a:ext>
+            </a:extLst>
+          </p:cNvPr>
+          <p:cNvPicPr>
+            <a:picLocks noChangeAspect="1" noChangeArrowheads="1"/>
+          </p:cNvPicPr>
+          <p:nvPr/>
+        </p:nvPicPr>
+        <p:blipFill>
+          <a:blip r:embed="rId3">
+            <a:extLst>
+              <a:ext uri="{28A0092B-C50C-407E-A947-70E740481C1C}">
+                <a14:useLocalDpi xmlns:a14="http://schemas.microsoft.com/office/drawing/2010/main" val="0"/>
+              </a:ext>
+            </a:extLst>
+          </a:blip>
+          <a:srcRect/>
+          <a:stretch>
+            <a:fillRect/>
+          </a:stretch>
+        </p:blipFill>
+        <p:spPr bwMode="auto">
+          <a:xfrm>
+            <a:off x="1002030" y="740580"/>
+            <a:ext cx="7620000" cy="3829050"/>
+          </a:xfrm>
+          <a:prstGeom prst="rect">
+            <a:avLst/>
+          </a:prstGeom>
+          <a:noFill/>
+          <a:extLst>
+            <a:ext uri="{909E8E84-426E-40DD-AFC4-6F175D3DCCD1}">
+              <a14:hiddenFill xmlns:a14="http://schemas.microsoft.com/office/drawing/2010/main">
+                <a:solidFill>
+                  <a:srgbClr val="FFFFFF"/>
+                </a:solidFill>
+              </a14:hiddenFill>
+            </a:ext>
+          </a:extLst>
+        </p:spPr>
+      </p:pic>
+      <p:pic>
+        <p:nvPicPr>
+          <p:cNvPr id="4100" name="Picture 4">
+            <a:extLst>
+              <a:ext uri="{FF2B5EF4-FFF2-40B4-BE49-F238E27FC236}">
+                <a16:creationId xmlns:a16="http://schemas.microsoft.com/office/drawing/2014/main" id="{FDE12CC9-48E8-40C9-A301-462F089929CF}"/>
+              </a:ext>
+            </a:extLst>
+          </p:cNvPr>
+          <p:cNvPicPr>
+            <a:picLocks noChangeAspect="1" noChangeArrowheads="1"/>
+          </p:cNvPicPr>
+          <p:nvPr/>
+        </p:nvPicPr>
+        <p:blipFill>
+          <a:blip r:embed="rId4">
+            <a:extLst>
+              <a:ext uri="{28A0092B-C50C-407E-A947-70E740481C1C}">
+                <a14:useLocalDpi xmlns:a14="http://schemas.microsoft.com/office/drawing/2010/main" val="0"/>
+              </a:ext>
+            </a:extLst>
+          </a:blip>
+          <a:srcRect/>
+          <a:stretch>
+            <a:fillRect/>
+          </a:stretch>
+        </p:blipFill>
+        <p:spPr bwMode="auto">
+          <a:xfrm>
+            <a:off x="1002030" y="1154917"/>
+            <a:ext cx="7620000" cy="3000375"/>
+          </a:xfrm>
+          <a:prstGeom prst="rect">
+            <a:avLst/>
+          </a:prstGeom>
+          <a:noFill/>
+          <a:extLst>
+            <a:ext uri="{909E8E84-426E-40DD-AFC4-6F175D3DCCD1}">
+              <a14:hiddenFill xmlns:a14="http://schemas.microsoft.com/office/drawing/2010/main">
+                <a:solidFill>
+                  <a:srgbClr val="FFFFFF"/>
+                </a:solidFill>
+              </a14:hiddenFill>
+            </a:ext>
+          </a:extLst>
+        </p:spPr>
+      </p:pic>
+    </p:spTree>
+    <p:extLst>
+      <p:ext uri="{BB962C8B-B14F-4D97-AF65-F5344CB8AC3E}">
+        <p14:creationId xmlns:p14="http://schemas.microsoft.com/office/powerpoint/2010/main" val="1894342242"/>
+      </p:ext>
+    </p:extLst>
+  </p:cSld>
+  <p:clrMapOvr>
+    <a:masterClrMapping/>
+  </p:clrMapOvr>
+  <p:timing>
+    <p:tnLst>
+      <p:par>
+        <p:cTn id="1" dur="indefinite" restart="never" nodeType="tmRoot">
+          <p:childTnLst>
+            <p:seq concurrent="1" nextAc="seek">
+              <p:cTn id="2" dur="indefinite" nodeType="mainSeq">
+                <p:childTnLst>
+                  <p:par>
+                    <p:cTn id="3" fill="hold">
+                      <p:stCondLst>
+                        <p:cond delay="indefinite"/>
+                      </p:stCondLst>
+                      <p:childTnLst>
+                        <p:par>
+                          <p:cTn id="4" fill="hold">
+                            <p:stCondLst>
+                              <p:cond delay="0"/>
+                            </p:stCondLst>
+                            <p:childTnLst>
+                              <p:par>
+                                <p:cTn id="5" presetID="1" presetClass="entr" presetSubtype="0" fill="hold" nodeType="clickEffect">
+                                  <p:stCondLst>
+                                    <p:cond delay="0"/>
+                                  </p:stCondLst>
+                                  <p:childTnLst>
+                                    <p:set>
+                                      <p:cBhvr>
+                                        <p:cTn id="6" dur="1" fill="hold">
+                                          <p:stCondLst>
+                                            <p:cond delay="0"/>
+                                          </p:stCondLst>
+                                        </p:cTn>
+                                        <p:tgtEl>
+                                          <p:spTgt spid="4098"/>
+                                        </p:tgtEl>
+                                        <p:attrNameLst>
+                                          <p:attrName>style.visibility</p:attrName>
+                                        </p:attrNameLst>
+                                      </p:cBhvr>
+                                      <p:to>
+                                        <p:strVal val="visible"/>
+                                      </p:to>
+                                    </p:set>
+                                  </p:childTnLst>
+                                </p:cTn>
+                              </p:par>
+                            </p:childTnLst>
+                          </p:cTn>
+                        </p:par>
+                      </p:childTnLst>
+                    </p:cTn>
+                  </p:par>
+                  <p:par>
+                    <p:cTn id="7" fill="hold">
+                      <p:stCondLst>
+                        <p:cond delay="indefinite"/>
+                      </p:stCondLst>
+                      <p:childTnLst>
+                        <p:par>
+                          <p:cTn id="8" fill="hold">
+                            <p:stCondLst>
+                              <p:cond delay="0"/>
+                            </p:stCondLst>
+                            <p:childTnLst>
+                              <p:par>
+                                <p:cTn id="9" presetID="1" presetClass="entr" presetSubtype="0" fill="hold" nodeType="clickEffect">
+                                  <p:stCondLst>
+                                    <p:cond delay="0"/>
+                                  </p:stCondLst>
+                                  <p:childTnLst>
+                                    <p:set>
+                                      <p:cBhvr>
+                                        <p:cTn id="10" dur="1" fill="hold">
+                                          <p:stCondLst>
+                                            <p:cond delay="0"/>
+                                          </p:stCondLst>
+                                        </p:cTn>
+                                        <p:tgtEl>
+                                          <p:spTgt spid="4100"/>
+                                        </p:tgtEl>
+                                        <p:attrNameLst>
+                                          <p:attrName>style.visibility</p:attrName>
+                                        </p:attrNameLst>
+                                      </p:cBhvr>
+                                      <p:to>
+                                        <p:strVal val="visible"/>
+                                      </p:to>
+                                    </p:set>
+                                  </p:childTnLst>
+                                </p:cTn>
+                              </p:par>
+                            </p:childTnLst>
+                          </p:cTn>
+                        </p:par>
+                      </p:childTnLst>
+                    </p:cTn>
+                  </p:par>
+                </p:childTnLst>
+              </p:cTn>
+              <p:prevCondLst>
+                <p:cond evt="onPrev" delay="0">
+                  <p:tgtEl>
+                    <p:sldTgt/>
+                  </p:tgtEl>
+                </p:cond>
+              </p:prevCondLst>
+              <p:nextCondLst>
+                <p:cond evt="onNext" delay="0">
+                  <p:tgtEl>
+                    <p:sldTgt/>
+                  </p:tgtEl>
+                </p:cond>
+              </p:nextCondLst>
+            </p:seq>
+          </p:childTnLst>
+        </p:cTn>
+      </p:par>
+    </p:tnLst>
+  </p:timing>
+</p:sld>
+</file>
+
+<file path=ppt/slides/slide21.xml><?xml version="1.0" encoding="utf-8"?>
+<p:sld xmlns:a="http://schemas.openxmlformats.org/drawingml/2006/main" xmlns:r="http://schemas.openxmlformats.org/officeDocument/2006/relationships" xmlns:p="http://schemas.openxmlformats.org/presentationml/2006/main">
+  <p:cSld>
+    <p:spTree>
+      <p:nvGrpSpPr>
+        <p:cNvPr id="1" name="Shape 197"/>
+        <p:cNvGrpSpPr/>
+        <p:nvPr/>
+      </p:nvGrpSpPr>
+      <p:grpSpPr>
+        <a:xfrm>
+          <a:off x="0" y="0"/>
+          <a:ext cx="0" cy="0"/>
+          <a:chOff x="0" y="0"/>
+          <a:chExt cx="0" cy="0"/>
+        </a:xfrm>
+      </p:grpSpPr>
+      <p:sp>
+        <p:nvSpPr>
+          <p:cNvPr id="198" name="Google Shape;198;p24"/>
+          <p:cNvSpPr txBox="1">
+            <a:spLocks noGrp="1"/>
+          </p:cNvSpPr>
+          <p:nvPr>
+            <p:ph type="title"/>
+          </p:nvPr>
+        </p:nvSpPr>
+        <p:spPr>
+          <a:xfrm>
+            <a:off x="90677" y="133067"/>
+            <a:ext cx="8389897" cy="480210"/>
+          </a:xfrm>
+          <a:prstGeom prst="rect">
+            <a:avLst/>
+          </a:prstGeom>
+        </p:spPr>
+        <p:txBody>
+          <a:bodyPr spcFirstLastPara="1" wrap="square" lIns="91425" tIns="91425" rIns="91425" bIns="91425" anchor="b" anchorCtr="0">
+            <a:noAutofit/>
+          </a:bodyPr>
+          <a:lstStyle/>
+          <a:p>
+            <a:pPr marL="0" lvl="0" indent="0" algn="l" rtl="0">
+              <a:spcBef>
+                <a:spcPts val="0"/>
+              </a:spcBef>
+              <a:spcAft>
+                <a:spcPts val="0"/>
+              </a:spcAft>
+              <a:buNone/>
+            </a:pPr>
+            <a:r>
+              <a:rPr lang="ko-KR" altLang="en-US" sz="2400" dirty="0">
+                <a:latin typeface="마루 부리 Beta" panose="020B0600000101010101" pitchFamily="50" charset="-127"/>
+                <a:ea typeface="마루 부리 Beta" panose="020B0600000101010101" pitchFamily="50" charset="-127"/>
+              </a:rPr>
+              <a:t>원격 저장소에 올리기</a:t>
+            </a:r>
+            <a:endParaRPr sz="2400" dirty="0">
+              <a:latin typeface="마루 부리 Beta" panose="020B0600000101010101" pitchFamily="50" charset="-127"/>
+              <a:ea typeface="마루 부리 Beta" panose="020B0600000101010101" pitchFamily="50" charset="-127"/>
+            </a:endParaRPr>
+          </a:p>
+        </p:txBody>
+      </p:sp>
+      <p:sp>
+        <p:nvSpPr>
+          <p:cNvPr id="200" name="Google Shape;200;p24"/>
+          <p:cNvSpPr txBox="1">
+            <a:spLocks noGrp="1"/>
+          </p:cNvSpPr>
+          <p:nvPr>
+            <p:ph type="sldNum" idx="12"/>
+          </p:nvPr>
+        </p:nvSpPr>
+        <p:spPr>
+          <a:xfrm>
+            <a:off x="8480575" y="4696933"/>
+            <a:ext cx="548700" cy="313500"/>
+          </a:xfrm>
+          <a:prstGeom prst="rect">
+            <a:avLst/>
+          </a:prstGeom>
+        </p:spPr>
+        <p:txBody>
+          <a:bodyPr spcFirstLastPara="1" wrap="square" lIns="91425" tIns="91425" rIns="91425" bIns="91425" anchor="t" anchorCtr="0">
+            <a:noAutofit/>
+          </a:bodyPr>
+          <a:lstStyle/>
+          <a:p>
+            <a:pPr marL="0" lvl="0" indent="0" algn="r" rtl="0">
+              <a:spcBef>
+                <a:spcPts val="0"/>
+              </a:spcBef>
+              <a:spcAft>
+                <a:spcPts val="0"/>
+              </a:spcAft>
+              <a:buNone/>
+            </a:pPr>
+            <a:fld id="{00000000-1234-1234-1234-123412341234}" type="slidenum">
+              <a:rPr lang="en"/>
+              <a:t>21</a:t>
+            </a:fld>
+            <a:endParaRPr/>
+          </a:p>
+        </p:txBody>
+      </p:sp>
+      <p:pic>
+        <p:nvPicPr>
+          <p:cNvPr id="3" name="그림 2">
+            <a:extLst>
+              <a:ext uri="{FF2B5EF4-FFF2-40B4-BE49-F238E27FC236}">
+                <a16:creationId xmlns:a16="http://schemas.microsoft.com/office/drawing/2014/main" id="{D54FD9F4-331B-4544-84E4-62460CBEB734}"/>
+              </a:ext>
+            </a:extLst>
+          </p:cNvPr>
+          <p:cNvPicPr>
+            <a:picLocks noChangeAspect="1"/>
+          </p:cNvPicPr>
+          <p:nvPr/>
+        </p:nvPicPr>
+        <p:blipFill>
+          <a:blip r:embed="rId3"/>
+          <a:stretch>
+            <a:fillRect/>
+          </a:stretch>
+        </p:blipFill>
+        <p:spPr>
+          <a:xfrm>
+            <a:off x="1706419" y="1438110"/>
+            <a:ext cx="6003375" cy="3267867"/>
+          </a:xfrm>
+          <a:prstGeom prst="rect">
+            <a:avLst/>
+          </a:prstGeom>
+        </p:spPr>
+      </p:pic>
+      <p:sp>
+        <p:nvSpPr>
+          <p:cNvPr id="9" name="TextBox 8">
+            <a:extLst>
+              <a:ext uri="{FF2B5EF4-FFF2-40B4-BE49-F238E27FC236}">
+                <a16:creationId xmlns:a16="http://schemas.microsoft.com/office/drawing/2014/main" id="{5A42AD9C-62FF-4268-B03D-E23D804461C6}"/>
+              </a:ext>
+            </a:extLst>
+          </p:cNvPr>
+          <p:cNvSpPr txBox="1"/>
+          <p:nvPr/>
+        </p:nvSpPr>
+        <p:spPr>
+          <a:xfrm>
+            <a:off x="558882" y="918287"/>
+            <a:ext cx="8470393" cy="369332"/>
+          </a:xfrm>
+          <a:prstGeom prst="rect">
+            <a:avLst/>
+          </a:prstGeom>
+          <a:noFill/>
+        </p:spPr>
+        <p:txBody>
+          <a:bodyPr wrap="square">
+            <a:spAutoFit/>
+          </a:bodyPr>
+          <a:lstStyle/>
+          <a:p>
+            <a:r>
+              <a:rPr lang="ko-KR" altLang="en-US" sz="1800" b="0" i="0" dirty="0">
+                <a:solidFill>
+                  <a:srgbClr val="666666"/>
+                </a:solidFill>
+                <a:effectLst/>
+                <a:latin typeface="마루 부리 Beta" panose="020B0600000101010101" pitchFamily="50" charset="-127"/>
+                <a:ea typeface="마루 부리 Beta" panose="020B0600000101010101" pitchFamily="50" charset="-127"/>
+              </a:rPr>
+              <a:t>새로운 </a:t>
+            </a:r>
+            <a:r>
+              <a:rPr lang="ko-KR" altLang="en-US" sz="1800" b="0" i="0" dirty="0" err="1">
+                <a:solidFill>
+                  <a:srgbClr val="666666"/>
+                </a:solidFill>
+                <a:effectLst/>
+                <a:latin typeface="마루 부리 Beta" panose="020B0600000101010101" pitchFamily="50" charset="-127"/>
+                <a:ea typeface="마루 부리 Beta" panose="020B0600000101010101" pitchFamily="50" charset="-127"/>
+              </a:rPr>
+              <a:t>커밋을</a:t>
+            </a:r>
+            <a:r>
+              <a:rPr lang="ko-KR" altLang="en-US" sz="1800" b="0" i="0" dirty="0">
+                <a:solidFill>
+                  <a:srgbClr val="666666"/>
+                </a:solidFill>
+                <a:effectLst/>
+                <a:latin typeface="마루 부리 Beta" panose="020B0600000101010101" pitchFamily="50" charset="-127"/>
+                <a:ea typeface="마루 부리 Beta" panose="020B0600000101010101" pitchFamily="50" charset="-127"/>
+              </a:rPr>
+              <a:t> 만들고 원격 저장소로 </a:t>
+            </a:r>
+            <a:r>
+              <a:rPr lang="en-US" altLang="ko-KR" sz="1800" b="0" i="0" dirty="0">
+                <a:solidFill>
+                  <a:srgbClr val="666666"/>
+                </a:solidFill>
+                <a:effectLst/>
+                <a:latin typeface="마루 부리 Beta" panose="020B0600000101010101" pitchFamily="50" charset="-127"/>
+                <a:ea typeface="마루 부리 Beta" panose="020B0600000101010101" pitchFamily="50" charset="-127"/>
+              </a:rPr>
+              <a:t>push -&gt; </a:t>
+            </a:r>
+            <a:r>
+              <a:rPr lang="ko-KR" altLang="en-US" sz="1800" dirty="0">
+                <a:solidFill>
+                  <a:srgbClr val="666666"/>
+                </a:solidFill>
+                <a:latin typeface="마루 부리 Beta" panose="020B0600000101010101" pitchFamily="50" charset="-127"/>
+                <a:ea typeface="마루 부리 Beta" panose="020B0600000101010101" pitchFamily="50" charset="-127"/>
+              </a:rPr>
+              <a:t>새롭게 수정된 파일이 들어가 있음</a:t>
+            </a:r>
+            <a:endParaRPr lang="ko-KR" altLang="en-US" sz="1800" dirty="0">
+              <a:latin typeface="마루 부리 Beta" panose="020B0600000101010101" pitchFamily="50" charset="-127"/>
+              <a:ea typeface="마루 부리 Beta" panose="020B0600000101010101" pitchFamily="50" charset="-127"/>
+            </a:endParaRPr>
+          </a:p>
+        </p:txBody>
+      </p:sp>
+      <p:pic>
+        <p:nvPicPr>
+          <p:cNvPr id="5" name="그림 4">
+            <a:extLst>
+              <a:ext uri="{FF2B5EF4-FFF2-40B4-BE49-F238E27FC236}">
+                <a16:creationId xmlns:a16="http://schemas.microsoft.com/office/drawing/2014/main" id="{3CD0FF44-342B-44F0-B458-09F66D592B60}"/>
+              </a:ext>
+            </a:extLst>
+          </p:cNvPr>
+          <p:cNvPicPr>
+            <a:picLocks noChangeAspect="1"/>
+          </p:cNvPicPr>
+          <p:nvPr/>
+        </p:nvPicPr>
+        <p:blipFill>
+          <a:blip r:embed="rId4"/>
+          <a:stretch>
+            <a:fillRect/>
+          </a:stretch>
+        </p:blipFill>
+        <p:spPr>
+          <a:xfrm>
+            <a:off x="1434206" y="2192064"/>
+            <a:ext cx="6401693" cy="1600423"/>
+          </a:xfrm>
+          <a:prstGeom prst="rect">
+            <a:avLst/>
+          </a:prstGeom>
+        </p:spPr>
+      </p:pic>
+    </p:spTree>
+    <p:extLst>
+      <p:ext uri="{BB962C8B-B14F-4D97-AF65-F5344CB8AC3E}">
+        <p14:creationId xmlns:p14="http://schemas.microsoft.com/office/powerpoint/2010/main" val="2159617431"/>
+      </p:ext>
+    </p:extLst>
+  </p:cSld>
+  <p:clrMapOvr>
+    <a:masterClrMapping/>
+  </p:clrMapOvr>
+  <p:timing>
+    <p:tnLst>
+      <p:par>
+        <p:cTn id="1" dur="indefinite" restart="never" nodeType="tmRoot">
+          <p:childTnLst>
+            <p:seq concurrent="1" nextAc="seek">
+              <p:cTn id="2" dur="indefinite" nodeType="mainSeq">
+                <p:childTnLst>
+                  <p:par>
+                    <p:cTn id="3" fill="hold">
+                      <p:stCondLst>
+                        <p:cond delay="indefinite"/>
+                      </p:stCondLst>
+                      <p:childTnLst>
+                        <p:par>
+                          <p:cTn id="4" fill="hold">
+                            <p:stCondLst>
+                              <p:cond delay="0"/>
+                            </p:stCondLst>
+                            <p:childTnLst>
+                              <p:par>
+                                <p:cTn id="5" presetID="1" presetClass="exit" presetSubtype="0" fill="hold" nodeType="clickEffect">
+                                  <p:stCondLst>
+                                    <p:cond delay="0"/>
+                                  </p:stCondLst>
+                                  <p:childTnLst>
+                                    <p:set>
+                                      <p:cBhvr>
+                                        <p:cTn id="6" dur="1" fill="hold">
+                                          <p:stCondLst>
+                                            <p:cond delay="0"/>
+                                          </p:stCondLst>
+                                        </p:cTn>
+                                        <p:tgtEl>
+                                          <p:spTgt spid="3"/>
+                                        </p:tgtEl>
+                                        <p:attrNameLst>
+                                          <p:attrName>style.visibility</p:attrName>
+                                        </p:attrNameLst>
+                                      </p:cBhvr>
+                                      <p:to>
+                                        <p:strVal val="hidden"/>
+                                      </p:to>
+                                    </p:set>
+                                  </p:childTnLst>
+                                </p:cTn>
+                              </p:par>
+                            </p:childTnLst>
+                          </p:cTn>
+                        </p:par>
+                      </p:childTnLst>
+                    </p:cTn>
+                  </p:par>
+                  <p:par>
+                    <p:cTn id="7" fill="hold">
+                      <p:stCondLst>
+                        <p:cond delay="indefinite"/>
+                      </p:stCondLst>
+                      <p:childTnLst>
+                        <p:par>
+                          <p:cTn id="8" fill="hold">
+                            <p:stCondLst>
+                              <p:cond delay="0"/>
+                            </p:stCondLst>
+                            <p:childTnLst>
+                              <p:par>
+                                <p:cTn id="9" presetID="1" presetClass="entr" presetSubtype="0" fill="hold" nodeType="clickEffect">
+                                  <p:stCondLst>
+                                    <p:cond delay="0"/>
+                                  </p:stCondLst>
+                                  <p:childTnLst>
+                                    <p:set>
+                                      <p:cBhvr>
+                                        <p:cTn id="10" dur="1" fill="hold">
+                                          <p:stCondLst>
+                                            <p:cond delay="0"/>
+                                          </p:stCondLst>
+                                        </p:cTn>
+                                        <p:tgtEl>
+                                          <p:spTgt spid="5"/>
+                                        </p:tgtEl>
+                                        <p:attrNameLst>
+                                          <p:attrName>style.visibility</p:attrName>
+                                        </p:attrNameLst>
+                                      </p:cBhvr>
+                                      <p:to>
+                                        <p:strVal val="visible"/>
+                                      </p:to>
+                                    </p:set>
+                                  </p:childTnLst>
+                                </p:cTn>
+                              </p:par>
+                            </p:childTnLst>
+                          </p:cTn>
+                        </p:par>
+                      </p:childTnLst>
+                    </p:cTn>
+                  </p:par>
+                </p:childTnLst>
+              </p:cTn>
+              <p:prevCondLst>
+                <p:cond evt="onPrev" delay="0">
+                  <p:tgtEl>
+                    <p:sldTgt/>
+                  </p:tgtEl>
+                </p:cond>
+              </p:prevCondLst>
+              <p:nextCondLst>
+                <p:cond evt="onNext" delay="0">
+                  <p:tgtEl>
+                    <p:sldTgt/>
+                  </p:tgtEl>
+                </p:cond>
+              </p:nextCondLst>
+            </p:seq>
+          </p:childTnLst>
+        </p:cTn>
+      </p:par>
+    </p:tnLst>
+  </p:timing>
+</p:sld>
+</file>
+
+<file path=ppt/slides/slide22.xml><?xml version="1.0" encoding="utf-8"?>
+<p:sld xmlns:a="http://schemas.openxmlformats.org/drawingml/2006/main" xmlns:r="http://schemas.openxmlformats.org/officeDocument/2006/relationships" xmlns:p="http://schemas.openxmlformats.org/presentationml/2006/main">
+  <p:cSld>
+    <p:spTree>
+      <p:nvGrpSpPr>
+        <p:cNvPr id="1" name="Shape 197"/>
+        <p:cNvGrpSpPr/>
+        <p:nvPr/>
+      </p:nvGrpSpPr>
+      <p:grpSpPr>
+        <a:xfrm>
+          <a:off x="0" y="0"/>
+          <a:ext cx="0" cy="0"/>
+          <a:chOff x="0" y="0"/>
+          <a:chExt cx="0" cy="0"/>
+        </a:xfrm>
+      </p:grpSpPr>
+      <p:sp>
+        <p:nvSpPr>
+          <p:cNvPr id="198" name="Google Shape;198;p24"/>
+          <p:cNvSpPr txBox="1">
+            <a:spLocks noGrp="1"/>
+          </p:cNvSpPr>
+          <p:nvPr>
+            <p:ph type="title"/>
+          </p:nvPr>
+        </p:nvSpPr>
+        <p:spPr>
+          <a:xfrm>
+            <a:off x="90677" y="133067"/>
+            <a:ext cx="8389897" cy="480210"/>
+          </a:xfrm>
+          <a:prstGeom prst="rect">
+            <a:avLst/>
+          </a:prstGeom>
+        </p:spPr>
+        <p:txBody>
+          <a:bodyPr spcFirstLastPara="1" wrap="square" lIns="91425" tIns="91425" rIns="91425" bIns="91425" anchor="b" anchorCtr="0">
+            <a:noAutofit/>
+          </a:bodyPr>
+          <a:lstStyle/>
+          <a:p>
+            <a:pPr marL="0" lvl="0" indent="0" algn="l" rtl="0">
+              <a:spcBef>
+                <a:spcPts val="0"/>
+              </a:spcBef>
+              <a:spcAft>
+                <a:spcPts val="0"/>
+              </a:spcAft>
+              <a:buNone/>
+            </a:pPr>
+            <a:r>
+              <a:rPr lang="ko-KR" altLang="en-US" sz="2400" dirty="0">
+                <a:latin typeface="마루 부리 Beta" panose="020B0600000101010101" pitchFamily="50" charset="-127"/>
+                <a:ea typeface="마루 부리 Beta" panose="020B0600000101010101" pitchFamily="50" charset="-127"/>
+              </a:rPr>
+              <a:t>원격 저장소에서 </a:t>
+            </a:r>
+            <a:r>
+              <a:rPr lang="ko-KR" altLang="en-US" sz="2400" dirty="0" err="1">
+                <a:latin typeface="마루 부리 Beta" panose="020B0600000101010101" pitchFamily="50" charset="-127"/>
+                <a:ea typeface="마루 부리 Beta" panose="020B0600000101010101" pitchFamily="50" charset="-127"/>
+              </a:rPr>
+              <a:t>내려받기</a:t>
+            </a:r>
+            <a:endParaRPr sz="2400" dirty="0">
+              <a:latin typeface="마루 부리 Beta" panose="020B0600000101010101" pitchFamily="50" charset="-127"/>
+              <a:ea typeface="마루 부리 Beta" panose="020B0600000101010101" pitchFamily="50" charset="-127"/>
+            </a:endParaRPr>
+          </a:p>
+        </p:txBody>
+      </p:sp>
+      <p:sp>
+        <p:nvSpPr>
+          <p:cNvPr id="200" name="Google Shape;200;p24"/>
+          <p:cNvSpPr txBox="1">
+            <a:spLocks noGrp="1"/>
+          </p:cNvSpPr>
+          <p:nvPr>
+            <p:ph type="sldNum" idx="12"/>
+          </p:nvPr>
+        </p:nvSpPr>
+        <p:spPr>
+          <a:xfrm>
+            <a:off x="8480575" y="4696933"/>
+            <a:ext cx="548700" cy="313500"/>
+          </a:xfrm>
+          <a:prstGeom prst="rect">
+            <a:avLst/>
+          </a:prstGeom>
+        </p:spPr>
+        <p:txBody>
+          <a:bodyPr spcFirstLastPara="1" wrap="square" lIns="91425" tIns="91425" rIns="91425" bIns="91425" anchor="t" anchorCtr="0">
+            <a:noAutofit/>
+          </a:bodyPr>
+          <a:lstStyle/>
+          <a:p>
+            <a:pPr marL="0" lvl="0" indent="0" algn="r" rtl="0">
+              <a:spcBef>
+                <a:spcPts val="0"/>
+              </a:spcBef>
+              <a:spcAft>
+                <a:spcPts val="0"/>
+              </a:spcAft>
+              <a:buNone/>
+            </a:pPr>
+            <a:fld id="{00000000-1234-1234-1234-123412341234}" type="slidenum">
+              <a:rPr lang="en"/>
+              <a:t>22</a:t>
+            </a:fld>
+            <a:endParaRPr/>
+          </a:p>
+        </p:txBody>
+      </p:sp>
+      <p:sp>
+        <p:nvSpPr>
+          <p:cNvPr id="7" name="TextBox 6">
+            <a:extLst>
+              <a:ext uri="{FF2B5EF4-FFF2-40B4-BE49-F238E27FC236}">
+                <a16:creationId xmlns:a16="http://schemas.microsoft.com/office/drawing/2014/main" id="{9318125A-48A2-4FEB-B850-F1DA08225267}"/>
+              </a:ext>
+            </a:extLst>
+          </p:cNvPr>
+          <p:cNvSpPr txBox="1"/>
+          <p:nvPr/>
+        </p:nvSpPr>
+        <p:spPr>
+          <a:xfrm>
+            <a:off x="2499128" y="663878"/>
+            <a:ext cx="3962861" cy="461665"/>
+          </a:xfrm>
+          <a:prstGeom prst="rect">
+            <a:avLst/>
+          </a:prstGeom>
+          <a:noFill/>
+        </p:spPr>
+        <p:txBody>
+          <a:bodyPr wrap="square">
+            <a:spAutoFit/>
+          </a:bodyPr>
+          <a:lstStyle/>
+          <a:p>
+            <a:r>
+              <a:rPr lang="en-US" altLang="ko-KR" sz="2400" b="0" i="0" dirty="0">
+                <a:solidFill>
+                  <a:srgbClr val="666666"/>
+                </a:solidFill>
+                <a:effectLst/>
+                <a:latin typeface="마루 부리 Beta" panose="020B0600000101010101" pitchFamily="50" charset="-127"/>
+                <a:ea typeface="마루 부리 Beta" panose="020B0600000101010101" pitchFamily="50" charset="-127"/>
+              </a:rPr>
+              <a:t>$ git </a:t>
+            </a:r>
+            <a:r>
+              <a:rPr lang="en-US" altLang="ko-KR" sz="2400" dirty="0">
+                <a:solidFill>
+                  <a:srgbClr val="666666"/>
+                </a:solidFill>
+                <a:latin typeface="마루 부리 Beta" panose="020B0600000101010101" pitchFamily="50" charset="-127"/>
+                <a:ea typeface="마루 부리 Beta" panose="020B0600000101010101" pitchFamily="50" charset="-127"/>
+              </a:rPr>
+              <a:t>pull</a:t>
+            </a:r>
+            <a:r>
+              <a:rPr lang="ko-KR" altLang="en-US" sz="2400" dirty="0">
+                <a:solidFill>
+                  <a:srgbClr val="666666"/>
+                </a:solidFill>
+                <a:latin typeface="마루 부리 Beta" panose="020B0600000101010101" pitchFamily="50" charset="-127"/>
+                <a:ea typeface="마루 부리 Beta" panose="020B0600000101010101" pitchFamily="50" charset="-127"/>
+              </a:rPr>
+              <a:t> </a:t>
+            </a:r>
+            <a:r>
+              <a:rPr lang="en-US" altLang="ko-KR" sz="2400" dirty="0">
+                <a:solidFill>
+                  <a:srgbClr val="666666"/>
+                </a:solidFill>
+                <a:latin typeface="마루 부리 Beta" panose="020B0600000101010101" pitchFamily="50" charset="-127"/>
+                <a:ea typeface="마루 부리 Beta" panose="020B0600000101010101" pitchFamily="50" charset="-127"/>
+              </a:rPr>
+              <a:t>origin</a:t>
+            </a:r>
+            <a:r>
+              <a:rPr lang="ko-KR" altLang="en-US" sz="2400" dirty="0">
+                <a:solidFill>
+                  <a:srgbClr val="666666"/>
+                </a:solidFill>
+                <a:latin typeface="마루 부리 Beta" panose="020B0600000101010101" pitchFamily="50" charset="-127"/>
+                <a:ea typeface="마루 부리 Beta" panose="020B0600000101010101" pitchFamily="50" charset="-127"/>
+              </a:rPr>
+              <a:t> </a:t>
+            </a:r>
+            <a:r>
+              <a:rPr lang="en-US" altLang="ko-KR" sz="2400" dirty="0">
+                <a:solidFill>
+                  <a:srgbClr val="666666"/>
+                </a:solidFill>
+                <a:latin typeface="마루 부리 Beta" panose="020B0600000101010101" pitchFamily="50" charset="-127"/>
+                <a:ea typeface="마루 부리 Beta" panose="020B0600000101010101" pitchFamily="50" charset="-127"/>
+              </a:rPr>
+              <a:t>master</a:t>
+            </a:r>
+            <a:endParaRPr lang="ko-KR" altLang="en-US" sz="2400" dirty="0">
+              <a:latin typeface="마루 부리 Beta" panose="020B0600000101010101" pitchFamily="50" charset="-127"/>
+              <a:ea typeface="마루 부리 Beta" panose="020B0600000101010101" pitchFamily="50" charset="-127"/>
+            </a:endParaRPr>
+          </a:p>
+        </p:txBody>
+      </p:sp>
+      <p:pic>
+        <p:nvPicPr>
+          <p:cNvPr id="8" name="그림 7">
+            <a:extLst>
+              <a:ext uri="{FF2B5EF4-FFF2-40B4-BE49-F238E27FC236}">
+                <a16:creationId xmlns:a16="http://schemas.microsoft.com/office/drawing/2014/main" id="{BFB3C128-A6E9-4852-A566-90A7B189B72B}"/>
+              </a:ext>
+            </a:extLst>
+          </p:cNvPr>
+          <p:cNvPicPr>
+            <a:picLocks noChangeAspect="1"/>
+          </p:cNvPicPr>
+          <p:nvPr/>
+        </p:nvPicPr>
+        <p:blipFill>
+          <a:blip r:embed="rId3"/>
+          <a:stretch>
+            <a:fillRect/>
+          </a:stretch>
+        </p:blipFill>
+        <p:spPr>
+          <a:xfrm>
+            <a:off x="1371152" y="1944860"/>
+            <a:ext cx="6401693" cy="2076740"/>
+          </a:xfrm>
+          <a:prstGeom prst="rect">
+            <a:avLst/>
+          </a:prstGeom>
+        </p:spPr>
+      </p:pic>
+      <p:pic>
+        <p:nvPicPr>
+          <p:cNvPr id="4" name="그림 3">
+            <a:extLst>
+              <a:ext uri="{FF2B5EF4-FFF2-40B4-BE49-F238E27FC236}">
+                <a16:creationId xmlns:a16="http://schemas.microsoft.com/office/drawing/2014/main" id="{5B8E9D26-3DA9-40BE-8BAC-B9D3BDF5616E}"/>
+              </a:ext>
+            </a:extLst>
+          </p:cNvPr>
+          <p:cNvPicPr>
+            <a:picLocks noChangeAspect="1"/>
+          </p:cNvPicPr>
+          <p:nvPr/>
+        </p:nvPicPr>
+        <p:blipFill>
+          <a:blip r:embed="rId4"/>
+          <a:stretch>
+            <a:fillRect/>
+          </a:stretch>
+        </p:blipFill>
+        <p:spPr>
+          <a:xfrm>
+            <a:off x="1147284" y="1347994"/>
+            <a:ext cx="6849431" cy="3505689"/>
+          </a:xfrm>
+          <a:prstGeom prst="rect">
+            <a:avLst/>
+          </a:prstGeom>
+        </p:spPr>
+      </p:pic>
+    </p:spTree>
+    <p:extLst>
+      <p:ext uri="{BB962C8B-B14F-4D97-AF65-F5344CB8AC3E}">
+        <p14:creationId xmlns:p14="http://schemas.microsoft.com/office/powerpoint/2010/main" val="1365219688"/>
+      </p:ext>
+    </p:extLst>
+  </p:cSld>
+  <p:clrMapOvr>
+    <a:masterClrMapping/>
+  </p:clrMapOvr>
+  <p:timing>
+    <p:tnLst>
+      <p:par>
+        <p:cTn id="1" dur="indefinite" restart="never" nodeType="tmRoot">
+          <p:childTnLst>
+            <p:seq concurrent="1" nextAc="seek">
+              <p:cTn id="2" dur="indefinite" nodeType="mainSeq">
+                <p:childTnLst>
+                  <p:par>
+                    <p:cTn id="3" fill="hold">
+                      <p:stCondLst>
+                        <p:cond delay="indefinite"/>
+                      </p:stCondLst>
+                      <p:childTnLst>
+                        <p:par>
+                          <p:cTn id="4" fill="hold">
+                            <p:stCondLst>
+                              <p:cond delay="0"/>
+                            </p:stCondLst>
+                            <p:childTnLst>
+                              <p:par>
+                                <p:cTn id="5" presetID="1" presetClass="entr" presetSubtype="0" fill="hold" nodeType="clickEffect">
+                                  <p:stCondLst>
+                                    <p:cond delay="0"/>
+                                  </p:stCondLst>
+                                  <p:childTnLst>
+                                    <p:set>
+                                      <p:cBhvr>
+                                        <p:cTn id="6" dur="1" fill="hold">
+                                          <p:stCondLst>
+                                            <p:cond delay="0"/>
+                                          </p:stCondLst>
+                                        </p:cTn>
+                                        <p:tgtEl>
+                                          <p:spTgt spid="4"/>
+                                        </p:tgtEl>
+                                        <p:attrNameLst>
+                                          <p:attrName>style.visibility</p:attrName>
+                                        </p:attrNameLst>
+                                      </p:cBhvr>
+                                      <p:to>
+                                        <p:strVal val="visible"/>
+                                      </p:to>
+                                    </p:set>
+                                  </p:childTnLst>
+                                </p:cTn>
+                              </p:par>
+                            </p:childTnLst>
+                          </p:cTn>
+                        </p:par>
+                      </p:childTnLst>
+                    </p:cTn>
+                  </p:par>
+                </p:childTnLst>
+              </p:cTn>
+              <p:prevCondLst>
+                <p:cond evt="onPrev" delay="0">
+                  <p:tgtEl>
+                    <p:sldTgt/>
+                  </p:tgtEl>
+                </p:cond>
+              </p:prevCondLst>
+              <p:nextCondLst>
+                <p:cond evt="onNext" delay="0">
+                  <p:tgtEl>
+                    <p:sldTgt/>
+                  </p:tgtEl>
+                </p:cond>
+              </p:nextCondLst>
+            </p:seq>
+          </p:childTnLst>
+        </p:cTn>
+      </p:par>
+    </p:tnLst>
+  </p:timing>
+</p:sld>
+</file>
+
+<file path=ppt/slides/slide23.xml><?xml version="1.0" encoding="utf-8"?>
+<p:sld xmlns:a="http://schemas.openxmlformats.org/drawingml/2006/main" xmlns:r="http://schemas.openxmlformats.org/officeDocument/2006/relationships" xmlns:p="http://schemas.openxmlformats.org/presentationml/2006/main">
+  <p:cSld>
+    <p:spTree>
+      <p:nvGrpSpPr>
+        <p:cNvPr id="1" name="Shape 110"/>
+        <p:cNvGrpSpPr/>
+        <p:nvPr/>
+      </p:nvGrpSpPr>
+      <p:grpSpPr>
+        <a:xfrm>
+          <a:off x="0" y="0"/>
+          <a:ext cx="0" cy="0"/>
+          <a:chOff x="0" y="0"/>
+          <a:chExt cx="0" cy="0"/>
+        </a:xfrm>
+      </p:grpSpPr>
+      <p:sp>
+        <p:nvSpPr>
+          <p:cNvPr id="111" name="Google Shape;111;p15"/>
+          <p:cNvSpPr txBox="1">
+            <a:spLocks noGrp="1"/>
+          </p:cNvSpPr>
+          <p:nvPr>
+            <p:ph type="ctrTitle"/>
+          </p:nvPr>
+        </p:nvSpPr>
+        <p:spPr>
+          <a:xfrm>
+            <a:off x="621507" y="1221581"/>
+            <a:ext cx="7772400" cy="2028767"/>
+          </a:xfrm>
+          <a:prstGeom prst="rect">
+            <a:avLst/>
+          </a:prstGeom>
+        </p:spPr>
+        <p:txBody>
+          <a:bodyPr spcFirstLastPara="1" wrap="square" lIns="91425" tIns="91425" rIns="91425" bIns="91425" anchor="b" anchorCtr="0">
+            <a:noAutofit/>
+          </a:bodyPr>
+          <a:lstStyle/>
+          <a:p>
+            <a:pPr marL="0" lvl="0" indent="0" algn="l" rtl="0">
+              <a:spcBef>
+                <a:spcPts val="0"/>
+              </a:spcBef>
+              <a:spcAft>
+                <a:spcPts val="0"/>
+              </a:spcAft>
+              <a:buNone/>
+            </a:pPr>
+            <a:r>
+              <a:rPr lang="en" sz="7200" dirty="0">
+                <a:solidFill>
+                  <a:schemeClr val="accent2"/>
+                </a:solidFill>
+              </a:rPr>
+              <a:t>3.</a:t>
+            </a:r>
+            <a:endParaRPr sz="7200" dirty="0">
+              <a:solidFill>
+                <a:schemeClr val="accent2"/>
+              </a:solidFill>
+            </a:endParaRPr>
+          </a:p>
+          <a:p>
+            <a:pPr marL="0" lvl="0" indent="0" algn="l" rtl="0">
+              <a:spcBef>
+                <a:spcPts val="600"/>
+              </a:spcBef>
+              <a:spcAft>
+                <a:spcPts val="0"/>
+              </a:spcAft>
+              <a:buNone/>
+            </a:pPr>
+            <a:r>
+              <a:rPr lang="en-US" altLang="ko-KR" sz="4800" dirty="0"/>
+              <a:t>GitHub Pages</a:t>
+            </a:r>
+          </a:p>
+        </p:txBody>
+      </p:sp>
+      <p:sp>
+        <p:nvSpPr>
+          <p:cNvPr id="113" name="Google Shape;113;p15"/>
+          <p:cNvSpPr txBox="1">
+            <a:spLocks noGrp="1"/>
+          </p:cNvSpPr>
+          <p:nvPr>
+            <p:ph type="sldNum" idx="12"/>
+          </p:nvPr>
+        </p:nvSpPr>
+        <p:spPr>
+          <a:xfrm>
+            <a:off x="-125" y="4830281"/>
+            <a:ext cx="9144000" cy="313500"/>
+          </a:xfrm>
+          <a:prstGeom prst="rect">
+            <a:avLst/>
+          </a:prstGeom>
+        </p:spPr>
+        <p:txBody>
+          <a:bodyPr spcFirstLastPara="1" wrap="square" lIns="91425" tIns="91425" rIns="91425" bIns="91425" anchor="t" anchorCtr="0">
+            <a:noAutofit/>
+          </a:bodyPr>
+          <a:lstStyle/>
+          <a:p>
+            <a:pPr marL="0" lvl="0" indent="0" algn="ctr" rtl="0">
+              <a:spcBef>
+                <a:spcPts val="0"/>
+              </a:spcBef>
+              <a:spcAft>
+                <a:spcPts val="0"/>
+              </a:spcAft>
+              <a:buNone/>
+            </a:pPr>
+            <a:fld id="{00000000-1234-1234-1234-123412341234}" type="slidenum">
+              <a:rPr lang="en"/>
+              <a:t>23</a:t>
+            </a:fld>
+            <a:endParaRPr/>
+          </a:p>
+        </p:txBody>
+      </p:sp>
+    </p:spTree>
+    <p:extLst>
+      <p:ext uri="{BB962C8B-B14F-4D97-AF65-F5344CB8AC3E}">
         <p14:creationId xmlns:p14="http://schemas.microsoft.com/office/powerpoint/2010/main" val="1620251038"/>
       </p:ext>
     </p:extLst>
@@ -16699,7 +20817,7 @@
 </p:sld>
 </file>
 
-<file path=ppt/slides/slide17.xml><?xml version="1.0" encoding="utf-8"?>
+<file path=ppt/slides/slide24.xml><?xml version="1.0" encoding="utf-8"?>
 <p:sld xmlns:a="http://schemas.openxmlformats.org/drawingml/2006/main" xmlns:r="http://schemas.openxmlformats.org/officeDocument/2006/relationships" xmlns:p="http://schemas.openxmlformats.org/presentationml/2006/main">
   <p:cSld>
     <p:spTree>
@@ -16752,7 +20870,7 @@
             </a:pPr>
             <a:fld id="{00000000-1234-1234-1234-123412341234}" type="slidenum">
               <a:rPr lang="en"/>
-              <a:t>17</a:t>
+              <a:t>24</a:t>
             </a:fld>
             <a:endParaRPr/>
           </a:p>
@@ -16796,7 +20914,7 @@
 </p:sld>
 </file>
 
-<file path=ppt/slides/slide18.xml><?xml version="1.0" encoding="utf-8"?>
+<file path=ppt/slides/slide25.xml><?xml version="1.0" encoding="utf-8"?>
 <p:sld xmlns:a="http://schemas.openxmlformats.org/drawingml/2006/main" xmlns:r="http://schemas.openxmlformats.org/officeDocument/2006/relationships" xmlns:p="http://schemas.openxmlformats.org/presentationml/2006/main">
   <p:cSld>
     <p:spTree>
@@ -16849,7 +20967,7 @@
             </a:pPr>
             <a:fld id="{00000000-1234-1234-1234-123412341234}" type="slidenum">
               <a:rPr lang="en"/>
-              <a:t>18</a:t>
+              <a:t>25</a:t>
             </a:fld>
             <a:endParaRPr/>
           </a:p>
@@ -17123,7 +21241,7 @@
 </p:sld>
 </file>
 
-<file path=ppt/slides/slide19.xml><?xml version="1.0" encoding="utf-8"?>
+<file path=ppt/slides/slide26.xml><?xml version="1.0" encoding="utf-8"?>
 <p:sld xmlns:a="http://schemas.openxmlformats.org/drawingml/2006/main" xmlns:r="http://schemas.openxmlformats.org/officeDocument/2006/relationships" xmlns:p="http://schemas.openxmlformats.org/presentationml/2006/main">
   <p:cSld>
     <p:spTree>
@@ -17176,7 +21294,7 @@
             </a:pPr>
             <a:fld id="{00000000-1234-1234-1234-123412341234}" type="slidenum">
               <a:rPr lang="en"/>
-              <a:t>19</a:t>
+              <a:t>26</a:t>
             </a:fld>
             <a:endParaRPr/>
           </a:p>
@@ -17359,371 +21477,7 @@
 </p:sld>
 </file>
 
-<file path=ppt/slides/slide2.xml><?xml version="1.0" encoding="utf-8"?>
-<p:sld xmlns:a="http://schemas.openxmlformats.org/drawingml/2006/main" xmlns:r="http://schemas.openxmlformats.org/officeDocument/2006/relationships" xmlns:p="http://schemas.openxmlformats.org/presentationml/2006/main">
-  <p:cSld>
-    <p:spTree>
-      <p:nvGrpSpPr>
-        <p:cNvPr id="1" name="Shape 151"/>
-        <p:cNvGrpSpPr/>
-        <p:nvPr/>
-      </p:nvGrpSpPr>
-      <p:grpSpPr>
-        <a:xfrm>
-          <a:off x="0" y="0"/>
-          <a:ext cx="0" cy="0"/>
-          <a:chOff x="0" y="0"/>
-          <a:chExt cx="0" cy="0"/>
-        </a:xfrm>
-      </p:grpSpPr>
-      <p:sp>
-        <p:nvSpPr>
-          <p:cNvPr id="152" name="Google Shape;152;p20"/>
-          <p:cNvSpPr txBox="1">
-            <a:spLocks noGrp="1"/>
-          </p:cNvSpPr>
-          <p:nvPr>
-            <p:ph type="title"/>
-          </p:nvPr>
-        </p:nvSpPr>
-        <p:spPr>
-          <a:xfrm>
-            <a:off x="893700" y="434588"/>
-            <a:ext cx="6462600" cy="857400"/>
-          </a:xfrm>
-          <a:prstGeom prst="rect">
-            <a:avLst/>
-          </a:prstGeom>
-        </p:spPr>
-        <p:txBody>
-          <a:bodyPr spcFirstLastPara="1" wrap="square" lIns="91425" tIns="91425" rIns="91425" bIns="91425" anchor="b" anchorCtr="0">
-            <a:noAutofit/>
-          </a:bodyPr>
-          <a:lstStyle/>
-          <a:p>
-            <a:pPr marL="0" lvl="0" indent="0" algn="l" rtl="0">
-              <a:spcBef>
-                <a:spcPts val="0"/>
-              </a:spcBef>
-              <a:spcAft>
-                <a:spcPts val="0"/>
-              </a:spcAft>
-              <a:buNone/>
-            </a:pPr>
-            <a:r>
-              <a:rPr lang="en" sz="3600" b="1" dirty="0">
-                <a:latin typeface="마루 부리 Beta" panose="020B0600000101010101" pitchFamily="50" charset="-127"/>
-                <a:ea typeface="마루 부리 Beta" panose="020B0600000101010101" pitchFamily="50" charset="-127"/>
-              </a:rPr>
-              <a:t>INDEX</a:t>
-            </a:r>
-            <a:endParaRPr sz="3600" b="1" dirty="0">
-              <a:latin typeface="마루 부리 Beta" panose="020B0600000101010101" pitchFamily="50" charset="-127"/>
-              <a:ea typeface="마루 부리 Beta" panose="020B0600000101010101" pitchFamily="50" charset="-127"/>
-            </a:endParaRPr>
-          </a:p>
-        </p:txBody>
-      </p:sp>
-      <p:sp>
-        <p:nvSpPr>
-          <p:cNvPr id="153" name="Google Shape;153;p20"/>
-          <p:cNvSpPr txBox="1">
-            <a:spLocks noGrp="1"/>
-          </p:cNvSpPr>
-          <p:nvPr>
-            <p:ph type="body" idx="1"/>
-          </p:nvPr>
-        </p:nvSpPr>
-        <p:spPr>
-          <a:xfrm>
-            <a:off x="943706" y="2050256"/>
-            <a:ext cx="2371200" cy="1389900"/>
-          </a:xfrm>
-          <a:prstGeom prst="rect">
-            <a:avLst/>
-          </a:prstGeom>
-        </p:spPr>
-        <p:txBody>
-          <a:bodyPr spcFirstLastPara="1" wrap="square" lIns="91425" tIns="91425" rIns="91425" bIns="91425" anchor="t" anchorCtr="0">
-            <a:noAutofit/>
-          </a:bodyPr>
-          <a:lstStyle/>
-          <a:p>
-            <a:pPr marL="0" lvl="0" indent="0" algn="l" rtl="0">
-              <a:spcBef>
-                <a:spcPts val="600"/>
-              </a:spcBef>
-              <a:spcAft>
-                <a:spcPts val="0"/>
-              </a:spcAft>
-              <a:buNone/>
-            </a:pPr>
-            <a:r>
-              <a:rPr lang="en-US" sz="2800" b="1" dirty="0">
-                <a:solidFill>
-                  <a:srgbClr val="2185C5"/>
-                </a:solidFill>
-                <a:latin typeface="마루 부리 Beta" panose="020B0600000101010101" pitchFamily="50" charset="-127"/>
-                <a:ea typeface="마루 부리 Beta" panose="020B0600000101010101" pitchFamily="50" charset="-127"/>
-              </a:rPr>
-              <a:t>First.</a:t>
-            </a:r>
-            <a:endParaRPr sz="2800" b="1" dirty="0">
-              <a:solidFill>
-                <a:srgbClr val="2185C5"/>
-              </a:solidFill>
-              <a:latin typeface="마루 부리 Beta" panose="020B0600000101010101" pitchFamily="50" charset="-127"/>
-              <a:ea typeface="마루 부리 Beta" panose="020B0600000101010101" pitchFamily="50" charset="-127"/>
-            </a:endParaRPr>
-          </a:p>
-          <a:p>
-            <a:pPr marL="0" lvl="0" indent="0" algn="l" rtl="0">
-              <a:spcBef>
-                <a:spcPts val="600"/>
-              </a:spcBef>
-              <a:spcAft>
-                <a:spcPts val="0"/>
-              </a:spcAft>
-              <a:buNone/>
-            </a:pPr>
-            <a:r>
-              <a:rPr lang="en" sz="2000" b="1" dirty="0">
-                <a:latin typeface="마루 부리 Beta" panose="020B0600000101010101" pitchFamily="50" charset="-127"/>
-                <a:ea typeface="마루 부리 Beta" panose="020B0600000101010101" pitchFamily="50" charset="-127"/>
-              </a:rPr>
-              <a:t>Git </a:t>
-            </a:r>
-            <a:endParaRPr sz="2000" b="1" dirty="0">
-              <a:latin typeface="마루 부리 Beta" panose="020B0600000101010101" pitchFamily="50" charset="-127"/>
-              <a:ea typeface="마루 부리 Beta" panose="020B0600000101010101" pitchFamily="50" charset="-127"/>
-            </a:endParaRPr>
-          </a:p>
-        </p:txBody>
-      </p:sp>
-      <p:sp>
-        <p:nvSpPr>
-          <p:cNvPr id="154" name="Google Shape;154;p20"/>
-          <p:cNvSpPr txBox="1">
-            <a:spLocks noGrp="1"/>
-          </p:cNvSpPr>
-          <p:nvPr>
-            <p:ph type="body" idx="2"/>
-          </p:nvPr>
-        </p:nvSpPr>
-        <p:spPr>
-          <a:xfrm>
-            <a:off x="3233207" y="2050256"/>
-            <a:ext cx="2371200" cy="1389900"/>
-          </a:xfrm>
-          <a:prstGeom prst="rect">
-            <a:avLst/>
-          </a:prstGeom>
-        </p:spPr>
-        <p:txBody>
-          <a:bodyPr spcFirstLastPara="1" wrap="square" lIns="91425" tIns="91425" rIns="91425" bIns="91425" anchor="t" anchorCtr="0">
-            <a:noAutofit/>
-          </a:bodyPr>
-          <a:lstStyle/>
-          <a:p>
-            <a:pPr marL="0" lvl="0" indent="0" algn="l" rtl="0">
-              <a:spcBef>
-                <a:spcPts val="600"/>
-              </a:spcBef>
-              <a:spcAft>
-                <a:spcPts val="0"/>
-              </a:spcAft>
-              <a:buNone/>
-            </a:pPr>
-            <a:r>
-              <a:rPr lang="en-US" sz="2800" b="1" dirty="0">
-                <a:solidFill>
-                  <a:srgbClr val="2185C5"/>
-                </a:solidFill>
-                <a:latin typeface="마루 부리 Beta" panose="020B0600000101010101" pitchFamily="50" charset="-127"/>
-                <a:ea typeface="마루 부리 Beta" panose="020B0600000101010101" pitchFamily="50" charset="-127"/>
-              </a:rPr>
-              <a:t>Second.</a:t>
-            </a:r>
-            <a:endParaRPr sz="2800" b="1" dirty="0">
-              <a:solidFill>
-                <a:srgbClr val="2185C5"/>
-              </a:solidFill>
-              <a:latin typeface="마루 부리 Beta" panose="020B0600000101010101" pitchFamily="50" charset="-127"/>
-              <a:ea typeface="마루 부리 Beta" panose="020B0600000101010101" pitchFamily="50" charset="-127"/>
-            </a:endParaRPr>
-          </a:p>
-          <a:p>
-            <a:pPr marL="0" lvl="0" indent="0" algn="l" rtl="0">
-              <a:spcBef>
-                <a:spcPts val="600"/>
-              </a:spcBef>
-              <a:spcAft>
-                <a:spcPts val="0"/>
-              </a:spcAft>
-              <a:buNone/>
-            </a:pPr>
-            <a:r>
-              <a:rPr lang="en" sz="2000" b="1" dirty="0">
-                <a:latin typeface="마루 부리 Beta" panose="020B0600000101010101" pitchFamily="50" charset="-127"/>
-                <a:ea typeface="마루 부리 Beta" panose="020B0600000101010101" pitchFamily="50" charset="-127"/>
-              </a:rPr>
-              <a:t>Branch &amp; Merge</a:t>
-            </a:r>
-            <a:endParaRPr sz="2000" b="1" dirty="0">
-              <a:latin typeface="마루 부리 Beta" panose="020B0600000101010101" pitchFamily="50" charset="-127"/>
-              <a:ea typeface="마루 부리 Beta" panose="020B0600000101010101" pitchFamily="50" charset="-127"/>
-            </a:endParaRPr>
-          </a:p>
-        </p:txBody>
-      </p:sp>
-      <p:sp>
-        <p:nvSpPr>
-          <p:cNvPr id="155" name="Google Shape;155;p20"/>
-          <p:cNvSpPr txBox="1">
-            <a:spLocks noGrp="1"/>
-          </p:cNvSpPr>
-          <p:nvPr>
-            <p:ph type="body" idx="3"/>
-          </p:nvPr>
-        </p:nvSpPr>
-        <p:spPr>
-          <a:xfrm>
-            <a:off x="6109375" y="2050256"/>
-            <a:ext cx="2371200" cy="1389900"/>
-          </a:xfrm>
-          <a:prstGeom prst="rect">
-            <a:avLst/>
-          </a:prstGeom>
-        </p:spPr>
-        <p:txBody>
-          <a:bodyPr spcFirstLastPara="1" wrap="square" lIns="91425" tIns="91425" rIns="91425" bIns="91425" anchor="t" anchorCtr="0">
-            <a:noAutofit/>
-          </a:bodyPr>
-          <a:lstStyle/>
-          <a:p>
-            <a:pPr marL="0" lvl="0" indent="0" algn="l" rtl="0">
-              <a:spcBef>
-                <a:spcPts val="600"/>
-              </a:spcBef>
-              <a:spcAft>
-                <a:spcPts val="0"/>
-              </a:spcAft>
-              <a:buNone/>
-            </a:pPr>
-            <a:r>
-              <a:rPr lang="en-US" sz="2800" b="1" dirty="0">
-                <a:solidFill>
-                  <a:srgbClr val="2185C5"/>
-                </a:solidFill>
-                <a:latin typeface="마루 부리 Beta" panose="020B0600000101010101" pitchFamily="50" charset="-127"/>
-                <a:ea typeface="마루 부리 Beta" panose="020B0600000101010101" pitchFamily="50" charset="-127"/>
-              </a:rPr>
-              <a:t>Third.</a:t>
-            </a:r>
-            <a:endParaRPr sz="2800" b="1" dirty="0">
-              <a:solidFill>
-                <a:srgbClr val="2185C5"/>
-              </a:solidFill>
-              <a:latin typeface="마루 부리 Beta" panose="020B0600000101010101" pitchFamily="50" charset="-127"/>
-              <a:ea typeface="마루 부리 Beta" panose="020B0600000101010101" pitchFamily="50" charset="-127"/>
-            </a:endParaRPr>
-          </a:p>
-          <a:p>
-            <a:pPr marL="0" lvl="0" indent="0" algn="l" rtl="0">
-              <a:spcBef>
-                <a:spcPts val="600"/>
-              </a:spcBef>
-              <a:spcAft>
-                <a:spcPts val="0"/>
-              </a:spcAft>
-              <a:buNone/>
-            </a:pPr>
-            <a:r>
-              <a:rPr lang="en-US" sz="2000" b="1" dirty="0">
-                <a:latin typeface="마루 부리 Beta" panose="020B0600000101010101" pitchFamily="50" charset="-127"/>
-                <a:ea typeface="마루 부리 Beta" panose="020B0600000101010101" pitchFamily="50" charset="-127"/>
-              </a:rPr>
-              <a:t>GitHub Pages</a:t>
-            </a:r>
-            <a:endParaRPr sz="2000" b="1" dirty="0">
-              <a:latin typeface="마루 부리 Beta" panose="020B0600000101010101" pitchFamily="50" charset="-127"/>
-              <a:ea typeface="마루 부리 Beta" panose="020B0600000101010101" pitchFamily="50" charset="-127"/>
-            </a:endParaRPr>
-          </a:p>
-          <a:p>
-            <a:pPr marL="0" lvl="0" indent="0" algn="l" rtl="0">
-              <a:spcBef>
-                <a:spcPts val="600"/>
-              </a:spcBef>
-              <a:spcAft>
-                <a:spcPts val="0"/>
-              </a:spcAft>
-              <a:buNone/>
-            </a:pPr>
-            <a:endParaRPr sz="2000" b="1" dirty="0">
-              <a:latin typeface="마루 부리 Beta" panose="020B0600000101010101" pitchFamily="50" charset="-127"/>
-              <a:ea typeface="마루 부리 Beta" panose="020B0600000101010101" pitchFamily="50" charset="-127"/>
-            </a:endParaRPr>
-          </a:p>
-        </p:txBody>
-      </p:sp>
-      <p:sp>
-        <p:nvSpPr>
-          <p:cNvPr id="156" name="Google Shape;156;p20"/>
-          <p:cNvSpPr txBox="1">
-            <a:spLocks noGrp="1"/>
-          </p:cNvSpPr>
-          <p:nvPr>
-            <p:ph type="sldNum" idx="12"/>
-          </p:nvPr>
-        </p:nvSpPr>
-        <p:spPr>
-          <a:xfrm>
-            <a:off x="8480575" y="4696933"/>
-            <a:ext cx="548700" cy="313500"/>
-          </a:xfrm>
-          <a:prstGeom prst="rect">
-            <a:avLst/>
-          </a:prstGeom>
-        </p:spPr>
-        <p:txBody>
-          <a:bodyPr spcFirstLastPara="1" wrap="square" lIns="91425" tIns="91425" rIns="91425" bIns="91425" anchor="t" anchorCtr="0">
-            <a:noAutofit/>
-          </a:bodyPr>
-          <a:lstStyle/>
-          <a:p>
-            <a:pPr marL="0" lvl="0" indent="0" algn="r" rtl="0">
-              <a:spcBef>
-                <a:spcPts val="0"/>
-              </a:spcBef>
-              <a:spcAft>
-                <a:spcPts val="0"/>
-              </a:spcAft>
-              <a:buNone/>
-            </a:pPr>
-            <a:fld id="{00000000-1234-1234-1234-123412341234}" type="slidenum">
-              <a:rPr lang="en" sz="1400" b="1">
-                <a:latin typeface="마루 부리 Beta" panose="020B0600000101010101" pitchFamily="50" charset="-127"/>
-                <a:ea typeface="마루 부리 Beta" panose="020B0600000101010101" pitchFamily="50" charset="-127"/>
-              </a:rPr>
-              <a:t>2</a:t>
-            </a:fld>
-            <a:endParaRPr sz="1400" b="1">
-              <a:latin typeface="마루 부리 Beta" panose="020B0600000101010101" pitchFamily="50" charset="-127"/>
-              <a:ea typeface="마루 부리 Beta" panose="020B0600000101010101" pitchFamily="50" charset="-127"/>
-            </a:endParaRPr>
-          </a:p>
-        </p:txBody>
-      </p:sp>
-    </p:spTree>
-  </p:cSld>
-  <p:clrMapOvr>
-    <a:masterClrMapping/>
-  </p:clrMapOvr>
-</p:sld>
-</file>
-
-<file path=ppt/slides/slide20.xml><?xml version="1.0" encoding="utf-8"?>
+<file path=ppt/slides/slide27.xml><?xml version="1.0" encoding="utf-8"?>
 <p:sld xmlns:a="http://schemas.openxmlformats.org/drawingml/2006/main" xmlns:r="http://schemas.openxmlformats.org/officeDocument/2006/relationships" xmlns:p="http://schemas.openxmlformats.org/presentationml/2006/main">
   <p:cSld>
     <p:spTree>
@@ -17769,7 +21523,7 @@
         </p:blipFill>
         <p:spPr bwMode="auto">
           <a:xfrm>
-            <a:off x="1504020" y="284729"/>
+            <a:off x="912893" y="122891"/>
             <a:ext cx="6509214" cy="4574042"/>
           </a:xfrm>
           <a:prstGeom prst="rect">
@@ -17823,41 +21577,12 @@
             </a:pPr>
             <a:fld id="{00000000-1234-1234-1234-123412341234}" type="slidenum">
               <a:rPr lang="en"/>
-              <a:t>20</a:t>
+              <a:t>27</a:t>
             </a:fld>
             <a:endParaRPr/>
           </a:p>
         </p:txBody>
       </p:sp>
-      <p:pic>
-        <p:nvPicPr>
-          <p:cNvPr id="5" name="그림 4" descr="텍스트, 스크린샷, 모니터, 컴퓨터이(가) 표시된 사진&#10;&#10;자동 생성된 설명">
-            <a:extLst>
-              <a:ext uri="{FF2B5EF4-FFF2-40B4-BE49-F238E27FC236}">
-                <a16:creationId xmlns:a16="http://schemas.microsoft.com/office/drawing/2014/main" id="{3DD85DD4-0978-493F-A3AA-FCACA8A2886F}"/>
-              </a:ext>
-            </a:extLst>
-          </p:cNvPr>
-          <p:cNvPicPr>
-            <a:picLocks noChangeAspect="1"/>
-          </p:cNvPicPr>
-          <p:nvPr/>
-        </p:nvPicPr>
-        <p:blipFill rotWithShape="1">
-          <a:blip r:embed="rId4"/>
-          <a:srcRect l="4412" t="4195" r="16389" b="9359"/>
-          <a:stretch/>
-        </p:blipFill>
-        <p:spPr>
-          <a:xfrm>
-            <a:off x="1486314" y="259087"/>
-            <a:ext cx="6026551" cy="3700089"/>
-          </a:xfrm>
-          <a:prstGeom prst="rect">
-            <a:avLst/>
-          </a:prstGeom>
-        </p:spPr>
-      </p:pic>
       <p:pic>
         <p:nvPicPr>
           <p:cNvPr id="9" name="그림 8" descr="텍스트, 모니터, 스크린샷, 컴퓨터이(가) 표시된 사진&#10;&#10;자동 생성된 설명">
@@ -17873,13 +21598,13 @@
           <p:nvPr/>
         </p:nvPicPr>
         <p:blipFill rotWithShape="1">
-          <a:blip r:embed="rId5"/>
+          <a:blip r:embed="rId4"/>
           <a:srcRect l="1898" t="4073" r="16353" b="10257"/>
           <a:stretch/>
         </p:blipFill>
         <p:spPr>
           <a:xfrm>
-            <a:off x="1400409" y="259087"/>
+            <a:off x="994009" y="430324"/>
             <a:ext cx="6716436" cy="3959176"/>
           </a:xfrm>
           <a:prstGeom prst="rect">
@@ -17887,55 +21612,6 @@
           </a:prstGeom>
         </p:spPr>
       </p:pic>
-      <p:sp>
-        <p:nvSpPr>
-          <p:cNvPr id="11" name="직사각형 10">
-            <a:extLst>
-              <a:ext uri="{FF2B5EF4-FFF2-40B4-BE49-F238E27FC236}">
-                <a16:creationId xmlns:a16="http://schemas.microsoft.com/office/drawing/2014/main" id="{0A10330D-B81C-4B62-BDC8-8DD6956F6F39}"/>
-              </a:ext>
-            </a:extLst>
-          </p:cNvPr>
-          <p:cNvSpPr/>
-          <p:nvPr/>
-        </p:nvSpPr>
-        <p:spPr>
-          <a:xfrm>
-            <a:off x="1793240" y="259087"/>
-            <a:ext cx="843280" cy="243840"/>
-          </a:xfrm>
-          <a:prstGeom prst="rect">
-            <a:avLst/>
-          </a:prstGeom>
-          <a:noFill/>
-        </p:spPr>
-        <p:style>
-          <a:lnRef idx="2">
-            <a:schemeClr val="accent3">
-              <a:shade val="50000"/>
-            </a:schemeClr>
-          </a:lnRef>
-          <a:fillRef idx="1">
-            <a:schemeClr val="accent3"/>
-          </a:fillRef>
-          <a:effectRef idx="0">
-            <a:schemeClr val="accent3"/>
-          </a:effectRef>
-          <a:fontRef idx="minor">
-            <a:schemeClr val="lt1"/>
-          </a:fontRef>
-        </p:style>
-        <p:txBody>
-          <a:bodyPr rtlCol="0" anchor="ctr"/>
-          <a:lstStyle/>
-          <a:p>
-            <a:pPr algn="ctr"/>
-            <a:endParaRPr lang="ko-KR" altLang="en-US" dirty="0">
-              <a:latin typeface="마루 부리 Beta" panose="020B0600000101010101" pitchFamily="50" charset="-127"/>
-            </a:endParaRPr>
-          </a:p>
-        </p:txBody>
-      </p:sp>
     </p:spTree>
     <p:extLst>
       <p:ext uri="{BB962C8B-B14F-4D97-AF65-F5344CB8AC3E}">
@@ -17980,97 +21656,7 @@
                                           </p:stCondLst>
                                         </p:cTn>
                                         <p:tgtEl>
-                                          <p:spTgt spid="5"/>
-                                        </p:tgtEl>
-                                        <p:attrNameLst>
-                                          <p:attrName>style.visibility</p:attrName>
-                                        </p:attrNameLst>
-                                      </p:cBhvr>
-                                      <p:to>
-                                        <p:strVal val="visible"/>
-                                      </p:to>
-                                    </p:set>
-                                  </p:childTnLst>
-                                </p:cTn>
-                              </p:par>
-                            </p:childTnLst>
-                          </p:cTn>
-                        </p:par>
-                      </p:childTnLst>
-                    </p:cTn>
-                  </p:par>
-                  <p:par>
-                    <p:cTn id="7" fill="hold">
-                      <p:stCondLst>
-                        <p:cond delay="indefinite"/>
-                      </p:stCondLst>
-                      <p:childTnLst>
-                        <p:par>
-                          <p:cTn id="8" fill="hold">
-                            <p:stCondLst>
-                              <p:cond delay="0"/>
-                            </p:stCondLst>
-                            <p:childTnLst>
-                              <p:par>
-                                <p:cTn id="9" presetID="1" presetClass="entr" presetSubtype="0" fill="hold" nodeType="clickEffect">
-                                  <p:stCondLst>
-                                    <p:cond delay="0"/>
-                                  </p:stCondLst>
-                                  <p:childTnLst>
-                                    <p:set>
-                                      <p:cBhvr>
-                                        <p:cTn id="10" dur="1" fill="hold">
-                                          <p:stCondLst>
-                                            <p:cond delay="0"/>
-                                          </p:stCondLst>
-                                        </p:cTn>
-                                        <p:tgtEl>
                                           <p:spTgt spid="9"/>
-                                        </p:tgtEl>
-                                        <p:attrNameLst>
-                                          <p:attrName>style.visibility</p:attrName>
-                                        </p:attrNameLst>
-                                      </p:cBhvr>
-                                      <p:to>
-                                        <p:strVal val="visible"/>
-                                      </p:to>
-                                    </p:set>
-                                  </p:childTnLst>
-                                </p:cTn>
-                              </p:par>
-                            </p:childTnLst>
-                          </p:cTn>
-                        </p:par>
-                      </p:childTnLst>
-                    </p:cTn>
-                  </p:par>
-                  <p:par>
-                    <p:cTn id="11" fill="hold">
-                      <p:stCondLst>
-                        <p:cond delay="indefinite"/>
-                      </p:stCondLst>
-                      <p:childTnLst>
-                        <p:par>
-                          <p:cTn id="12" fill="hold">
-                            <p:stCondLst>
-                              <p:cond delay="0"/>
-                            </p:stCondLst>
-                            <p:childTnLst>
-                              <p:par>
-                                <p:cTn id="13" presetID="1" presetClass="entr" presetSubtype="0" fill="hold" grpId="0" nodeType="clickEffect">
-                                  <p:stCondLst>
-                                    <p:cond delay="0"/>
-                                  </p:stCondLst>
-                                  <p:childTnLst>
-                                    <p:set>
-                                      <p:cBhvr>
-                                        <p:cTn id="14" dur="1" fill="hold">
-                                          <p:stCondLst>
-                                            <p:cond delay="0"/>
-                                          </p:stCondLst>
-                                        </p:cTn>
-                                        <p:tgtEl>
-                                          <p:spTgt spid="11"/>
                                         </p:tgtEl>
                                         <p:attrNameLst>
                                           <p:attrName>style.visibility</p:attrName>
@@ -18110,14 +21696,11 @@
         </p:cTn>
       </p:par>
     </p:tnLst>
-    <p:bldLst>
-      <p:bldP spid="11" grpId="0" animBg="1"/>
-    </p:bldLst>
   </p:timing>
 </p:sld>
 </file>
 
-<file path=ppt/slides/slide21.xml><?xml version="1.0" encoding="utf-8"?>
+<file path=ppt/slides/slide28.xml><?xml version="1.0" encoding="utf-8"?>
 <p:sld xmlns:a="http://schemas.openxmlformats.org/drawingml/2006/main" xmlns:r="http://schemas.openxmlformats.org/officeDocument/2006/relationships" xmlns:p="http://schemas.openxmlformats.org/presentationml/2006/main">
   <p:cSld>
     <p:spTree>
@@ -18170,7 +21753,7 @@
             </a:pPr>
             <a:fld id="{00000000-1234-1234-1234-123412341234}" type="slidenum">
               <a:rPr lang="en"/>
-              <a:t>21</a:t>
+              <a:t>28</a:t>
             </a:fld>
             <a:endParaRPr/>
           </a:p>
@@ -18516,7 +22099,7 @@
 </p:sld>
 </file>
 
-<file path=ppt/slides/slide22.xml><?xml version="1.0" encoding="utf-8"?>
+<file path=ppt/slides/slide29.xml><?xml version="1.0" encoding="utf-8"?>
 <p:sld xmlns:a="http://schemas.openxmlformats.org/drawingml/2006/main" xmlns:r="http://schemas.openxmlformats.org/officeDocument/2006/relationships" xmlns:p="http://schemas.openxmlformats.org/presentationml/2006/main">
   <p:cSld>
     <p:spTree>
@@ -18626,64 +22209,6 @@
               </a:solidFill>
               <a:latin typeface="마루 부리 Beta" panose="020B0600000101010101" pitchFamily="50" charset="-127"/>
               <a:ea typeface="마루 부리 Beta" panose="020B0600000101010101" pitchFamily="50" charset="-127"/>
-            </a:endParaRPr>
-          </a:p>
-        </p:txBody>
-      </p:sp>
-      <p:sp>
-        <p:nvSpPr>
-          <p:cNvPr id="133" name="Google Shape;133;p18"/>
-          <p:cNvSpPr txBox="1">
-            <a:spLocks noGrp="1"/>
-          </p:cNvSpPr>
-          <p:nvPr>
-            <p:ph type="subTitle" idx="4294967295"/>
-          </p:nvPr>
-        </p:nvSpPr>
-        <p:spPr>
-          <a:xfrm>
-            <a:off x="778225" y="3697313"/>
-            <a:ext cx="6623100" cy="784800"/>
-          </a:xfrm>
-          <a:prstGeom prst="rect">
-            <a:avLst/>
-          </a:prstGeom>
-        </p:spPr>
-        <p:txBody>
-          <a:bodyPr spcFirstLastPara="1" wrap="square" lIns="91425" tIns="91425" rIns="91425" bIns="91425" anchor="t" anchorCtr="0">
-            <a:noAutofit/>
-          </a:bodyPr>
-          <a:lstStyle/>
-          <a:p>
-            <a:pPr marL="0" lvl="0" indent="0" algn="l" rtl="0">
-              <a:spcBef>
-                <a:spcPts val="600"/>
-              </a:spcBef>
-              <a:spcAft>
-                <a:spcPts val="0"/>
-              </a:spcAft>
-              <a:buNone/>
-            </a:pPr>
-            <a:r>
-              <a:rPr lang="en-US" dirty="0">
-                <a:solidFill>
-                  <a:schemeClr val="lt1"/>
-                </a:solidFill>
-              </a:rPr>
-              <a:t>g</a:t>
-            </a:r>
-            <a:r>
-              <a:rPr lang="en" sz="2400" dirty="0">
-                <a:solidFill>
-                  <a:schemeClr val="lt1"/>
-                </a:solidFill>
-              </a:rPr>
-              <a:t>it clone,  git push, git pull</a:t>
-            </a:r>
-            <a:endParaRPr sz="2400" dirty="0">
-              <a:solidFill>
-                <a:schemeClr val="lt1"/>
-              </a:solidFill>
             </a:endParaRPr>
           </a:p>
         </p:txBody>
@@ -19699,7 +23224,7 @@
             </a:pPr>
             <a:fld id="{00000000-1234-1234-1234-123412341234}" type="slidenum">
               <a:rPr lang="en"/>
-              <a:t>22</a:t>
+              <a:t>29</a:t>
             </a:fld>
             <a:endParaRPr/>
           </a:p>
@@ -22501,6 +26026,8 @@
                 <a:solidFill>
                   <a:schemeClr val="accent2"/>
                 </a:solidFill>
+                <a:latin typeface="마루 부리 Beta" panose="020B0600000101010101" pitchFamily="50" charset="-127"/>
+                <a:ea typeface="마루 부리 Beta" panose="020B0600000101010101" pitchFamily="50" charset="-127"/>
               </a:rPr>
               <a:t>2.</a:t>
             </a:r>
@@ -22508,6 +26035,8 @@
               <a:solidFill>
                 <a:schemeClr val="accent2"/>
               </a:solidFill>
+              <a:latin typeface="마루 부리 Beta" panose="020B0600000101010101" pitchFamily="50" charset="-127"/>
+              <a:ea typeface="마루 부리 Beta" panose="020B0600000101010101" pitchFamily="50" charset="-127"/>
             </a:endParaRPr>
           </a:p>
           <a:p>
@@ -22521,7 +26050,10 @@
               <a:buNone/>
             </a:pPr>
             <a:r>
-              <a:rPr lang="en-US" altLang="ko-KR" sz="4800" dirty="0"/>
+              <a:rPr lang="en-US" altLang="ko-KR" sz="4800" dirty="0">
+                <a:latin typeface="마루 부리 Beta" panose="020B0600000101010101" pitchFamily="50" charset="-127"/>
+                <a:ea typeface="마루 부리 Beta" panose="020B0600000101010101" pitchFamily="50" charset="-127"/>
+              </a:rPr>
               <a:t>Branch &amp; Merge</a:t>
             </a:r>
           </a:p>
